--- a/complete-guide-to-elasticsearch/elasticsearch.pptx
+++ b/complete-guide-to-elasticsearch/elasticsearch.pptx
@@ -26001,7 +26001,7 @@
               <a:r>
                 <a:rPr kumimoji="1" lang="en-US" altLang="ko-Kore-KR" sz="1200" b="1" dirty="0">
                   <a:solidFill>
-                    <a:srgbClr val="5DA2C5"/>
+                    <a:srgbClr val="FF0000"/>
                   </a:solidFill>
                   <a:latin typeface="SHeadG" panose="02030600000101010101" pitchFamily="18" charset="-127"/>
                   <a:ea typeface="SHeadG" panose="02030600000101010101" pitchFamily="18" charset="-127"/>
@@ -26011,7 +26011,7 @@
               <a:r>
                 <a:rPr kumimoji="1" lang="en-US" altLang="ko-Kore-KR" sz="1200" b="1" dirty="0" err="1">
                   <a:solidFill>
-                    <a:srgbClr val="5DA2C5"/>
+                    <a:srgbClr val="FF0000"/>
                   </a:solidFill>
                   <a:latin typeface="SHeadG" panose="02030600000101010101" pitchFamily="18" charset="-127"/>
                   <a:ea typeface="SHeadG" panose="02030600000101010101" pitchFamily="18" charset="-127"/>
@@ -26021,7 +26021,7 @@
               <a:r>
                 <a:rPr kumimoji="1" lang="en-US" altLang="ko-Kore-KR" sz="1200" b="1" dirty="0">
                   <a:solidFill>
-                    <a:srgbClr val="5DA2C5"/>
+                    <a:srgbClr val="FF0000"/>
                   </a:solidFill>
                   <a:latin typeface="SHeadG" panose="02030600000101010101" pitchFamily="18" charset="-127"/>
                   <a:ea typeface="SHeadG" panose="02030600000101010101" pitchFamily="18" charset="-127"/>
@@ -26082,10 +26082,10 @@
       </p:grpSp>
       <p:grpSp>
         <p:nvGrpSpPr>
-          <p:cNvPr id="9" name="그룹 8">
+          <p:cNvPr id="10" name="그룹 9">
             <a:extLst>
               <a:ext uri="{FF2B5EF4-FFF2-40B4-BE49-F238E27FC236}">
-                <a16:creationId xmlns:a16="http://schemas.microsoft.com/office/drawing/2014/main" id="{4D0BE8BC-41E6-694D-BEBF-711613E98136}"/>
+                <a16:creationId xmlns:a16="http://schemas.microsoft.com/office/drawing/2014/main" id="{364942DA-BB83-5A4B-B84A-582EB7FB7ADF}"/>
               </a:ext>
             </a:extLst>
           </p:cNvPr>
@@ -26094,152 +26094,88 @@
         </p:nvGrpSpPr>
         <p:grpSpPr>
           <a:xfrm>
-            <a:off x="4725370" y="3897761"/>
-            <a:ext cx="1567149" cy="1663793"/>
-            <a:chOff x="5782989" y="802021"/>
-            <a:chExt cx="1567149" cy="1663793"/>
+            <a:off x="4856575" y="3897761"/>
+            <a:ext cx="1329893" cy="1309990"/>
+            <a:chOff x="3878855" y="1101686"/>
+            <a:chExt cx="1786416" cy="1786416"/>
           </a:xfrm>
         </p:grpSpPr>
-        <p:grpSp>
-          <p:nvGrpSpPr>
-            <p:cNvPr id="10" name="그룹 9">
+        <p:pic>
+          <p:nvPicPr>
+            <p:cNvPr id="12" name="그림 11">
               <a:extLst>
                 <a:ext uri="{FF2B5EF4-FFF2-40B4-BE49-F238E27FC236}">
-                  <a16:creationId xmlns:a16="http://schemas.microsoft.com/office/drawing/2014/main" id="{364942DA-BB83-5A4B-B84A-582EB7FB7ADF}"/>
+                  <a16:creationId xmlns:a16="http://schemas.microsoft.com/office/drawing/2014/main" id="{371E8385-89BB-8048-A8C1-98B3DF307838}"/>
                 </a:ext>
               </a:extLst>
             </p:cNvPr>
-            <p:cNvGrpSpPr/>
+            <p:cNvPicPr>
+              <a:picLocks noChangeAspect="1"/>
+            </p:cNvPicPr>
             <p:nvPr/>
-          </p:nvGrpSpPr>
-          <p:grpSpPr>
-            <a:xfrm>
-              <a:off x="5914194" y="802021"/>
-              <a:ext cx="1329893" cy="1309990"/>
-              <a:chOff x="3878855" y="1101686"/>
-              <a:chExt cx="1786416" cy="1786416"/>
-            </a:xfrm>
-          </p:grpSpPr>
-          <p:pic>
-            <p:nvPicPr>
-              <p:cNvPr id="12" name="그림 11">
-                <a:extLst>
-                  <a:ext uri="{FF2B5EF4-FFF2-40B4-BE49-F238E27FC236}">
-                    <a16:creationId xmlns:a16="http://schemas.microsoft.com/office/drawing/2014/main" id="{371E8385-89BB-8048-A8C1-98B3DF307838}"/>
-                  </a:ext>
-                </a:extLst>
-              </p:cNvPr>
-              <p:cNvPicPr>
-                <a:picLocks noChangeAspect="1"/>
-              </p:cNvPicPr>
-              <p:nvPr/>
-            </p:nvPicPr>
-            <p:blipFill>
-              <a:blip r:embed="rId2">
-                <a:duotone>
-                  <a:schemeClr val="accent4">
-                    <a:shade val="45000"/>
-                    <a:satMod val="135000"/>
-                  </a:schemeClr>
-                  <a:prstClr val="white"/>
-                </a:duotone>
-              </a:blip>
-              <a:stretch>
-                <a:fillRect/>
-              </a:stretch>
-            </p:blipFill>
-            <p:spPr>
-              <a:xfrm>
-                <a:off x="3878855" y="1101686"/>
-                <a:ext cx="1786416" cy="1786416"/>
-              </a:xfrm>
-              <a:prstGeom prst="rect">
-                <a:avLst/>
-              </a:prstGeom>
-            </p:spPr>
-          </p:pic>
-          <p:pic>
-            <p:nvPicPr>
-              <p:cNvPr id="13" name="그림 12">
-                <a:extLst>
-                  <a:ext uri="{FF2B5EF4-FFF2-40B4-BE49-F238E27FC236}">
-                    <a16:creationId xmlns:a16="http://schemas.microsoft.com/office/drawing/2014/main" id="{05877B73-5634-6E4B-AE77-83A4CD011AF1}"/>
-                  </a:ext>
-                </a:extLst>
-              </p:cNvPr>
-              <p:cNvPicPr>
-                <a:picLocks noChangeAspect="1"/>
-              </p:cNvPicPr>
-              <p:nvPr/>
-            </p:nvPicPr>
-            <p:blipFill>
-              <a:blip r:embed="rId3">
-                <a:duotone>
-                  <a:schemeClr val="accent5">
-                    <a:shade val="45000"/>
-                    <a:satMod val="135000"/>
-                  </a:schemeClr>
-                  <a:prstClr val="white"/>
-                </a:duotone>
-              </a:blip>
-              <a:stretch>
-                <a:fillRect/>
-              </a:stretch>
-            </p:blipFill>
-            <p:spPr>
-              <a:xfrm>
-                <a:off x="4519593" y="1742424"/>
-                <a:ext cx="504940" cy="504940"/>
-              </a:xfrm>
-              <a:prstGeom prst="rect">
-                <a:avLst/>
-              </a:prstGeom>
-            </p:spPr>
-          </p:pic>
-        </p:grpSp>
-        <p:sp>
-          <p:nvSpPr>
-            <p:cNvPr id="11" name="TextBox 10">
-              <a:extLst>
-                <a:ext uri="{FF2B5EF4-FFF2-40B4-BE49-F238E27FC236}">
-                  <a16:creationId xmlns:a16="http://schemas.microsoft.com/office/drawing/2014/main" id="{87D15BEB-22AC-BF48-979B-83857B0AE040}"/>
-                </a:ext>
-              </a:extLst>
-            </p:cNvPr>
-            <p:cNvSpPr txBox="1"/>
-            <p:nvPr/>
-          </p:nvSpPr>
+          </p:nvPicPr>
+          <p:blipFill>
+            <a:blip r:embed="rId2">
+              <a:duotone>
+                <a:schemeClr val="accent4">
+                  <a:shade val="45000"/>
+                  <a:satMod val="135000"/>
+                </a:schemeClr>
+                <a:prstClr val="white"/>
+              </a:duotone>
+            </a:blip>
+            <a:stretch>
+              <a:fillRect/>
+            </a:stretch>
+          </p:blipFill>
           <p:spPr>
             <a:xfrm>
-              <a:off x="5782989" y="2188815"/>
-              <a:ext cx="1567149" cy="276999"/>
+              <a:off x="3878855" y="1101686"/>
+              <a:ext cx="1786416" cy="1786416"/>
             </a:xfrm>
             <a:prstGeom prst="rect">
               <a:avLst/>
             </a:prstGeom>
-            <a:noFill/>
           </p:spPr>
-          <p:txBody>
-            <a:bodyPr wrap="square">
-              <a:spAutoFit/>
-            </a:bodyPr>
-            <a:lstStyle/>
-            <a:p>
-              <a:pPr algn="ctr"/>
-              <a:r>
-                <a:rPr kumimoji="1" lang="en-US" altLang="ko-Kore-KR" sz="1200" b="1" dirty="0">
-                  <a:solidFill>
-                    <a:srgbClr val="5DA2C5"/>
-                  </a:solidFill>
-                  <a:latin typeface="SHeadG" panose="02030600000101010101" pitchFamily="18" charset="-127"/>
-                  <a:ea typeface="SHeadG" panose="02030600000101010101" pitchFamily="18" charset="-127"/>
-                </a:rPr>
-                <a:t>standard analyzer</a:t>
-              </a:r>
-              <a:endParaRPr lang="ko-Kore-KR" altLang="en-US" sz="1200" b="1" dirty="0"/>
-            </a:p>
-          </p:txBody>
-        </p:sp>
+        </p:pic>
+        <p:pic>
+          <p:nvPicPr>
+            <p:cNvPr id="13" name="그림 12">
+              <a:extLst>
+                <a:ext uri="{FF2B5EF4-FFF2-40B4-BE49-F238E27FC236}">
+                  <a16:creationId xmlns:a16="http://schemas.microsoft.com/office/drawing/2014/main" id="{05877B73-5634-6E4B-AE77-83A4CD011AF1}"/>
+                </a:ext>
+              </a:extLst>
+            </p:cNvPr>
+            <p:cNvPicPr>
+              <a:picLocks noChangeAspect="1"/>
+            </p:cNvPicPr>
+            <p:nvPr/>
+          </p:nvPicPr>
+          <p:blipFill>
+            <a:blip r:embed="rId3">
+              <a:duotone>
+                <a:schemeClr val="accent5">
+                  <a:shade val="45000"/>
+                  <a:satMod val="135000"/>
+                </a:schemeClr>
+                <a:prstClr val="white"/>
+              </a:duotone>
+            </a:blip>
+            <a:stretch>
+              <a:fillRect/>
+            </a:stretch>
+          </p:blipFill>
+          <p:spPr>
+            <a:xfrm>
+              <a:off x="4519593" y="1742424"/>
+              <a:ext cx="504940" cy="504940"/>
+            </a:xfrm>
+            <a:prstGeom prst="rect">
+              <a:avLst/>
+            </a:prstGeom>
+          </p:spPr>
+        </p:pic>
       </p:grpSp>
       <p:cxnSp>
         <p:nvCxnSpPr>

--- a/complete-guide-to-elasticsearch/elasticsearch.pptx
+++ b/complete-guide-to-elasticsearch/elasticsearch.pptx
@@ -37,6 +37,10 @@
     <p:sldId id="301" r:id="rId31"/>
     <p:sldId id="302" r:id="rId32"/>
     <p:sldId id="303" r:id="rId33"/>
+    <p:sldId id="304" r:id="rId34"/>
+    <p:sldId id="305" r:id="rId35"/>
+    <p:sldId id="306" r:id="rId36"/>
+    <p:sldId id="307" r:id="rId37"/>
   </p:sldIdLst>
   <p:sldSz cx="12192000" cy="6858000"/>
   <p:notesSz cx="6858000" cy="9144000"/>
@@ -274,7 +278,7 @@
           <a:p>
             <a:fld id="{3083E1A9-A397-4745-BD5D-6E8E767939EE}" type="datetimeFigureOut">
               <a:rPr kumimoji="1" lang="ko-Kore-KR" altLang="en-US" smtClean="0"/>
-              <a:t>2022. 8. 19.</a:t>
+              <a:t>2022. 8. 21.</a:t>
             </a:fld>
             <a:endParaRPr kumimoji="1" lang="ko-Kore-KR" altLang="en-US"/>
           </a:p>
@@ -444,7 +448,7 @@
           <a:p>
             <a:fld id="{3083E1A9-A397-4745-BD5D-6E8E767939EE}" type="datetimeFigureOut">
               <a:rPr kumimoji="1" lang="ko-Kore-KR" altLang="en-US" smtClean="0"/>
-              <a:t>2022. 8. 19.</a:t>
+              <a:t>2022. 8. 21.</a:t>
             </a:fld>
             <a:endParaRPr kumimoji="1" lang="ko-Kore-KR" altLang="en-US"/>
           </a:p>
@@ -624,7 +628,7 @@
           <a:p>
             <a:fld id="{3083E1A9-A397-4745-BD5D-6E8E767939EE}" type="datetimeFigureOut">
               <a:rPr kumimoji="1" lang="ko-Kore-KR" altLang="en-US" smtClean="0"/>
-              <a:t>2022. 8. 19.</a:t>
+              <a:t>2022. 8. 21.</a:t>
             </a:fld>
             <a:endParaRPr kumimoji="1" lang="ko-Kore-KR" altLang="en-US"/>
           </a:p>
@@ -794,7 +798,7 @@
           <a:p>
             <a:fld id="{3083E1A9-A397-4745-BD5D-6E8E767939EE}" type="datetimeFigureOut">
               <a:rPr kumimoji="1" lang="ko-Kore-KR" altLang="en-US" smtClean="0"/>
-              <a:t>2022. 8. 19.</a:t>
+              <a:t>2022. 8. 21.</a:t>
             </a:fld>
             <a:endParaRPr kumimoji="1" lang="ko-Kore-KR" altLang="en-US"/>
           </a:p>
@@ -1040,7 +1044,7 @@
           <a:p>
             <a:fld id="{3083E1A9-A397-4745-BD5D-6E8E767939EE}" type="datetimeFigureOut">
               <a:rPr kumimoji="1" lang="ko-Kore-KR" altLang="en-US" smtClean="0"/>
-              <a:t>2022. 8. 19.</a:t>
+              <a:t>2022. 8. 21.</a:t>
             </a:fld>
             <a:endParaRPr kumimoji="1" lang="ko-Kore-KR" altLang="en-US"/>
           </a:p>
@@ -1272,7 +1276,7 @@
           <a:p>
             <a:fld id="{3083E1A9-A397-4745-BD5D-6E8E767939EE}" type="datetimeFigureOut">
               <a:rPr kumimoji="1" lang="ko-Kore-KR" altLang="en-US" smtClean="0"/>
-              <a:t>2022. 8. 19.</a:t>
+              <a:t>2022. 8. 21.</a:t>
             </a:fld>
             <a:endParaRPr kumimoji="1" lang="ko-Kore-KR" altLang="en-US"/>
           </a:p>
@@ -1639,7 +1643,7 @@
           <a:p>
             <a:fld id="{3083E1A9-A397-4745-BD5D-6E8E767939EE}" type="datetimeFigureOut">
               <a:rPr kumimoji="1" lang="ko-Kore-KR" altLang="en-US" smtClean="0"/>
-              <a:t>2022. 8. 19.</a:t>
+              <a:t>2022. 8. 21.</a:t>
             </a:fld>
             <a:endParaRPr kumimoji="1" lang="ko-Kore-KR" altLang="en-US"/>
           </a:p>
@@ -1757,7 +1761,7 @@
           <a:p>
             <a:fld id="{3083E1A9-A397-4745-BD5D-6E8E767939EE}" type="datetimeFigureOut">
               <a:rPr kumimoji="1" lang="ko-Kore-KR" altLang="en-US" smtClean="0"/>
-              <a:t>2022. 8. 19.</a:t>
+              <a:t>2022. 8. 21.</a:t>
             </a:fld>
             <a:endParaRPr kumimoji="1" lang="ko-Kore-KR" altLang="en-US"/>
           </a:p>
@@ -1852,7 +1856,7 @@
           <a:p>
             <a:fld id="{3083E1A9-A397-4745-BD5D-6E8E767939EE}" type="datetimeFigureOut">
               <a:rPr kumimoji="1" lang="ko-Kore-KR" altLang="en-US" smtClean="0"/>
-              <a:t>2022. 8. 19.</a:t>
+              <a:t>2022. 8. 21.</a:t>
             </a:fld>
             <a:endParaRPr kumimoji="1" lang="ko-Kore-KR" altLang="en-US"/>
           </a:p>
@@ -2129,7 +2133,7 @@
           <a:p>
             <a:fld id="{3083E1A9-A397-4745-BD5D-6E8E767939EE}" type="datetimeFigureOut">
               <a:rPr kumimoji="1" lang="ko-Kore-KR" altLang="en-US" smtClean="0"/>
-              <a:t>2022. 8. 19.</a:t>
+              <a:t>2022. 8. 21.</a:t>
             </a:fld>
             <a:endParaRPr kumimoji="1" lang="ko-Kore-KR" altLang="en-US"/>
           </a:p>
@@ -2386,7 +2390,7 @@
           <a:p>
             <a:fld id="{3083E1A9-A397-4745-BD5D-6E8E767939EE}" type="datetimeFigureOut">
               <a:rPr kumimoji="1" lang="ko-Kore-KR" altLang="en-US" smtClean="0"/>
-              <a:t>2022. 8. 19.</a:t>
+              <a:t>2022. 8. 21.</a:t>
             </a:fld>
             <a:endParaRPr kumimoji="1" lang="ko-Kore-KR" altLang="en-US"/>
           </a:p>
@@ -2599,7 +2603,7 @@
           <a:p>
             <a:fld id="{3083E1A9-A397-4745-BD5D-6E8E767939EE}" type="datetimeFigureOut">
               <a:rPr kumimoji="1" lang="ko-Kore-KR" altLang="en-US" smtClean="0"/>
-              <a:t>2022. 8. 19.</a:t>
+              <a:t>2022. 8. 21.</a:t>
             </a:fld>
             <a:endParaRPr kumimoji="1" lang="ko-Kore-KR" altLang="en-US"/>
           </a:p>
@@ -3730,27 +3734,7 @@
                 <a:latin typeface="SHeadG" panose="02030600000101010101" pitchFamily="18" charset="-127"/>
                 <a:ea typeface="SHeadG" panose="02030600000101010101" pitchFamily="18" charset="-127"/>
               </a:rPr>
-              <a:t> = </a:t>
-            </a:r>
-            <a:r>
-              <a:rPr kumimoji="1" lang="en" altLang="ko-Kore-KR" sz="1200" b="1" dirty="0" err="1">
-                <a:solidFill>
-                  <a:srgbClr val="5DA2C5"/>
-                </a:solidFill>
-                <a:latin typeface="SHeadG" panose="02030600000101010101" pitchFamily="18" charset="-127"/>
-                <a:ea typeface="SHeadG" panose="02030600000101010101" pitchFamily="18" charset="-127"/>
-              </a:rPr>
-              <a:t>shash</a:t>
-            </a:r>
-            <a:r>
-              <a:rPr kumimoji="1" lang="en" altLang="ko-Kore-KR" sz="1200" b="1" dirty="0">
-                <a:solidFill>
-                  <a:srgbClr val="5DA2C5"/>
-                </a:solidFill>
-                <a:latin typeface="SHeadG" panose="02030600000101010101" pitchFamily="18" charset="-127"/>
-                <a:ea typeface="SHeadG" panose="02030600000101010101" pitchFamily="18" charset="-127"/>
-              </a:rPr>
-              <a:t>(_routing) % </a:t>
+              <a:t> = hash(_routing) % </a:t>
             </a:r>
             <a:r>
               <a:rPr kumimoji="1" lang="en" altLang="ko-Kore-KR" sz="1200" b="1" dirty="0" err="1">
@@ -26556,6 +26540,4220 @@
 </p:sld>
 </file>
 
+<file path=ppt/slides/slide33.xml><?xml version="1.0" encoding="utf-8"?>
+<p:sld xmlns:a="http://schemas.openxmlformats.org/drawingml/2006/main" xmlns:r="http://schemas.openxmlformats.org/officeDocument/2006/relationships" xmlns:p="http://schemas.openxmlformats.org/presentationml/2006/main">
+  <p:cSld>
+    <p:spTree>
+      <p:nvGrpSpPr>
+        <p:cNvPr id="1" name=""/>
+        <p:cNvGrpSpPr/>
+        <p:nvPr/>
+      </p:nvGrpSpPr>
+      <p:grpSpPr>
+        <a:xfrm>
+          <a:off x="0" y="0"/>
+          <a:ext cx="0" cy="0"/>
+          <a:chOff x="0" y="0"/>
+          <a:chExt cx="0" cy="0"/>
+        </a:xfrm>
+      </p:grpSpPr>
+      <p:graphicFrame>
+        <p:nvGraphicFramePr>
+          <p:cNvPr id="3" name="표 3">
+            <a:extLst>
+              <a:ext uri="{FF2B5EF4-FFF2-40B4-BE49-F238E27FC236}">
+                <a16:creationId xmlns:a16="http://schemas.microsoft.com/office/drawing/2014/main" id="{18D8B29D-5537-D344-B860-F67C24A9EB43}"/>
+              </a:ext>
+            </a:extLst>
+          </p:cNvPr>
+          <p:cNvGraphicFramePr>
+            <a:graphicFrameLocks noGrp="1"/>
+          </p:cNvGraphicFramePr>
+          <p:nvPr>
+            <p:extLst>
+              <p:ext uri="{D42A27DB-BD31-4B8C-83A1-F6EECF244321}">
+                <p14:modId xmlns:p14="http://schemas.microsoft.com/office/powerpoint/2010/main" val="3669512623"/>
+              </p:ext>
+            </p:extLst>
+          </p:nvPr>
+        </p:nvGraphicFramePr>
+        <p:xfrm>
+          <a:off x="2032001" y="719666"/>
+          <a:ext cx="2017486" cy="1559560"/>
+        </p:xfrm>
+        <a:graphic>
+          <a:graphicData uri="http://schemas.openxmlformats.org/drawingml/2006/table">
+            <a:tbl>
+              <a:tblPr firstRow="1" bandRow="1">
+                <a:tableStyleId>{5C22544A-7EE6-4342-B048-85BDC9FD1C3A}</a:tableStyleId>
+              </a:tblPr>
+              <a:tblGrid>
+                <a:gridCol w="2017486">
+                  <a:extLst>
+                    <a:ext uri="{9D8B030D-6E8A-4147-A177-3AD203B41FA5}">
+                      <a16:colId xmlns:a16="http://schemas.microsoft.com/office/drawing/2014/main" val="527497409"/>
+                    </a:ext>
+                  </a:extLst>
+                </a:gridCol>
+              </a:tblGrid>
+              <a:tr h="370840">
+                <a:tc>
+                  <a:txBody>
+                    <a:bodyPr/>
+                    <a:lstStyle/>
+                    <a:p>
+                      <a:pPr algn="ctr"/>
+                      <a:r>
+                        <a:rPr lang="en-US" altLang="ko-Kore-KR" sz="1200" dirty="0">
+                          <a:latin typeface="SHeadG" panose="02030600000101010101" pitchFamily="18" charset="-127"/>
+                          <a:ea typeface="SHeadG" panose="02030600000101010101" pitchFamily="18" charset="-127"/>
+                        </a:rPr>
+                        <a:t>employee</a:t>
+                      </a:r>
+                    </a:p>
+                  </a:txBody>
+                  <a:tcPr/>
+                </a:tc>
+                <a:extLst>
+                  <a:ext uri="{0D108BD9-81ED-4DB2-BD59-A6C34878D82A}">
+                    <a16:rowId xmlns:a16="http://schemas.microsoft.com/office/drawing/2014/main" val="117219833"/>
+                  </a:ext>
+                </a:extLst>
+              </a:tr>
+              <a:tr h="370840">
+                <a:tc>
+                  <a:txBody>
+                    <a:bodyPr/>
+                    <a:lstStyle/>
+                    <a:p>
+                      <a:r>
+                        <a:rPr lang="en-US" altLang="ko-Kore-KR" sz="1200" dirty="0">
+                          <a:latin typeface="SHeadG" panose="02030600000101010101" pitchFamily="18" charset="-127"/>
+                          <a:ea typeface="SHeadG" panose="02030600000101010101" pitchFamily="18" charset="-127"/>
+                        </a:rPr>
+                        <a:t>id</a:t>
+                      </a:r>
+                    </a:p>
+                    <a:p>
+                      <a:r>
+                        <a:rPr lang="en-US" altLang="ko-Kore-KR" sz="1200" dirty="0" err="1">
+                          <a:latin typeface="SHeadG" panose="02030600000101010101" pitchFamily="18" charset="-127"/>
+                          <a:ea typeface="SHeadG" panose="02030600000101010101" pitchFamily="18" charset="-127"/>
+                        </a:rPr>
+                        <a:t>first_name</a:t>
+                      </a:r>
+                      <a:endParaRPr lang="en-US" altLang="ko-Kore-KR" sz="1200" dirty="0">
+                        <a:latin typeface="SHeadG" panose="02030600000101010101" pitchFamily="18" charset="-127"/>
+                        <a:ea typeface="SHeadG" panose="02030600000101010101" pitchFamily="18" charset="-127"/>
+                      </a:endParaRPr>
+                    </a:p>
+                    <a:p>
+                      <a:r>
+                        <a:rPr lang="en-US" altLang="ko-Kore-KR" sz="1200" dirty="0" err="1">
+                          <a:latin typeface="SHeadG" panose="02030600000101010101" pitchFamily="18" charset="-127"/>
+                          <a:ea typeface="SHeadG" panose="02030600000101010101" pitchFamily="18" charset="-127"/>
+                        </a:rPr>
+                        <a:t>last_name</a:t>
+                      </a:r>
+                      <a:endParaRPr lang="en-US" altLang="ko-Kore-KR" sz="1200" dirty="0">
+                        <a:latin typeface="SHeadG" panose="02030600000101010101" pitchFamily="18" charset="-127"/>
+                        <a:ea typeface="SHeadG" panose="02030600000101010101" pitchFamily="18" charset="-127"/>
+                      </a:endParaRPr>
+                    </a:p>
+                    <a:p>
+                      <a:r>
+                        <a:rPr lang="en-US" altLang="ko-Kore-KR" sz="1200" dirty="0" err="1">
+                          <a:latin typeface="SHeadG" panose="02030600000101010101" pitchFamily="18" charset="-127"/>
+                          <a:ea typeface="SHeadG" panose="02030600000101010101" pitchFamily="18" charset="-127"/>
+                        </a:rPr>
+                        <a:t>phone_number</a:t>
+                      </a:r>
+                      <a:endParaRPr lang="en-US" altLang="ko-Kore-KR" sz="1200" dirty="0">
+                        <a:latin typeface="SHeadG" panose="02030600000101010101" pitchFamily="18" charset="-127"/>
+                        <a:ea typeface="SHeadG" panose="02030600000101010101" pitchFamily="18" charset="-127"/>
+                      </a:endParaRPr>
+                    </a:p>
+                    <a:p>
+                      <a:r>
+                        <a:rPr lang="en-US" altLang="ko-Kore-KR" sz="1200" dirty="0" err="1">
+                          <a:latin typeface="SHeadG" panose="02030600000101010101" pitchFamily="18" charset="-127"/>
+                          <a:ea typeface="SHeadG" panose="02030600000101010101" pitchFamily="18" charset="-127"/>
+                        </a:rPr>
+                        <a:t>address_id</a:t>
+                      </a:r>
+                      <a:endParaRPr lang="en-US" altLang="ko-Kore-KR" sz="1200" dirty="0">
+                        <a:latin typeface="SHeadG" panose="02030600000101010101" pitchFamily="18" charset="-127"/>
+                        <a:ea typeface="SHeadG" panose="02030600000101010101" pitchFamily="18" charset="-127"/>
+                      </a:endParaRPr>
+                    </a:p>
+                    <a:p>
+                      <a:r>
+                        <a:rPr lang="en-US" altLang="ko-Kore-KR" sz="1200" dirty="0">
+                          <a:latin typeface="SHeadG" panose="02030600000101010101" pitchFamily="18" charset="-127"/>
+                          <a:ea typeface="SHeadG" panose="02030600000101010101" pitchFamily="18" charset="-127"/>
+                        </a:rPr>
+                        <a:t>...</a:t>
+                      </a:r>
+                      <a:endParaRPr lang="ko-Kore-KR" altLang="en-US" sz="1200" dirty="0">
+                        <a:latin typeface="SHeadG" panose="02030600000101010101" pitchFamily="18" charset="-127"/>
+                        <a:ea typeface="SHeadG" panose="02030600000101010101" pitchFamily="18" charset="-127"/>
+                      </a:endParaRPr>
+                    </a:p>
+                  </a:txBody>
+                  <a:tcPr/>
+                </a:tc>
+                <a:extLst>
+                  <a:ext uri="{0D108BD9-81ED-4DB2-BD59-A6C34878D82A}">
+                    <a16:rowId xmlns:a16="http://schemas.microsoft.com/office/drawing/2014/main" val="2870828140"/>
+                  </a:ext>
+                </a:extLst>
+              </a:tr>
+            </a:tbl>
+          </a:graphicData>
+        </a:graphic>
+      </p:graphicFrame>
+      <p:graphicFrame>
+        <p:nvGraphicFramePr>
+          <p:cNvPr id="26" name="표 3">
+            <a:extLst>
+              <a:ext uri="{FF2B5EF4-FFF2-40B4-BE49-F238E27FC236}">
+                <a16:creationId xmlns:a16="http://schemas.microsoft.com/office/drawing/2014/main" id="{D61E1201-5D0E-E44D-9AB8-2E12DFF07CF1}"/>
+              </a:ext>
+            </a:extLst>
+          </p:cNvPr>
+          <p:cNvGraphicFramePr>
+            <a:graphicFrameLocks noGrp="1"/>
+          </p:cNvGraphicFramePr>
+          <p:nvPr>
+            <p:extLst>
+              <p:ext uri="{D42A27DB-BD31-4B8C-83A1-F6EECF244321}">
+                <p14:modId xmlns:p14="http://schemas.microsoft.com/office/powerpoint/2010/main" val="1603907361"/>
+              </p:ext>
+            </p:extLst>
+          </p:nvPr>
+        </p:nvGraphicFramePr>
+        <p:xfrm>
+          <a:off x="6125029" y="719666"/>
+          <a:ext cx="2017486" cy="1376680"/>
+        </p:xfrm>
+        <a:graphic>
+          <a:graphicData uri="http://schemas.openxmlformats.org/drawingml/2006/table">
+            <a:tbl>
+              <a:tblPr firstRow="1" bandRow="1">
+                <a:tableStyleId>{5C22544A-7EE6-4342-B048-85BDC9FD1C3A}</a:tableStyleId>
+              </a:tblPr>
+              <a:tblGrid>
+                <a:gridCol w="2017486">
+                  <a:extLst>
+                    <a:ext uri="{9D8B030D-6E8A-4147-A177-3AD203B41FA5}">
+                      <a16:colId xmlns:a16="http://schemas.microsoft.com/office/drawing/2014/main" val="527497409"/>
+                    </a:ext>
+                  </a:extLst>
+                </a:gridCol>
+              </a:tblGrid>
+              <a:tr h="370840">
+                <a:tc>
+                  <a:txBody>
+                    <a:bodyPr/>
+                    <a:lstStyle/>
+                    <a:p>
+                      <a:pPr algn="ctr"/>
+                      <a:r>
+                        <a:rPr lang="en-US" altLang="ko-Kore-KR" sz="1200" dirty="0">
+                          <a:latin typeface="SHeadG" panose="02030600000101010101" pitchFamily="18" charset="-127"/>
+                          <a:ea typeface="SHeadG" panose="02030600000101010101" pitchFamily="18" charset="-127"/>
+                        </a:rPr>
+                        <a:t>address</a:t>
+                      </a:r>
+                    </a:p>
+                  </a:txBody>
+                  <a:tcPr/>
+                </a:tc>
+                <a:extLst>
+                  <a:ext uri="{0D108BD9-81ED-4DB2-BD59-A6C34878D82A}">
+                    <a16:rowId xmlns:a16="http://schemas.microsoft.com/office/drawing/2014/main" val="117219833"/>
+                  </a:ext>
+                </a:extLst>
+              </a:tr>
+              <a:tr h="370840">
+                <a:tc>
+                  <a:txBody>
+                    <a:bodyPr/>
+                    <a:lstStyle/>
+                    <a:p>
+                      <a:r>
+                        <a:rPr lang="en-US" altLang="ko-Kore-KR" sz="1200" dirty="0">
+                          <a:latin typeface="SHeadG" panose="02030600000101010101" pitchFamily="18" charset="-127"/>
+                          <a:ea typeface="SHeadG" panose="02030600000101010101" pitchFamily="18" charset="-127"/>
+                        </a:rPr>
+                        <a:t>id</a:t>
+                      </a:r>
+                    </a:p>
+                    <a:p>
+                      <a:r>
+                        <a:rPr lang="en-US" altLang="ko-Kore-KR" sz="1200" dirty="0" err="1">
+                          <a:latin typeface="SHeadG" panose="02030600000101010101" pitchFamily="18" charset="-127"/>
+                          <a:ea typeface="SHeadG" panose="02030600000101010101" pitchFamily="18" charset="-127"/>
+                        </a:rPr>
+                        <a:t>street_name</a:t>
+                      </a:r>
+                      <a:endParaRPr lang="en-US" altLang="ko-Kore-KR" sz="1200" dirty="0">
+                        <a:latin typeface="SHeadG" panose="02030600000101010101" pitchFamily="18" charset="-127"/>
+                        <a:ea typeface="SHeadG" panose="02030600000101010101" pitchFamily="18" charset="-127"/>
+                      </a:endParaRPr>
+                    </a:p>
+                    <a:p>
+                      <a:r>
+                        <a:rPr lang="en-US" altLang="ko-Kore-KR" sz="1200" dirty="0" err="1">
+                          <a:latin typeface="SHeadG" panose="02030600000101010101" pitchFamily="18" charset="-127"/>
+                          <a:ea typeface="SHeadG" panose="02030600000101010101" pitchFamily="18" charset="-127"/>
+                        </a:rPr>
+                        <a:t>postal_code</a:t>
+                      </a:r>
+                      <a:endParaRPr lang="en-US" altLang="ko-Kore-KR" sz="1200" dirty="0">
+                        <a:latin typeface="SHeadG" panose="02030600000101010101" pitchFamily="18" charset="-127"/>
+                        <a:ea typeface="SHeadG" panose="02030600000101010101" pitchFamily="18" charset="-127"/>
+                      </a:endParaRPr>
+                    </a:p>
+                    <a:p>
+                      <a:r>
+                        <a:rPr lang="en-US" altLang="ko-Kore-KR" sz="1200" dirty="0">
+                          <a:latin typeface="SHeadG" panose="02030600000101010101" pitchFamily="18" charset="-127"/>
+                          <a:ea typeface="SHeadG" panose="02030600000101010101" pitchFamily="18" charset="-127"/>
+                        </a:rPr>
+                        <a:t>city</a:t>
+                      </a:r>
+                    </a:p>
+                    <a:p>
+                      <a:r>
+                        <a:rPr lang="en-US" altLang="ko-Kore-KR" sz="1200" dirty="0">
+                          <a:latin typeface="SHeadG" panose="02030600000101010101" pitchFamily="18" charset="-127"/>
+                          <a:ea typeface="SHeadG" panose="02030600000101010101" pitchFamily="18" charset="-127"/>
+                        </a:rPr>
+                        <a:t>...</a:t>
+                      </a:r>
+                      <a:endParaRPr lang="ko-Kore-KR" altLang="en-US" sz="1200" dirty="0">
+                        <a:latin typeface="SHeadG" panose="02030600000101010101" pitchFamily="18" charset="-127"/>
+                        <a:ea typeface="SHeadG" panose="02030600000101010101" pitchFamily="18" charset="-127"/>
+                      </a:endParaRPr>
+                    </a:p>
+                  </a:txBody>
+                  <a:tcPr/>
+                </a:tc>
+                <a:extLst>
+                  <a:ext uri="{0D108BD9-81ED-4DB2-BD59-A6C34878D82A}">
+                    <a16:rowId xmlns:a16="http://schemas.microsoft.com/office/drawing/2014/main" val="2870828140"/>
+                  </a:ext>
+                </a:extLst>
+              </a:tr>
+            </a:tbl>
+          </a:graphicData>
+        </a:graphic>
+      </p:graphicFrame>
+      <p:cxnSp>
+        <p:nvCxnSpPr>
+          <p:cNvPr id="27" name="직선 화살표 연결선 26">
+            <a:extLst>
+              <a:ext uri="{FF2B5EF4-FFF2-40B4-BE49-F238E27FC236}">
+                <a16:creationId xmlns:a16="http://schemas.microsoft.com/office/drawing/2014/main" id="{7ABF6014-71BA-D94F-8F09-99BC39192A23}"/>
+              </a:ext>
+            </a:extLst>
+          </p:cNvPr>
+          <p:cNvCxnSpPr>
+            <a:cxnSpLocks/>
+          </p:cNvCxnSpPr>
+          <p:nvPr/>
+        </p:nvCxnSpPr>
+        <p:spPr>
+          <a:xfrm>
+            <a:off x="4204903" y="1611610"/>
+            <a:ext cx="1749583" cy="0"/>
+          </a:xfrm>
+          <a:prstGeom prst="straightConnector1">
+            <a:avLst/>
+          </a:prstGeom>
+          <a:ln w="25400">
+            <a:solidFill>
+              <a:srgbClr val="5DA2C5"/>
+            </a:solidFill>
+            <a:tailEnd type="stealth" w="lg" len="lg"/>
+          </a:ln>
+        </p:spPr>
+        <p:style>
+          <a:lnRef idx="1">
+            <a:schemeClr val="accent1"/>
+          </a:lnRef>
+          <a:fillRef idx="0">
+            <a:schemeClr val="accent1"/>
+          </a:fillRef>
+          <a:effectRef idx="0">
+            <a:schemeClr val="accent1"/>
+          </a:effectRef>
+          <a:fontRef idx="minor">
+            <a:schemeClr val="tx1"/>
+          </a:fontRef>
+        </p:style>
+      </p:cxnSp>
+      <p:graphicFrame>
+        <p:nvGraphicFramePr>
+          <p:cNvPr id="5" name="표 5">
+            <a:extLst>
+              <a:ext uri="{FF2B5EF4-FFF2-40B4-BE49-F238E27FC236}">
+                <a16:creationId xmlns:a16="http://schemas.microsoft.com/office/drawing/2014/main" id="{73305EC5-50AA-374A-9F20-25BAF2AC545E}"/>
+              </a:ext>
+            </a:extLst>
+          </p:cNvPr>
+          <p:cNvGraphicFramePr>
+            <a:graphicFrameLocks noGrp="1"/>
+          </p:cNvGraphicFramePr>
+          <p:nvPr>
+            <p:extLst>
+              <p:ext uri="{D42A27DB-BD31-4B8C-83A1-F6EECF244321}">
+                <p14:modId xmlns:p14="http://schemas.microsoft.com/office/powerpoint/2010/main" val="2368307576"/>
+              </p:ext>
+            </p:extLst>
+          </p:nvPr>
+        </p:nvGraphicFramePr>
+        <p:xfrm>
+          <a:off x="355600" y="3626638"/>
+          <a:ext cx="5011055" cy="1483360"/>
+        </p:xfrm>
+        <a:graphic>
+          <a:graphicData uri="http://schemas.openxmlformats.org/drawingml/2006/table">
+            <a:tbl>
+              <a:tblPr firstRow="1" bandRow="1">
+                <a:tableStyleId>{5C22544A-7EE6-4342-B048-85BDC9FD1C3A}</a:tableStyleId>
+              </a:tblPr>
+              <a:tblGrid>
+                <a:gridCol w="485445">
+                  <a:extLst>
+                    <a:ext uri="{9D8B030D-6E8A-4147-A177-3AD203B41FA5}">
+                      <a16:colId xmlns:a16="http://schemas.microsoft.com/office/drawing/2014/main" val="1767643919"/>
+                    </a:ext>
+                  </a:extLst>
+                </a:gridCol>
+                <a:gridCol w="1009526">
+                  <a:extLst>
+                    <a:ext uri="{9D8B030D-6E8A-4147-A177-3AD203B41FA5}">
+                      <a16:colId xmlns:a16="http://schemas.microsoft.com/office/drawing/2014/main" val="29747858"/>
+                    </a:ext>
+                  </a:extLst>
+                </a:gridCol>
+                <a:gridCol w="1045028">
+                  <a:extLst>
+                    <a:ext uri="{9D8B030D-6E8A-4147-A177-3AD203B41FA5}">
+                      <a16:colId xmlns:a16="http://schemas.microsoft.com/office/drawing/2014/main" val="1081124979"/>
+                    </a:ext>
+                  </a:extLst>
+                </a:gridCol>
+                <a:gridCol w="1349829">
+                  <a:extLst>
+                    <a:ext uri="{9D8B030D-6E8A-4147-A177-3AD203B41FA5}">
+                      <a16:colId xmlns:a16="http://schemas.microsoft.com/office/drawing/2014/main" val="3298044242"/>
+                    </a:ext>
+                  </a:extLst>
+                </a:gridCol>
+                <a:gridCol w="1121227">
+                  <a:extLst>
+                    <a:ext uri="{9D8B030D-6E8A-4147-A177-3AD203B41FA5}">
+                      <a16:colId xmlns:a16="http://schemas.microsoft.com/office/drawing/2014/main" val="950214408"/>
+                    </a:ext>
+                  </a:extLst>
+                </a:gridCol>
+              </a:tblGrid>
+              <a:tr h="370840">
+                <a:tc>
+                  <a:txBody>
+                    <a:bodyPr/>
+                    <a:lstStyle/>
+                    <a:p>
+                      <a:pPr algn="ctr"/>
+                      <a:r>
+                        <a:rPr lang="en-US" altLang="ko-Kore-KR" sz="1200" dirty="0">
+                          <a:latin typeface="SHeadG" panose="02030600000101010101" pitchFamily="18" charset="-127"/>
+                          <a:ea typeface="SHeadG" panose="02030600000101010101" pitchFamily="18" charset="-127"/>
+                        </a:rPr>
+                        <a:t>id</a:t>
+                      </a:r>
+                      <a:endParaRPr lang="ko-Kore-KR" altLang="en-US" sz="1200" dirty="0">
+                        <a:latin typeface="SHeadG" panose="02030600000101010101" pitchFamily="18" charset="-127"/>
+                        <a:ea typeface="SHeadG" panose="02030600000101010101" pitchFamily="18" charset="-127"/>
+                      </a:endParaRPr>
+                    </a:p>
+                  </a:txBody>
+                  <a:tcPr/>
+                </a:tc>
+                <a:tc>
+                  <a:txBody>
+                    <a:bodyPr/>
+                    <a:lstStyle/>
+                    <a:p>
+                      <a:pPr algn="ctr"/>
+                      <a:r>
+                        <a:rPr lang="en-US" altLang="ko-Kore-KR" sz="1200" dirty="0" err="1">
+                          <a:latin typeface="SHeadG" panose="02030600000101010101" pitchFamily="18" charset="-127"/>
+                          <a:ea typeface="SHeadG" panose="02030600000101010101" pitchFamily="18" charset="-127"/>
+                        </a:rPr>
+                        <a:t>first_name</a:t>
+                      </a:r>
+                      <a:endParaRPr lang="ko-Kore-KR" altLang="en-US" sz="1200" dirty="0">
+                        <a:latin typeface="SHeadG" panose="02030600000101010101" pitchFamily="18" charset="-127"/>
+                        <a:ea typeface="SHeadG" panose="02030600000101010101" pitchFamily="18" charset="-127"/>
+                      </a:endParaRPr>
+                    </a:p>
+                  </a:txBody>
+                  <a:tcPr/>
+                </a:tc>
+                <a:tc>
+                  <a:txBody>
+                    <a:bodyPr/>
+                    <a:lstStyle/>
+                    <a:p>
+                      <a:pPr algn="ctr"/>
+                      <a:r>
+                        <a:rPr lang="en-US" altLang="ko-Kore-KR" sz="1200" dirty="0" err="1">
+                          <a:latin typeface="SHeadG" panose="02030600000101010101" pitchFamily="18" charset="-127"/>
+                          <a:ea typeface="SHeadG" panose="02030600000101010101" pitchFamily="18" charset="-127"/>
+                        </a:rPr>
+                        <a:t>last_name</a:t>
+                      </a:r>
+                      <a:endParaRPr lang="ko-Kore-KR" altLang="en-US" sz="1200" dirty="0">
+                        <a:latin typeface="SHeadG" panose="02030600000101010101" pitchFamily="18" charset="-127"/>
+                        <a:ea typeface="SHeadG" panose="02030600000101010101" pitchFamily="18" charset="-127"/>
+                      </a:endParaRPr>
+                    </a:p>
+                  </a:txBody>
+                  <a:tcPr/>
+                </a:tc>
+                <a:tc>
+                  <a:txBody>
+                    <a:bodyPr/>
+                    <a:lstStyle/>
+                    <a:p>
+                      <a:pPr algn="ctr"/>
+                      <a:r>
+                        <a:rPr lang="en-US" altLang="ko-Kore-KR" sz="1200" dirty="0" err="1">
+                          <a:latin typeface="SHeadG" panose="02030600000101010101" pitchFamily="18" charset="-127"/>
+                          <a:ea typeface="SHeadG" panose="02030600000101010101" pitchFamily="18" charset="-127"/>
+                        </a:rPr>
+                        <a:t>phone_number</a:t>
+                      </a:r>
+                      <a:endParaRPr lang="ko-Kore-KR" altLang="en-US" sz="1200" dirty="0">
+                        <a:latin typeface="SHeadG" panose="02030600000101010101" pitchFamily="18" charset="-127"/>
+                        <a:ea typeface="SHeadG" panose="02030600000101010101" pitchFamily="18" charset="-127"/>
+                      </a:endParaRPr>
+                    </a:p>
+                  </a:txBody>
+                  <a:tcPr/>
+                </a:tc>
+                <a:tc>
+                  <a:txBody>
+                    <a:bodyPr/>
+                    <a:lstStyle/>
+                    <a:p>
+                      <a:pPr algn="ctr"/>
+                      <a:r>
+                        <a:rPr lang="en-US" altLang="ko-Kore-KR" sz="1200" dirty="0" err="1">
+                          <a:latin typeface="SHeadG" panose="02030600000101010101" pitchFamily="18" charset="-127"/>
+                          <a:ea typeface="SHeadG" panose="02030600000101010101" pitchFamily="18" charset="-127"/>
+                        </a:rPr>
+                        <a:t>address_id</a:t>
+                      </a:r>
+                      <a:endParaRPr lang="ko-Kore-KR" altLang="en-US" sz="1200" dirty="0">
+                        <a:latin typeface="SHeadG" panose="02030600000101010101" pitchFamily="18" charset="-127"/>
+                        <a:ea typeface="SHeadG" panose="02030600000101010101" pitchFamily="18" charset="-127"/>
+                      </a:endParaRPr>
+                    </a:p>
+                  </a:txBody>
+                  <a:tcPr/>
+                </a:tc>
+                <a:extLst>
+                  <a:ext uri="{0D108BD9-81ED-4DB2-BD59-A6C34878D82A}">
+                    <a16:rowId xmlns:a16="http://schemas.microsoft.com/office/drawing/2014/main" val="678870318"/>
+                  </a:ext>
+                </a:extLst>
+              </a:tr>
+              <a:tr h="370840">
+                <a:tc>
+                  <a:txBody>
+                    <a:bodyPr/>
+                    <a:lstStyle/>
+                    <a:p>
+                      <a:pPr algn="ctr"/>
+                      <a:r>
+                        <a:rPr lang="en-US" altLang="ko-Kore-KR" sz="1200" dirty="0">
+                          <a:latin typeface="SHeadG" panose="02030600000101010101" pitchFamily="18" charset="-127"/>
+                          <a:ea typeface="SHeadG" panose="02030600000101010101" pitchFamily="18" charset="-127"/>
+                        </a:rPr>
+                        <a:t>1</a:t>
+                      </a:r>
+                      <a:endParaRPr lang="ko-Kore-KR" altLang="en-US" sz="1200" dirty="0">
+                        <a:latin typeface="SHeadG" panose="02030600000101010101" pitchFamily="18" charset="-127"/>
+                        <a:ea typeface="SHeadG" panose="02030600000101010101" pitchFamily="18" charset="-127"/>
+                      </a:endParaRPr>
+                    </a:p>
+                  </a:txBody>
+                  <a:tcPr/>
+                </a:tc>
+                <a:tc>
+                  <a:txBody>
+                    <a:bodyPr/>
+                    <a:lstStyle/>
+                    <a:p>
+                      <a:pPr algn="ctr"/>
+                      <a:r>
+                        <a:rPr lang="en-US" altLang="ko-Kore-KR" sz="1200" dirty="0">
+                          <a:latin typeface="SHeadG" panose="02030600000101010101" pitchFamily="18" charset="-127"/>
+                          <a:ea typeface="SHeadG" panose="02030600000101010101" pitchFamily="18" charset="-127"/>
+                        </a:rPr>
+                        <a:t>Todd</a:t>
+                      </a:r>
+                      <a:endParaRPr lang="ko-Kore-KR" altLang="en-US" sz="1200" dirty="0">
+                        <a:latin typeface="SHeadG" panose="02030600000101010101" pitchFamily="18" charset="-127"/>
+                        <a:ea typeface="SHeadG" panose="02030600000101010101" pitchFamily="18" charset="-127"/>
+                      </a:endParaRPr>
+                    </a:p>
+                  </a:txBody>
+                  <a:tcPr/>
+                </a:tc>
+                <a:tc>
+                  <a:txBody>
+                    <a:bodyPr/>
+                    <a:lstStyle/>
+                    <a:p>
+                      <a:pPr algn="ctr"/>
+                      <a:r>
+                        <a:rPr lang="en-US" altLang="ko-Kore-KR" sz="1200" dirty="0">
+                          <a:latin typeface="SHeadG" panose="02030600000101010101" pitchFamily="18" charset="-127"/>
+                          <a:ea typeface="SHeadG" panose="02030600000101010101" pitchFamily="18" charset="-127"/>
+                        </a:rPr>
+                        <a:t>Murphy</a:t>
+                      </a:r>
+                      <a:endParaRPr lang="ko-Kore-KR" altLang="en-US" sz="1200" dirty="0">
+                        <a:latin typeface="SHeadG" panose="02030600000101010101" pitchFamily="18" charset="-127"/>
+                        <a:ea typeface="SHeadG" panose="02030600000101010101" pitchFamily="18" charset="-127"/>
+                      </a:endParaRPr>
+                    </a:p>
+                  </a:txBody>
+                  <a:tcPr/>
+                </a:tc>
+                <a:tc>
+                  <a:txBody>
+                    <a:bodyPr/>
+                    <a:lstStyle/>
+                    <a:p>
+                      <a:pPr algn="ctr"/>
+                      <a:r>
+                        <a:rPr lang="en-US" altLang="ko-Kore-KR" sz="1200" dirty="0">
+                          <a:latin typeface="SHeadG" panose="02030600000101010101" pitchFamily="18" charset="-127"/>
+                          <a:ea typeface="SHeadG" panose="02030600000101010101" pitchFamily="18" charset="-127"/>
+                        </a:rPr>
+                        <a:t>12345678</a:t>
+                      </a:r>
+                      <a:endParaRPr lang="ko-Kore-KR" altLang="en-US" sz="1200" dirty="0">
+                        <a:latin typeface="SHeadG" panose="02030600000101010101" pitchFamily="18" charset="-127"/>
+                        <a:ea typeface="SHeadG" panose="02030600000101010101" pitchFamily="18" charset="-127"/>
+                      </a:endParaRPr>
+                    </a:p>
+                  </a:txBody>
+                  <a:tcPr/>
+                </a:tc>
+                <a:tc>
+                  <a:txBody>
+                    <a:bodyPr/>
+                    <a:lstStyle/>
+                    <a:p>
+                      <a:pPr algn="ctr"/>
+                      <a:r>
+                        <a:rPr lang="en-US" altLang="ko-Kore-KR" sz="1200" dirty="0">
+                          <a:latin typeface="SHeadG" panose="02030600000101010101" pitchFamily="18" charset="-127"/>
+                          <a:ea typeface="SHeadG" panose="02030600000101010101" pitchFamily="18" charset="-127"/>
+                        </a:rPr>
+                        <a:t>1</a:t>
+                      </a:r>
+                      <a:endParaRPr lang="ko-Kore-KR" altLang="en-US" sz="1200" dirty="0">
+                        <a:latin typeface="SHeadG" panose="02030600000101010101" pitchFamily="18" charset="-127"/>
+                        <a:ea typeface="SHeadG" panose="02030600000101010101" pitchFamily="18" charset="-127"/>
+                      </a:endParaRPr>
+                    </a:p>
+                  </a:txBody>
+                  <a:tcPr/>
+                </a:tc>
+                <a:extLst>
+                  <a:ext uri="{0D108BD9-81ED-4DB2-BD59-A6C34878D82A}">
+                    <a16:rowId xmlns:a16="http://schemas.microsoft.com/office/drawing/2014/main" val="382904664"/>
+                  </a:ext>
+                </a:extLst>
+              </a:tr>
+              <a:tr h="370840">
+                <a:tc>
+                  <a:txBody>
+                    <a:bodyPr/>
+                    <a:lstStyle/>
+                    <a:p>
+                      <a:pPr algn="ctr"/>
+                      <a:r>
+                        <a:rPr lang="en-US" altLang="ko-Kore-KR" sz="1200" dirty="0">
+                          <a:latin typeface="SHeadG" panose="02030600000101010101" pitchFamily="18" charset="-127"/>
+                          <a:ea typeface="SHeadG" panose="02030600000101010101" pitchFamily="18" charset="-127"/>
+                        </a:rPr>
+                        <a:t>2</a:t>
+                      </a:r>
+                      <a:endParaRPr lang="ko-Kore-KR" altLang="en-US" sz="1200" dirty="0">
+                        <a:latin typeface="SHeadG" panose="02030600000101010101" pitchFamily="18" charset="-127"/>
+                        <a:ea typeface="SHeadG" panose="02030600000101010101" pitchFamily="18" charset="-127"/>
+                      </a:endParaRPr>
+                    </a:p>
+                  </a:txBody>
+                  <a:tcPr/>
+                </a:tc>
+                <a:tc>
+                  <a:txBody>
+                    <a:bodyPr/>
+                    <a:lstStyle/>
+                    <a:p>
+                      <a:pPr algn="ctr"/>
+                      <a:r>
+                        <a:rPr lang="en-US" altLang="ko-Kore-KR" sz="1200" dirty="0">
+                          <a:latin typeface="SHeadG" panose="02030600000101010101" pitchFamily="18" charset="-127"/>
+                          <a:ea typeface="SHeadG" panose="02030600000101010101" pitchFamily="18" charset="-127"/>
+                        </a:rPr>
+                        <a:t>Jessica</a:t>
+                      </a:r>
+                      <a:endParaRPr lang="ko-Kore-KR" altLang="en-US" sz="1200" dirty="0">
+                        <a:latin typeface="SHeadG" panose="02030600000101010101" pitchFamily="18" charset="-127"/>
+                        <a:ea typeface="SHeadG" panose="02030600000101010101" pitchFamily="18" charset="-127"/>
+                      </a:endParaRPr>
+                    </a:p>
+                  </a:txBody>
+                  <a:tcPr/>
+                </a:tc>
+                <a:tc>
+                  <a:txBody>
+                    <a:bodyPr/>
+                    <a:lstStyle/>
+                    <a:p>
+                      <a:pPr algn="ctr"/>
+                      <a:r>
+                        <a:rPr lang="en-US" altLang="ko-Kore-KR" sz="1200" dirty="0">
+                          <a:latin typeface="SHeadG" panose="02030600000101010101" pitchFamily="18" charset="-127"/>
+                          <a:ea typeface="SHeadG" panose="02030600000101010101" pitchFamily="18" charset="-127"/>
+                        </a:rPr>
+                        <a:t>Parker</a:t>
+                      </a:r>
+                      <a:endParaRPr lang="ko-Kore-KR" altLang="en-US" sz="1200" dirty="0">
+                        <a:latin typeface="SHeadG" panose="02030600000101010101" pitchFamily="18" charset="-127"/>
+                        <a:ea typeface="SHeadG" panose="02030600000101010101" pitchFamily="18" charset="-127"/>
+                      </a:endParaRPr>
+                    </a:p>
+                  </a:txBody>
+                  <a:tcPr/>
+                </a:tc>
+                <a:tc>
+                  <a:txBody>
+                    <a:bodyPr/>
+                    <a:lstStyle/>
+                    <a:p>
+                      <a:pPr algn="ctr"/>
+                      <a:r>
+                        <a:rPr lang="en-US" altLang="ko-Kore-KR" sz="1200" dirty="0">
+                          <a:latin typeface="SHeadG" panose="02030600000101010101" pitchFamily="18" charset="-127"/>
+                          <a:ea typeface="SHeadG" panose="02030600000101010101" pitchFamily="18" charset="-127"/>
+                        </a:rPr>
+                        <a:t>12345678</a:t>
+                      </a:r>
+                      <a:endParaRPr lang="ko-Kore-KR" altLang="en-US" sz="1200" dirty="0">
+                        <a:latin typeface="SHeadG" panose="02030600000101010101" pitchFamily="18" charset="-127"/>
+                        <a:ea typeface="SHeadG" panose="02030600000101010101" pitchFamily="18" charset="-127"/>
+                      </a:endParaRPr>
+                    </a:p>
+                  </a:txBody>
+                  <a:tcPr/>
+                </a:tc>
+                <a:tc>
+                  <a:txBody>
+                    <a:bodyPr/>
+                    <a:lstStyle/>
+                    <a:p>
+                      <a:pPr algn="ctr"/>
+                      <a:r>
+                        <a:rPr lang="en-US" altLang="ko-Kore-KR" sz="1200" dirty="0">
+                          <a:latin typeface="SHeadG" panose="02030600000101010101" pitchFamily="18" charset="-127"/>
+                          <a:ea typeface="SHeadG" panose="02030600000101010101" pitchFamily="18" charset="-127"/>
+                        </a:rPr>
+                        <a:t>6</a:t>
+                      </a:r>
+                      <a:endParaRPr lang="ko-Kore-KR" altLang="en-US" sz="1200" dirty="0">
+                        <a:latin typeface="SHeadG" panose="02030600000101010101" pitchFamily="18" charset="-127"/>
+                        <a:ea typeface="SHeadG" panose="02030600000101010101" pitchFamily="18" charset="-127"/>
+                      </a:endParaRPr>
+                    </a:p>
+                  </a:txBody>
+                  <a:tcPr/>
+                </a:tc>
+                <a:extLst>
+                  <a:ext uri="{0D108BD9-81ED-4DB2-BD59-A6C34878D82A}">
+                    <a16:rowId xmlns:a16="http://schemas.microsoft.com/office/drawing/2014/main" val="675708482"/>
+                  </a:ext>
+                </a:extLst>
+              </a:tr>
+              <a:tr h="370840">
+                <a:tc>
+                  <a:txBody>
+                    <a:bodyPr/>
+                    <a:lstStyle/>
+                    <a:p>
+                      <a:pPr algn="ctr"/>
+                      <a:r>
+                        <a:rPr lang="en-US" altLang="ko-Kore-KR" sz="1200" dirty="0">
+                          <a:latin typeface="SHeadG" panose="02030600000101010101" pitchFamily="18" charset="-127"/>
+                          <a:ea typeface="SHeadG" panose="02030600000101010101" pitchFamily="18" charset="-127"/>
+                        </a:rPr>
+                        <a:t>3</a:t>
+                      </a:r>
+                      <a:endParaRPr lang="ko-Kore-KR" altLang="en-US" sz="1200" dirty="0">
+                        <a:latin typeface="SHeadG" panose="02030600000101010101" pitchFamily="18" charset="-127"/>
+                        <a:ea typeface="SHeadG" panose="02030600000101010101" pitchFamily="18" charset="-127"/>
+                      </a:endParaRPr>
+                    </a:p>
+                  </a:txBody>
+                  <a:tcPr/>
+                </a:tc>
+                <a:tc>
+                  <a:txBody>
+                    <a:bodyPr/>
+                    <a:lstStyle/>
+                    <a:p>
+                      <a:pPr algn="ctr"/>
+                      <a:r>
+                        <a:rPr lang="en-US" altLang="ko-Kore-KR" sz="1200" dirty="0">
+                          <a:latin typeface="SHeadG" panose="02030600000101010101" pitchFamily="18" charset="-127"/>
+                          <a:ea typeface="SHeadG" panose="02030600000101010101" pitchFamily="18" charset="-127"/>
+                        </a:rPr>
+                        <a:t>Bo</a:t>
+                      </a:r>
+                      <a:endParaRPr lang="ko-Kore-KR" altLang="en-US" sz="1200" dirty="0">
+                        <a:latin typeface="SHeadG" panose="02030600000101010101" pitchFamily="18" charset="-127"/>
+                        <a:ea typeface="SHeadG" panose="02030600000101010101" pitchFamily="18" charset="-127"/>
+                      </a:endParaRPr>
+                    </a:p>
+                  </a:txBody>
+                  <a:tcPr/>
+                </a:tc>
+                <a:tc>
+                  <a:txBody>
+                    <a:bodyPr/>
+                    <a:lstStyle/>
+                    <a:p>
+                      <a:pPr algn="ctr"/>
+                      <a:r>
+                        <a:rPr lang="en-US" altLang="ko-Kore-KR" sz="1200" dirty="0">
+                          <a:latin typeface="SHeadG" panose="02030600000101010101" pitchFamily="18" charset="-127"/>
+                          <a:ea typeface="SHeadG" panose="02030600000101010101" pitchFamily="18" charset="-127"/>
+                        </a:rPr>
+                        <a:t>Andersen</a:t>
+                      </a:r>
+                      <a:endParaRPr lang="ko-Kore-KR" altLang="en-US" sz="1200" dirty="0">
+                        <a:latin typeface="SHeadG" panose="02030600000101010101" pitchFamily="18" charset="-127"/>
+                        <a:ea typeface="SHeadG" panose="02030600000101010101" pitchFamily="18" charset="-127"/>
+                      </a:endParaRPr>
+                    </a:p>
+                  </a:txBody>
+                  <a:tcPr/>
+                </a:tc>
+                <a:tc>
+                  <a:txBody>
+                    <a:bodyPr/>
+                    <a:lstStyle/>
+                    <a:p>
+                      <a:pPr algn="ctr"/>
+                      <a:r>
+                        <a:rPr lang="en-US" altLang="ko-Kore-KR" sz="1200" dirty="0">
+                          <a:latin typeface="SHeadG" panose="02030600000101010101" pitchFamily="18" charset="-127"/>
+                          <a:ea typeface="SHeadG" panose="02030600000101010101" pitchFamily="18" charset="-127"/>
+                        </a:rPr>
+                        <a:t>12345678</a:t>
+                      </a:r>
+                      <a:endParaRPr lang="ko-Kore-KR" altLang="en-US" sz="1200" dirty="0">
+                        <a:latin typeface="SHeadG" panose="02030600000101010101" pitchFamily="18" charset="-127"/>
+                        <a:ea typeface="SHeadG" panose="02030600000101010101" pitchFamily="18" charset="-127"/>
+                      </a:endParaRPr>
+                    </a:p>
+                  </a:txBody>
+                  <a:tcPr/>
+                </a:tc>
+                <a:tc>
+                  <a:txBody>
+                    <a:bodyPr/>
+                    <a:lstStyle/>
+                    <a:p>
+                      <a:pPr algn="ctr"/>
+                      <a:r>
+                        <a:rPr lang="en-US" altLang="ko-Kore-KR" sz="1200" dirty="0">
+                          <a:latin typeface="SHeadG" panose="02030600000101010101" pitchFamily="18" charset="-127"/>
+                          <a:ea typeface="SHeadG" panose="02030600000101010101" pitchFamily="18" charset="-127"/>
+                        </a:rPr>
+                        <a:t>3</a:t>
+                      </a:r>
+                      <a:endParaRPr lang="ko-Kore-KR" altLang="en-US" sz="1200" dirty="0">
+                        <a:latin typeface="SHeadG" panose="02030600000101010101" pitchFamily="18" charset="-127"/>
+                        <a:ea typeface="SHeadG" panose="02030600000101010101" pitchFamily="18" charset="-127"/>
+                      </a:endParaRPr>
+                    </a:p>
+                  </a:txBody>
+                  <a:tcPr/>
+                </a:tc>
+                <a:extLst>
+                  <a:ext uri="{0D108BD9-81ED-4DB2-BD59-A6C34878D82A}">
+                    <a16:rowId xmlns:a16="http://schemas.microsoft.com/office/drawing/2014/main" val="1076174837"/>
+                  </a:ext>
+                </a:extLst>
+              </a:tr>
+            </a:tbl>
+          </a:graphicData>
+        </a:graphic>
+      </p:graphicFrame>
+      <p:graphicFrame>
+        <p:nvGraphicFramePr>
+          <p:cNvPr id="6" name="표 6">
+            <a:extLst>
+              <a:ext uri="{FF2B5EF4-FFF2-40B4-BE49-F238E27FC236}">
+                <a16:creationId xmlns:a16="http://schemas.microsoft.com/office/drawing/2014/main" id="{F6F5282F-4E01-C24A-8385-97967634BEA6}"/>
+              </a:ext>
+            </a:extLst>
+          </p:cNvPr>
+          <p:cNvGraphicFramePr>
+            <a:graphicFrameLocks noGrp="1"/>
+          </p:cNvGraphicFramePr>
+          <p:nvPr>
+            <p:extLst>
+              <p:ext uri="{D42A27DB-BD31-4B8C-83A1-F6EECF244321}">
+                <p14:modId xmlns:p14="http://schemas.microsoft.com/office/powerpoint/2010/main" val="2330833189"/>
+              </p:ext>
+            </p:extLst>
+          </p:nvPr>
+        </p:nvGraphicFramePr>
+        <p:xfrm>
+          <a:off x="6636656" y="3070378"/>
+          <a:ext cx="5199744" cy="2595880"/>
+        </p:xfrm>
+        <a:graphic>
+          <a:graphicData uri="http://schemas.openxmlformats.org/drawingml/2006/table">
+            <a:tbl>
+              <a:tblPr firstRow="1" bandRow="1">
+                <a:tableStyleId>{5C22544A-7EE6-4342-B048-85BDC9FD1C3A}</a:tableStyleId>
+              </a:tblPr>
+              <a:tblGrid>
+                <a:gridCol w="714829">
+                  <a:extLst>
+                    <a:ext uri="{9D8B030D-6E8A-4147-A177-3AD203B41FA5}">
+                      <a16:colId xmlns:a16="http://schemas.microsoft.com/office/drawing/2014/main" val="2891047630"/>
+                    </a:ext>
+                  </a:extLst>
+                </a:gridCol>
+                <a:gridCol w="1709057">
+                  <a:extLst>
+                    <a:ext uri="{9D8B030D-6E8A-4147-A177-3AD203B41FA5}">
+                      <a16:colId xmlns:a16="http://schemas.microsoft.com/office/drawing/2014/main" val="3390112178"/>
+                    </a:ext>
+                  </a:extLst>
+                </a:gridCol>
+                <a:gridCol w="1349828">
+                  <a:extLst>
+                    <a:ext uri="{9D8B030D-6E8A-4147-A177-3AD203B41FA5}">
+                      <a16:colId xmlns:a16="http://schemas.microsoft.com/office/drawing/2014/main" val="437751461"/>
+                    </a:ext>
+                  </a:extLst>
+                </a:gridCol>
+                <a:gridCol w="1426030">
+                  <a:extLst>
+                    <a:ext uri="{9D8B030D-6E8A-4147-A177-3AD203B41FA5}">
+                      <a16:colId xmlns:a16="http://schemas.microsoft.com/office/drawing/2014/main" val="831717948"/>
+                    </a:ext>
+                  </a:extLst>
+                </a:gridCol>
+              </a:tblGrid>
+              <a:tr h="370840">
+                <a:tc>
+                  <a:txBody>
+                    <a:bodyPr/>
+                    <a:lstStyle/>
+                    <a:p>
+                      <a:pPr algn="ctr"/>
+                      <a:r>
+                        <a:rPr lang="en-US" altLang="ko-Kore-KR" sz="1200" dirty="0">
+                          <a:latin typeface="SHeadG" panose="02030600000101010101" pitchFamily="18" charset="-127"/>
+                          <a:ea typeface="SHeadG" panose="02030600000101010101" pitchFamily="18" charset="-127"/>
+                        </a:rPr>
+                        <a:t>id</a:t>
+                      </a:r>
+                      <a:endParaRPr lang="ko-Kore-KR" altLang="en-US" sz="1200" dirty="0">
+                        <a:latin typeface="SHeadG" panose="02030600000101010101" pitchFamily="18" charset="-127"/>
+                        <a:ea typeface="SHeadG" panose="02030600000101010101" pitchFamily="18" charset="-127"/>
+                      </a:endParaRPr>
+                    </a:p>
+                  </a:txBody>
+                  <a:tcPr/>
+                </a:tc>
+                <a:tc>
+                  <a:txBody>
+                    <a:bodyPr/>
+                    <a:lstStyle/>
+                    <a:p>
+                      <a:pPr algn="ctr"/>
+                      <a:r>
+                        <a:rPr lang="en-US" altLang="ko-Kore-KR" sz="1200" dirty="0" err="1">
+                          <a:latin typeface="SHeadG" panose="02030600000101010101" pitchFamily="18" charset="-127"/>
+                          <a:ea typeface="SHeadG" panose="02030600000101010101" pitchFamily="18" charset="-127"/>
+                        </a:rPr>
+                        <a:t>street_name</a:t>
+                      </a:r>
+                      <a:endParaRPr lang="ko-Kore-KR" altLang="en-US" sz="1200" dirty="0">
+                        <a:latin typeface="SHeadG" panose="02030600000101010101" pitchFamily="18" charset="-127"/>
+                        <a:ea typeface="SHeadG" panose="02030600000101010101" pitchFamily="18" charset="-127"/>
+                      </a:endParaRPr>
+                    </a:p>
+                  </a:txBody>
+                  <a:tcPr/>
+                </a:tc>
+                <a:tc>
+                  <a:txBody>
+                    <a:bodyPr/>
+                    <a:lstStyle/>
+                    <a:p>
+                      <a:pPr algn="ctr"/>
+                      <a:r>
+                        <a:rPr lang="en-US" altLang="ko-Kore-KR" sz="1200" dirty="0" err="1">
+                          <a:latin typeface="SHeadG" panose="02030600000101010101" pitchFamily="18" charset="-127"/>
+                          <a:ea typeface="SHeadG" panose="02030600000101010101" pitchFamily="18" charset="-127"/>
+                        </a:rPr>
+                        <a:t>postal_code</a:t>
+                      </a:r>
+                      <a:endParaRPr lang="ko-Kore-KR" altLang="en-US" sz="1200" dirty="0">
+                        <a:latin typeface="SHeadG" panose="02030600000101010101" pitchFamily="18" charset="-127"/>
+                        <a:ea typeface="SHeadG" panose="02030600000101010101" pitchFamily="18" charset="-127"/>
+                      </a:endParaRPr>
+                    </a:p>
+                  </a:txBody>
+                  <a:tcPr/>
+                </a:tc>
+                <a:tc>
+                  <a:txBody>
+                    <a:bodyPr/>
+                    <a:lstStyle/>
+                    <a:p>
+                      <a:pPr algn="ctr"/>
+                      <a:r>
+                        <a:rPr lang="en-US" altLang="ko-Kore-KR" sz="1200" dirty="0">
+                          <a:latin typeface="SHeadG" panose="02030600000101010101" pitchFamily="18" charset="-127"/>
+                          <a:ea typeface="SHeadG" panose="02030600000101010101" pitchFamily="18" charset="-127"/>
+                        </a:rPr>
+                        <a:t>city</a:t>
+                      </a:r>
+                      <a:endParaRPr lang="ko-Kore-KR" altLang="en-US" sz="1200" dirty="0">
+                        <a:latin typeface="SHeadG" panose="02030600000101010101" pitchFamily="18" charset="-127"/>
+                        <a:ea typeface="SHeadG" panose="02030600000101010101" pitchFamily="18" charset="-127"/>
+                      </a:endParaRPr>
+                    </a:p>
+                  </a:txBody>
+                  <a:tcPr/>
+                </a:tc>
+                <a:extLst>
+                  <a:ext uri="{0D108BD9-81ED-4DB2-BD59-A6C34878D82A}">
+                    <a16:rowId xmlns:a16="http://schemas.microsoft.com/office/drawing/2014/main" val="2440818990"/>
+                  </a:ext>
+                </a:extLst>
+              </a:tr>
+              <a:tr h="370840">
+                <a:tc>
+                  <a:txBody>
+                    <a:bodyPr/>
+                    <a:lstStyle/>
+                    <a:p>
+                      <a:pPr algn="ctr"/>
+                      <a:r>
+                        <a:rPr lang="en-US" altLang="ko-Kore-KR" sz="1200" dirty="0">
+                          <a:latin typeface="SHeadG" panose="02030600000101010101" pitchFamily="18" charset="-127"/>
+                          <a:ea typeface="SHeadG" panose="02030600000101010101" pitchFamily="18" charset="-127"/>
+                        </a:rPr>
+                        <a:t>1</a:t>
+                      </a:r>
+                      <a:endParaRPr lang="ko-Kore-KR" altLang="en-US" sz="1200" dirty="0">
+                        <a:latin typeface="SHeadG" panose="02030600000101010101" pitchFamily="18" charset="-127"/>
+                        <a:ea typeface="SHeadG" panose="02030600000101010101" pitchFamily="18" charset="-127"/>
+                      </a:endParaRPr>
+                    </a:p>
+                  </a:txBody>
+                  <a:tcPr/>
+                </a:tc>
+                <a:tc>
+                  <a:txBody>
+                    <a:bodyPr/>
+                    <a:lstStyle/>
+                    <a:p>
+                      <a:pPr algn="ctr"/>
+                      <a:r>
+                        <a:rPr lang="en-US" altLang="ko-Kore-KR" sz="1200" dirty="0" err="1">
+                          <a:latin typeface="SHeadG" panose="02030600000101010101" pitchFamily="18" charset="-127"/>
+                          <a:ea typeface="SHeadG" panose="02030600000101010101" pitchFamily="18" charset="-127"/>
+                        </a:rPr>
+                        <a:t>Shady_Lane</a:t>
+                      </a:r>
+                      <a:endParaRPr lang="ko-Kore-KR" altLang="en-US" sz="1200" dirty="0">
+                        <a:latin typeface="SHeadG" panose="02030600000101010101" pitchFamily="18" charset="-127"/>
+                        <a:ea typeface="SHeadG" panose="02030600000101010101" pitchFamily="18" charset="-127"/>
+                      </a:endParaRPr>
+                    </a:p>
+                  </a:txBody>
+                  <a:tcPr/>
+                </a:tc>
+                <a:tc>
+                  <a:txBody>
+                    <a:bodyPr/>
+                    <a:lstStyle/>
+                    <a:p>
+                      <a:pPr algn="ctr"/>
+                      <a:r>
+                        <a:rPr lang="en-US" altLang="ko-Kore-KR" sz="1200" dirty="0">
+                          <a:latin typeface="SHeadG" panose="02030600000101010101" pitchFamily="18" charset="-127"/>
+                          <a:ea typeface="SHeadG" panose="02030600000101010101" pitchFamily="18" charset="-127"/>
+                        </a:rPr>
+                        <a:t>SE1</a:t>
+                      </a:r>
+                      <a:endParaRPr lang="ko-Kore-KR" altLang="en-US" sz="1200" dirty="0">
+                        <a:latin typeface="SHeadG" panose="02030600000101010101" pitchFamily="18" charset="-127"/>
+                        <a:ea typeface="SHeadG" panose="02030600000101010101" pitchFamily="18" charset="-127"/>
+                      </a:endParaRPr>
+                    </a:p>
+                  </a:txBody>
+                  <a:tcPr/>
+                </a:tc>
+                <a:tc>
+                  <a:txBody>
+                    <a:bodyPr/>
+                    <a:lstStyle/>
+                    <a:p>
+                      <a:pPr algn="ctr"/>
+                      <a:r>
+                        <a:rPr lang="en-US" altLang="ko-Kore-KR" sz="1200" dirty="0">
+                          <a:latin typeface="SHeadG" panose="02030600000101010101" pitchFamily="18" charset="-127"/>
+                          <a:ea typeface="SHeadG" panose="02030600000101010101" pitchFamily="18" charset="-127"/>
+                        </a:rPr>
+                        <a:t>London</a:t>
+                      </a:r>
+                      <a:endParaRPr lang="ko-Kore-KR" altLang="en-US" sz="1200" dirty="0">
+                        <a:latin typeface="SHeadG" panose="02030600000101010101" pitchFamily="18" charset="-127"/>
+                        <a:ea typeface="SHeadG" panose="02030600000101010101" pitchFamily="18" charset="-127"/>
+                      </a:endParaRPr>
+                    </a:p>
+                  </a:txBody>
+                  <a:tcPr/>
+                </a:tc>
+                <a:extLst>
+                  <a:ext uri="{0D108BD9-81ED-4DB2-BD59-A6C34878D82A}">
+                    <a16:rowId xmlns:a16="http://schemas.microsoft.com/office/drawing/2014/main" val="4136996634"/>
+                  </a:ext>
+                </a:extLst>
+              </a:tr>
+              <a:tr h="370840">
+                <a:tc>
+                  <a:txBody>
+                    <a:bodyPr/>
+                    <a:lstStyle/>
+                    <a:p>
+                      <a:pPr algn="ctr"/>
+                      <a:r>
+                        <a:rPr lang="en-US" altLang="ko-Kore-KR" sz="1200" dirty="0">
+                          <a:latin typeface="SHeadG" panose="02030600000101010101" pitchFamily="18" charset="-127"/>
+                          <a:ea typeface="SHeadG" panose="02030600000101010101" pitchFamily="18" charset="-127"/>
+                        </a:rPr>
+                        <a:t>2</a:t>
+                      </a:r>
+                      <a:endParaRPr lang="ko-Kore-KR" altLang="en-US" sz="1200" dirty="0">
+                        <a:latin typeface="SHeadG" panose="02030600000101010101" pitchFamily="18" charset="-127"/>
+                        <a:ea typeface="SHeadG" panose="02030600000101010101" pitchFamily="18" charset="-127"/>
+                      </a:endParaRPr>
+                    </a:p>
+                  </a:txBody>
+                  <a:tcPr/>
+                </a:tc>
+                <a:tc>
+                  <a:txBody>
+                    <a:bodyPr/>
+                    <a:lstStyle/>
+                    <a:p>
+                      <a:pPr algn="ctr"/>
+                      <a:r>
+                        <a:rPr lang="en-US" altLang="ko-Kore-KR" sz="1200" dirty="0">
+                          <a:latin typeface="SHeadG" panose="02030600000101010101" pitchFamily="18" charset="-127"/>
+                          <a:ea typeface="SHeadG" panose="02030600000101010101" pitchFamily="18" charset="-127"/>
+                        </a:rPr>
+                        <a:t>Woodland Avenue</a:t>
+                      </a:r>
+                      <a:endParaRPr lang="ko-Kore-KR" altLang="en-US" sz="1200" dirty="0">
+                        <a:latin typeface="SHeadG" panose="02030600000101010101" pitchFamily="18" charset="-127"/>
+                        <a:ea typeface="SHeadG" panose="02030600000101010101" pitchFamily="18" charset="-127"/>
+                      </a:endParaRPr>
+                    </a:p>
+                  </a:txBody>
+                  <a:tcPr/>
+                </a:tc>
+                <a:tc>
+                  <a:txBody>
+                    <a:bodyPr/>
+                    <a:lstStyle/>
+                    <a:p>
+                      <a:pPr algn="ctr"/>
+                      <a:r>
+                        <a:rPr lang="en-US" altLang="ko-Kore-KR" sz="1200" dirty="0">
+                          <a:latin typeface="SHeadG" panose="02030600000101010101" pitchFamily="18" charset="-127"/>
+                          <a:ea typeface="SHeadG" panose="02030600000101010101" pitchFamily="18" charset="-127"/>
+                        </a:rPr>
+                        <a:t>B19</a:t>
+                      </a:r>
+                      <a:endParaRPr lang="ko-Kore-KR" altLang="en-US" sz="1200" dirty="0">
+                        <a:latin typeface="SHeadG" panose="02030600000101010101" pitchFamily="18" charset="-127"/>
+                        <a:ea typeface="SHeadG" panose="02030600000101010101" pitchFamily="18" charset="-127"/>
+                      </a:endParaRPr>
+                    </a:p>
+                  </a:txBody>
+                  <a:tcPr/>
+                </a:tc>
+                <a:tc>
+                  <a:txBody>
+                    <a:bodyPr/>
+                    <a:lstStyle/>
+                    <a:p>
+                      <a:pPr algn="ctr"/>
+                      <a:r>
+                        <a:rPr lang="en-US" altLang="ko-Kore-KR" sz="1200" dirty="0">
+                          <a:latin typeface="SHeadG" panose="02030600000101010101" pitchFamily="18" charset="-127"/>
+                          <a:ea typeface="SHeadG" panose="02030600000101010101" pitchFamily="18" charset="-127"/>
+                        </a:rPr>
+                        <a:t>Birmingham</a:t>
+                      </a:r>
+                      <a:endParaRPr lang="ko-Kore-KR" altLang="en-US" sz="1200" dirty="0">
+                        <a:latin typeface="SHeadG" panose="02030600000101010101" pitchFamily="18" charset="-127"/>
+                        <a:ea typeface="SHeadG" panose="02030600000101010101" pitchFamily="18" charset="-127"/>
+                      </a:endParaRPr>
+                    </a:p>
+                  </a:txBody>
+                  <a:tcPr/>
+                </a:tc>
+                <a:extLst>
+                  <a:ext uri="{0D108BD9-81ED-4DB2-BD59-A6C34878D82A}">
+                    <a16:rowId xmlns:a16="http://schemas.microsoft.com/office/drawing/2014/main" val="79586588"/>
+                  </a:ext>
+                </a:extLst>
+              </a:tr>
+              <a:tr h="370840">
+                <a:tc>
+                  <a:txBody>
+                    <a:bodyPr/>
+                    <a:lstStyle/>
+                    <a:p>
+                      <a:pPr algn="ctr"/>
+                      <a:r>
+                        <a:rPr lang="en-US" altLang="ko-Kore-KR" sz="1200" dirty="0">
+                          <a:latin typeface="SHeadG" panose="02030600000101010101" pitchFamily="18" charset="-127"/>
+                          <a:ea typeface="SHeadG" panose="02030600000101010101" pitchFamily="18" charset="-127"/>
+                        </a:rPr>
+                        <a:t>3</a:t>
+                      </a:r>
+                      <a:endParaRPr lang="ko-Kore-KR" altLang="en-US" sz="1200" dirty="0">
+                        <a:latin typeface="SHeadG" panose="02030600000101010101" pitchFamily="18" charset="-127"/>
+                        <a:ea typeface="SHeadG" panose="02030600000101010101" pitchFamily="18" charset="-127"/>
+                      </a:endParaRPr>
+                    </a:p>
+                  </a:txBody>
+                  <a:tcPr/>
+                </a:tc>
+                <a:tc>
+                  <a:txBody>
+                    <a:bodyPr/>
+                    <a:lstStyle/>
+                    <a:p>
+                      <a:pPr algn="ctr"/>
+                      <a:r>
+                        <a:rPr lang="en-US" altLang="ko-Kore-KR" sz="1200" dirty="0">
+                          <a:latin typeface="SHeadG" panose="02030600000101010101" pitchFamily="18" charset="-127"/>
+                          <a:ea typeface="SHeadG" panose="02030600000101010101" pitchFamily="18" charset="-127"/>
+                        </a:rPr>
+                        <a:t>Silk Road</a:t>
+                      </a:r>
+                      <a:endParaRPr lang="ko-Kore-KR" altLang="en-US" sz="1200" dirty="0">
+                        <a:latin typeface="SHeadG" panose="02030600000101010101" pitchFamily="18" charset="-127"/>
+                        <a:ea typeface="SHeadG" panose="02030600000101010101" pitchFamily="18" charset="-127"/>
+                      </a:endParaRPr>
+                    </a:p>
+                  </a:txBody>
+                  <a:tcPr/>
+                </a:tc>
+                <a:tc>
+                  <a:txBody>
+                    <a:bodyPr/>
+                    <a:lstStyle/>
+                    <a:p>
+                      <a:pPr algn="ctr"/>
+                      <a:r>
+                        <a:rPr lang="en-US" altLang="ko-Kore-KR" sz="1200" dirty="0">
+                          <a:latin typeface="SHeadG" panose="02030600000101010101" pitchFamily="18" charset="-127"/>
+                          <a:ea typeface="SHeadG" panose="02030600000101010101" pitchFamily="18" charset="-127"/>
+                        </a:rPr>
+                        <a:t>10037</a:t>
+                      </a:r>
+                      <a:endParaRPr lang="ko-Kore-KR" altLang="en-US" sz="1200" dirty="0">
+                        <a:latin typeface="SHeadG" panose="02030600000101010101" pitchFamily="18" charset="-127"/>
+                        <a:ea typeface="SHeadG" panose="02030600000101010101" pitchFamily="18" charset="-127"/>
+                      </a:endParaRPr>
+                    </a:p>
+                  </a:txBody>
+                  <a:tcPr/>
+                </a:tc>
+                <a:tc>
+                  <a:txBody>
+                    <a:bodyPr/>
+                    <a:lstStyle/>
+                    <a:p>
+                      <a:pPr algn="ctr"/>
+                      <a:r>
+                        <a:rPr lang="en-US" altLang="ko-Kore-KR" sz="1200" dirty="0">
+                          <a:latin typeface="SHeadG" panose="02030600000101010101" pitchFamily="18" charset="-127"/>
+                          <a:ea typeface="SHeadG" panose="02030600000101010101" pitchFamily="18" charset="-127"/>
+                        </a:rPr>
+                        <a:t>New York</a:t>
+                      </a:r>
+                      <a:endParaRPr lang="ko-Kore-KR" altLang="en-US" sz="1200" dirty="0">
+                        <a:latin typeface="SHeadG" panose="02030600000101010101" pitchFamily="18" charset="-127"/>
+                        <a:ea typeface="SHeadG" panose="02030600000101010101" pitchFamily="18" charset="-127"/>
+                      </a:endParaRPr>
+                    </a:p>
+                  </a:txBody>
+                  <a:tcPr/>
+                </a:tc>
+                <a:extLst>
+                  <a:ext uri="{0D108BD9-81ED-4DB2-BD59-A6C34878D82A}">
+                    <a16:rowId xmlns:a16="http://schemas.microsoft.com/office/drawing/2014/main" val="174153160"/>
+                  </a:ext>
+                </a:extLst>
+              </a:tr>
+              <a:tr h="370840">
+                <a:tc>
+                  <a:txBody>
+                    <a:bodyPr/>
+                    <a:lstStyle/>
+                    <a:p>
+                      <a:pPr algn="ctr"/>
+                      <a:r>
+                        <a:rPr lang="en-US" altLang="ko-Kore-KR" sz="1200" dirty="0">
+                          <a:latin typeface="SHeadG" panose="02030600000101010101" pitchFamily="18" charset="-127"/>
+                          <a:ea typeface="SHeadG" panose="02030600000101010101" pitchFamily="18" charset="-127"/>
+                        </a:rPr>
+                        <a:t>4</a:t>
+                      </a:r>
+                      <a:endParaRPr lang="ko-Kore-KR" altLang="en-US" sz="1200" dirty="0">
+                        <a:latin typeface="SHeadG" panose="02030600000101010101" pitchFamily="18" charset="-127"/>
+                        <a:ea typeface="SHeadG" panose="02030600000101010101" pitchFamily="18" charset="-127"/>
+                      </a:endParaRPr>
+                    </a:p>
+                  </a:txBody>
+                  <a:tcPr/>
+                </a:tc>
+                <a:tc>
+                  <a:txBody>
+                    <a:bodyPr/>
+                    <a:lstStyle/>
+                    <a:p>
+                      <a:pPr algn="ctr"/>
+                      <a:r>
+                        <a:rPr lang="en-US" altLang="ko-Kore-KR" sz="1200" dirty="0">
+                          <a:latin typeface="SHeadG" panose="02030600000101010101" pitchFamily="18" charset="-127"/>
+                          <a:ea typeface="SHeadG" panose="02030600000101010101" pitchFamily="18" charset="-127"/>
+                        </a:rPr>
+                        <a:t>Madison Street</a:t>
+                      </a:r>
+                      <a:endParaRPr lang="ko-Kore-KR" altLang="en-US" sz="1200" dirty="0">
+                        <a:latin typeface="SHeadG" panose="02030600000101010101" pitchFamily="18" charset="-127"/>
+                        <a:ea typeface="SHeadG" panose="02030600000101010101" pitchFamily="18" charset="-127"/>
+                      </a:endParaRPr>
+                    </a:p>
+                  </a:txBody>
+                  <a:tcPr/>
+                </a:tc>
+                <a:tc>
+                  <a:txBody>
+                    <a:bodyPr/>
+                    <a:lstStyle/>
+                    <a:p>
+                      <a:pPr algn="ctr"/>
+                      <a:r>
+                        <a:rPr lang="en-US" altLang="ko-Kore-KR" sz="1200" dirty="0">
+                          <a:latin typeface="SHeadG" panose="02030600000101010101" pitchFamily="18" charset="-127"/>
+                          <a:ea typeface="SHeadG" panose="02030600000101010101" pitchFamily="18" charset="-127"/>
+                        </a:rPr>
+                        <a:t>55943</a:t>
+                      </a:r>
+                      <a:endParaRPr lang="ko-Kore-KR" altLang="en-US" sz="1200" dirty="0">
+                        <a:latin typeface="SHeadG" panose="02030600000101010101" pitchFamily="18" charset="-127"/>
+                        <a:ea typeface="SHeadG" panose="02030600000101010101" pitchFamily="18" charset="-127"/>
+                      </a:endParaRPr>
+                    </a:p>
+                  </a:txBody>
+                  <a:tcPr/>
+                </a:tc>
+                <a:tc>
+                  <a:txBody>
+                    <a:bodyPr/>
+                    <a:lstStyle/>
+                    <a:p>
+                      <a:pPr algn="ctr"/>
+                      <a:r>
+                        <a:rPr lang="en-US" altLang="ko-Kore-KR" sz="1200" dirty="0">
+                          <a:latin typeface="SHeadG" panose="02030600000101010101" pitchFamily="18" charset="-127"/>
+                          <a:ea typeface="SHeadG" panose="02030600000101010101" pitchFamily="18" charset="-127"/>
+                        </a:rPr>
+                        <a:t>Houston</a:t>
+                      </a:r>
+                      <a:endParaRPr lang="ko-Kore-KR" altLang="en-US" sz="1200" dirty="0">
+                        <a:latin typeface="SHeadG" panose="02030600000101010101" pitchFamily="18" charset="-127"/>
+                        <a:ea typeface="SHeadG" panose="02030600000101010101" pitchFamily="18" charset="-127"/>
+                      </a:endParaRPr>
+                    </a:p>
+                  </a:txBody>
+                  <a:tcPr/>
+                </a:tc>
+                <a:extLst>
+                  <a:ext uri="{0D108BD9-81ED-4DB2-BD59-A6C34878D82A}">
+                    <a16:rowId xmlns:a16="http://schemas.microsoft.com/office/drawing/2014/main" val="757324064"/>
+                  </a:ext>
+                </a:extLst>
+              </a:tr>
+              <a:tr h="370840">
+                <a:tc>
+                  <a:txBody>
+                    <a:bodyPr/>
+                    <a:lstStyle/>
+                    <a:p>
+                      <a:pPr algn="ctr"/>
+                      <a:r>
+                        <a:rPr lang="en-US" altLang="ko-Kore-KR" sz="1200" dirty="0">
+                          <a:latin typeface="SHeadG" panose="02030600000101010101" pitchFamily="18" charset="-127"/>
+                          <a:ea typeface="SHeadG" panose="02030600000101010101" pitchFamily="18" charset="-127"/>
+                        </a:rPr>
+                        <a:t>5</a:t>
+                      </a:r>
+                      <a:endParaRPr lang="ko-Kore-KR" altLang="en-US" sz="1200" dirty="0">
+                        <a:latin typeface="SHeadG" panose="02030600000101010101" pitchFamily="18" charset="-127"/>
+                        <a:ea typeface="SHeadG" panose="02030600000101010101" pitchFamily="18" charset="-127"/>
+                      </a:endParaRPr>
+                    </a:p>
+                  </a:txBody>
+                  <a:tcPr/>
+                </a:tc>
+                <a:tc>
+                  <a:txBody>
+                    <a:bodyPr/>
+                    <a:lstStyle/>
+                    <a:p>
+                      <a:pPr algn="ctr"/>
+                      <a:r>
+                        <a:rPr lang="en-US" altLang="ko-Kore-KR" sz="1200" dirty="0">
+                          <a:latin typeface="SHeadG" panose="02030600000101010101" pitchFamily="18" charset="-127"/>
+                          <a:ea typeface="SHeadG" panose="02030600000101010101" pitchFamily="18" charset="-127"/>
+                        </a:rPr>
+                        <a:t>Cleveland Avenue</a:t>
+                      </a:r>
+                      <a:endParaRPr lang="ko-Kore-KR" altLang="en-US" sz="1200" dirty="0">
+                        <a:latin typeface="SHeadG" panose="02030600000101010101" pitchFamily="18" charset="-127"/>
+                        <a:ea typeface="SHeadG" panose="02030600000101010101" pitchFamily="18" charset="-127"/>
+                      </a:endParaRPr>
+                    </a:p>
+                  </a:txBody>
+                  <a:tcPr/>
+                </a:tc>
+                <a:tc>
+                  <a:txBody>
+                    <a:bodyPr/>
+                    <a:lstStyle/>
+                    <a:p>
+                      <a:pPr algn="ctr"/>
+                      <a:r>
+                        <a:rPr lang="en-US" altLang="ko-Kore-KR" sz="1200" dirty="0">
+                          <a:latin typeface="SHeadG" panose="02030600000101010101" pitchFamily="18" charset="-127"/>
+                          <a:ea typeface="SHeadG" panose="02030600000101010101" pitchFamily="18" charset="-127"/>
+                        </a:rPr>
+                        <a:t>94107</a:t>
+                      </a:r>
+                      <a:endParaRPr lang="ko-Kore-KR" altLang="en-US" sz="1200" dirty="0">
+                        <a:latin typeface="SHeadG" panose="02030600000101010101" pitchFamily="18" charset="-127"/>
+                        <a:ea typeface="SHeadG" panose="02030600000101010101" pitchFamily="18" charset="-127"/>
+                      </a:endParaRPr>
+                    </a:p>
+                  </a:txBody>
+                  <a:tcPr/>
+                </a:tc>
+                <a:tc>
+                  <a:txBody>
+                    <a:bodyPr/>
+                    <a:lstStyle/>
+                    <a:p>
+                      <a:pPr algn="ctr"/>
+                      <a:r>
+                        <a:rPr lang="en-US" altLang="ko-Kore-KR" sz="1200" dirty="0">
+                          <a:latin typeface="SHeadG" panose="02030600000101010101" pitchFamily="18" charset="-127"/>
+                          <a:ea typeface="SHeadG" panose="02030600000101010101" pitchFamily="18" charset="-127"/>
+                        </a:rPr>
+                        <a:t>San Francisco</a:t>
+                      </a:r>
+                      <a:endParaRPr lang="ko-Kore-KR" altLang="en-US" sz="1200" dirty="0">
+                        <a:latin typeface="SHeadG" panose="02030600000101010101" pitchFamily="18" charset="-127"/>
+                        <a:ea typeface="SHeadG" panose="02030600000101010101" pitchFamily="18" charset="-127"/>
+                      </a:endParaRPr>
+                    </a:p>
+                  </a:txBody>
+                  <a:tcPr/>
+                </a:tc>
+                <a:extLst>
+                  <a:ext uri="{0D108BD9-81ED-4DB2-BD59-A6C34878D82A}">
+                    <a16:rowId xmlns:a16="http://schemas.microsoft.com/office/drawing/2014/main" val="2890100857"/>
+                  </a:ext>
+                </a:extLst>
+              </a:tr>
+              <a:tr h="370840">
+                <a:tc>
+                  <a:txBody>
+                    <a:bodyPr/>
+                    <a:lstStyle/>
+                    <a:p>
+                      <a:pPr algn="ctr"/>
+                      <a:r>
+                        <a:rPr lang="en-US" altLang="ko-Kore-KR" sz="1200" dirty="0">
+                          <a:latin typeface="SHeadG" panose="02030600000101010101" pitchFamily="18" charset="-127"/>
+                          <a:ea typeface="SHeadG" panose="02030600000101010101" pitchFamily="18" charset="-127"/>
+                        </a:rPr>
+                        <a:t>6</a:t>
+                      </a:r>
+                      <a:endParaRPr lang="ko-Kore-KR" altLang="en-US" sz="1200" dirty="0">
+                        <a:latin typeface="SHeadG" panose="02030600000101010101" pitchFamily="18" charset="-127"/>
+                        <a:ea typeface="SHeadG" panose="02030600000101010101" pitchFamily="18" charset="-127"/>
+                      </a:endParaRPr>
+                    </a:p>
+                  </a:txBody>
+                  <a:tcPr/>
+                </a:tc>
+                <a:tc>
+                  <a:txBody>
+                    <a:bodyPr/>
+                    <a:lstStyle/>
+                    <a:p>
+                      <a:pPr algn="ctr"/>
+                      <a:r>
+                        <a:rPr lang="en-US" altLang="ko-Kore-KR" sz="1200" dirty="0">
+                          <a:latin typeface="SHeadG" panose="02030600000101010101" pitchFamily="18" charset="-127"/>
+                          <a:ea typeface="SHeadG" panose="02030600000101010101" pitchFamily="18" charset="-127"/>
+                        </a:rPr>
+                        <a:t>Route 66</a:t>
+                      </a:r>
+                      <a:endParaRPr lang="ko-Kore-KR" altLang="en-US" sz="1200" dirty="0">
+                        <a:latin typeface="SHeadG" panose="02030600000101010101" pitchFamily="18" charset="-127"/>
+                        <a:ea typeface="SHeadG" panose="02030600000101010101" pitchFamily="18" charset="-127"/>
+                      </a:endParaRPr>
+                    </a:p>
+                  </a:txBody>
+                  <a:tcPr/>
+                </a:tc>
+                <a:tc>
+                  <a:txBody>
+                    <a:bodyPr/>
+                    <a:lstStyle/>
+                    <a:p>
+                      <a:pPr algn="ctr"/>
+                      <a:r>
+                        <a:rPr lang="en-US" altLang="ko-Kore-KR" sz="1200" dirty="0">
+                          <a:latin typeface="SHeadG" panose="02030600000101010101" pitchFamily="18" charset="-127"/>
+                          <a:ea typeface="SHeadG" panose="02030600000101010101" pitchFamily="18" charset="-127"/>
+                        </a:rPr>
+                        <a:t>75201</a:t>
+                      </a:r>
+                      <a:endParaRPr lang="ko-Kore-KR" altLang="en-US" sz="1200" dirty="0">
+                        <a:latin typeface="SHeadG" panose="02030600000101010101" pitchFamily="18" charset="-127"/>
+                        <a:ea typeface="SHeadG" panose="02030600000101010101" pitchFamily="18" charset="-127"/>
+                      </a:endParaRPr>
+                    </a:p>
+                  </a:txBody>
+                  <a:tcPr/>
+                </a:tc>
+                <a:tc>
+                  <a:txBody>
+                    <a:bodyPr/>
+                    <a:lstStyle/>
+                    <a:p>
+                      <a:pPr algn="ctr"/>
+                      <a:r>
+                        <a:rPr lang="en-US" altLang="ko-Kore-KR" sz="1200" dirty="0">
+                          <a:latin typeface="SHeadG" panose="02030600000101010101" pitchFamily="18" charset="-127"/>
+                          <a:ea typeface="SHeadG" panose="02030600000101010101" pitchFamily="18" charset="-127"/>
+                        </a:rPr>
+                        <a:t>Dallas</a:t>
+                      </a:r>
+                      <a:endParaRPr lang="ko-Kore-KR" altLang="en-US" sz="1200" dirty="0">
+                        <a:latin typeface="SHeadG" panose="02030600000101010101" pitchFamily="18" charset="-127"/>
+                        <a:ea typeface="SHeadG" panose="02030600000101010101" pitchFamily="18" charset="-127"/>
+                      </a:endParaRPr>
+                    </a:p>
+                  </a:txBody>
+                  <a:tcPr/>
+                </a:tc>
+                <a:extLst>
+                  <a:ext uri="{0D108BD9-81ED-4DB2-BD59-A6C34878D82A}">
+                    <a16:rowId xmlns:a16="http://schemas.microsoft.com/office/drawing/2014/main" val="2103405667"/>
+                  </a:ext>
+                </a:extLst>
+              </a:tr>
+            </a:tbl>
+          </a:graphicData>
+        </a:graphic>
+      </p:graphicFrame>
+      <p:cxnSp>
+        <p:nvCxnSpPr>
+          <p:cNvPr id="8" name="구부러진 연결선[U] 7">
+            <a:extLst>
+              <a:ext uri="{FF2B5EF4-FFF2-40B4-BE49-F238E27FC236}">
+                <a16:creationId xmlns:a16="http://schemas.microsoft.com/office/drawing/2014/main" id="{0090ECA6-B1D1-6A43-BC33-AD462DF869E4}"/>
+              </a:ext>
+            </a:extLst>
+          </p:cNvPr>
+          <p:cNvCxnSpPr>
+            <a:cxnSpLocks/>
+          </p:cNvCxnSpPr>
+          <p:nvPr/>
+        </p:nvCxnSpPr>
+        <p:spPr>
+          <a:xfrm flipV="1">
+            <a:off x="5366655" y="3626638"/>
+            <a:ext cx="1270001" cy="566682"/>
+          </a:xfrm>
+          <a:prstGeom prst="curvedConnector3">
+            <a:avLst/>
+          </a:prstGeom>
+          <a:ln w="25400">
+            <a:solidFill>
+              <a:srgbClr val="5DA2C5"/>
+            </a:solidFill>
+            <a:tailEnd type="stealth" w="lg" len="lg"/>
+          </a:ln>
+        </p:spPr>
+        <p:style>
+          <a:lnRef idx="1">
+            <a:schemeClr val="accent1"/>
+          </a:lnRef>
+          <a:fillRef idx="0">
+            <a:schemeClr val="accent1"/>
+          </a:fillRef>
+          <a:effectRef idx="0">
+            <a:schemeClr val="accent1"/>
+          </a:effectRef>
+          <a:fontRef idx="minor">
+            <a:schemeClr val="tx1"/>
+          </a:fontRef>
+        </p:style>
+      </p:cxnSp>
+      <p:cxnSp>
+        <p:nvCxnSpPr>
+          <p:cNvPr id="28" name="구부러진 연결선[U] 27">
+            <a:extLst>
+              <a:ext uri="{FF2B5EF4-FFF2-40B4-BE49-F238E27FC236}">
+                <a16:creationId xmlns:a16="http://schemas.microsoft.com/office/drawing/2014/main" id="{A4029346-0D92-A248-9664-FC4720547140}"/>
+              </a:ext>
+            </a:extLst>
+          </p:cNvPr>
+          <p:cNvCxnSpPr>
+            <a:cxnSpLocks/>
+          </p:cNvCxnSpPr>
+          <p:nvPr/>
+        </p:nvCxnSpPr>
+        <p:spPr>
+          <a:xfrm>
+            <a:off x="5366655" y="4539344"/>
+            <a:ext cx="1270001" cy="926970"/>
+          </a:xfrm>
+          <a:prstGeom prst="curvedConnector3">
+            <a:avLst/>
+          </a:prstGeom>
+          <a:ln w="25400">
+            <a:solidFill>
+              <a:srgbClr val="5DA2C5"/>
+            </a:solidFill>
+            <a:tailEnd type="stealth" w="lg" len="lg"/>
+          </a:ln>
+        </p:spPr>
+        <p:style>
+          <a:lnRef idx="1">
+            <a:schemeClr val="accent1"/>
+          </a:lnRef>
+          <a:fillRef idx="0">
+            <a:schemeClr val="accent1"/>
+          </a:fillRef>
+          <a:effectRef idx="0">
+            <a:schemeClr val="accent1"/>
+          </a:effectRef>
+          <a:fontRef idx="minor">
+            <a:schemeClr val="tx1"/>
+          </a:fontRef>
+        </p:style>
+      </p:cxnSp>
+      <p:cxnSp>
+        <p:nvCxnSpPr>
+          <p:cNvPr id="29" name="구부러진 연결선[U] 28">
+            <a:extLst>
+              <a:ext uri="{FF2B5EF4-FFF2-40B4-BE49-F238E27FC236}">
+                <a16:creationId xmlns:a16="http://schemas.microsoft.com/office/drawing/2014/main" id="{4A5E70B3-8EC5-B24F-ACB2-7EB68B10138A}"/>
+              </a:ext>
+            </a:extLst>
+          </p:cNvPr>
+          <p:cNvCxnSpPr>
+            <a:cxnSpLocks/>
+            <a:endCxn id="6" idx="1"/>
+          </p:cNvCxnSpPr>
+          <p:nvPr/>
+        </p:nvCxnSpPr>
+        <p:spPr>
+          <a:xfrm flipV="1">
+            <a:off x="5366655" y="4368318"/>
+            <a:ext cx="1270001" cy="552024"/>
+          </a:xfrm>
+          <a:prstGeom prst="curvedConnector3">
+            <a:avLst/>
+          </a:prstGeom>
+          <a:ln w="25400">
+            <a:solidFill>
+              <a:srgbClr val="5DA2C5"/>
+            </a:solidFill>
+            <a:tailEnd type="stealth" w="lg" len="lg"/>
+          </a:ln>
+        </p:spPr>
+        <p:style>
+          <a:lnRef idx="1">
+            <a:schemeClr val="accent1"/>
+          </a:lnRef>
+          <a:fillRef idx="0">
+            <a:schemeClr val="accent1"/>
+          </a:fillRef>
+          <a:effectRef idx="0">
+            <a:schemeClr val="accent1"/>
+          </a:effectRef>
+          <a:fontRef idx="minor">
+            <a:schemeClr val="tx1"/>
+          </a:fontRef>
+        </p:style>
+      </p:cxnSp>
+    </p:spTree>
+    <p:extLst>
+      <p:ext uri="{BB962C8B-B14F-4D97-AF65-F5344CB8AC3E}">
+        <p14:creationId xmlns:p14="http://schemas.microsoft.com/office/powerpoint/2010/main" val="2935318104"/>
+      </p:ext>
+    </p:extLst>
+  </p:cSld>
+  <p:clrMapOvr>
+    <a:masterClrMapping/>
+  </p:clrMapOvr>
+</p:sld>
+</file>
+
+<file path=ppt/slides/slide34.xml><?xml version="1.0" encoding="utf-8"?>
+<p:sld xmlns:a="http://schemas.openxmlformats.org/drawingml/2006/main" xmlns:r="http://schemas.openxmlformats.org/officeDocument/2006/relationships" xmlns:p="http://schemas.openxmlformats.org/presentationml/2006/main">
+  <p:cSld>
+    <p:spTree>
+      <p:nvGrpSpPr>
+        <p:cNvPr id="1" name=""/>
+        <p:cNvGrpSpPr/>
+        <p:nvPr/>
+      </p:nvGrpSpPr>
+      <p:grpSpPr>
+        <a:xfrm>
+          <a:off x="0" y="0"/>
+          <a:ext cx="0" cy="0"/>
+          <a:chOff x="0" y="0"/>
+          <a:chExt cx="0" cy="0"/>
+        </a:xfrm>
+      </p:grpSpPr>
+      <p:graphicFrame>
+        <p:nvGraphicFramePr>
+          <p:cNvPr id="3" name="표 3">
+            <a:extLst>
+              <a:ext uri="{FF2B5EF4-FFF2-40B4-BE49-F238E27FC236}">
+                <a16:creationId xmlns:a16="http://schemas.microsoft.com/office/drawing/2014/main" id="{18D8B29D-5537-D344-B860-F67C24A9EB43}"/>
+              </a:ext>
+            </a:extLst>
+          </p:cNvPr>
+          <p:cNvGraphicFramePr>
+            <a:graphicFrameLocks noGrp="1"/>
+          </p:cNvGraphicFramePr>
+          <p:nvPr>
+            <p:extLst>
+              <p:ext uri="{D42A27DB-BD31-4B8C-83A1-F6EECF244321}">
+                <p14:modId xmlns:p14="http://schemas.microsoft.com/office/powerpoint/2010/main" val="3351257210"/>
+              </p:ext>
+            </p:extLst>
+          </p:nvPr>
+        </p:nvGraphicFramePr>
+        <p:xfrm>
+          <a:off x="2002972" y="1608484"/>
+          <a:ext cx="2017486" cy="1010920"/>
+        </p:xfrm>
+        <a:graphic>
+          <a:graphicData uri="http://schemas.openxmlformats.org/drawingml/2006/table">
+            <a:tbl>
+              <a:tblPr firstRow="1" bandRow="1">
+                <a:tableStyleId>{5C22544A-7EE6-4342-B048-85BDC9FD1C3A}</a:tableStyleId>
+              </a:tblPr>
+              <a:tblGrid>
+                <a:gridCol w="2017486">
+                  <a:extLst>
+                    <a:ext uri="{9D8B030D-6E8A-4147-A177-3AD203B41FA5}">
+                      <a16:colId xmlns:a16="http://schemas.microsoft.com/office/drawing/2014/main" val="527497409"/>
+                    </a:ext>
+                  </a:extLst>
+                </a:gridCol>
+              </a:tblGrid>
+              <a:tr h="370840">
+                <a:tc>
+                  <a:txBody>
+                    <a:bodyPr/>
+                    <a:lstStyle/>
+                    <a:p>
+                      <a:pPr algn="ctr"/>
+                      <a:r>
+                        <a:rPr lang="en-US" altLang="ko-Kore-KR" sz="1200" dirty="0">
+                          <a:latin typeface="SHeadG" panose="02030600000101010101" pitchFamily="18" charset="-127"/>
+                          <a:ea typeface="SHeadG" panose="02030600000101010101" pitchFamily="18" charset="-127"/>
+                        </a:rPr>
+                        <a:t>department</a:t>
+                      </a:r>
+                    </a:p>
+                  </a:txBody>
+                  <a:tcPr/>
+                </a:tc>
+                <a:extLst>
+                  <a:ext uri="{0D108BD9-81ED-4DB2-BD59-A6C34878D82A}">
+                    <a16:rowId xmlns:a16="http://schemas.microsoft.com/office/drawing/2014/main" val="117219833"/>
+                  </a:ext>
+                </a:extLst>
+              </a:tr>
+              <a:tr h="370840">
+                <a:tc>
+                  <a:txBody>
+                    <a:bodyPr/>
+                    <a:lstStyle/>
+                    <a:p>
+                      <a:r>
+                        <a:rPr lang="en-US" altLang="ko-Kore-KR" sz="1200" dirty="0">
+                          <a:latin typeface="SHeadG" panose="02030600000101010101" pitchFamily="18" charset="-127"/>
+                          <a:ea typeface="SHeadG" panose="02030600000101010101" pitchFamily="18" charset="-127"/>
+                        </a:rPr>
+                        <a:t>id</a:t>
+                      </a:r>
+                    </a:p>
+                    <a:p>
+                      <a:r>
+                        <a:rPr lang="en-US" altLang="ko-Kore-KR" sz="1200" dirty="0">
+                          <a:latin typeface="SHeadG" panose="02030600000101010101" pitchFamily="18" charset="-127"/>
+                          <a:ea typeface="SHeadG" panose="02030600000101010101" pitchFamily="18" charset="-127"/>
+                        </a:rPr>
+                        <a:t>name</a:t>
+                      </a:r>
+                    </a:p>
+                    <a:p>
+                      <a:r>
+                        <a:rPr lang="en-US" altLang="ko-Kore-KR" sz="1200" dirty="0" err="1">
+                          <a:latin typeface="SHeadG" panose="02030600000101010101" pitchFamily="18" charset="-127"/>
+                          <a:ea typeface="SHeadG" panose="02030600000101010101" pitchFamily="18" charset="-127"/>
+                        </a:rPr>
+                        <a:t>city_id</a:t>
+                      </a:r>
+                      <a:endParaRPr lang="ko-Kore-KR" altLang="en-US" sz="1200" dirty="0">
+                        <a:latin typeface="SHeadG" panose="02030600000101010101" pitchFamily="18" charset="-127"/>
+                        <a:ea typeface="SHeadG" panose="02030600000101010101" pitchFamily="18" charset="-127"/>
+                      </a:endParaRPr>
+                    </a:p>
+                  </a:txBody>
+                  <a:tcPr/>
+                </a:tc>
+                <a:extLst>
+                  <a:ext uri="{0D108BD9-81ED-4DB2-BD59-A6C34878D82A}">
+                    <a16:rowId xmlns:a16="http://schemas.microsoft.com/office/drawing/2014/main" val="2870828140"/>
+                  </a:ext>
+                </a:extLst>
+              </a:tr>
+            </a:tbl>
+          </a:graphicData>
+        </a:graphic>
+      </p:graphicFrame>
+      <p:graphicFrame>
+        <p:nvGraphicFramePr>
+          <p:cNvPr id="26" name="표 3">
+            <a:extLst>
+              <a:ext uri="{FF2B5EF4-FFF2-40B4-BE49-F238E27FC236}">
+                <a16:creationId xmlns:a16="http://schemas.microsoft.com/office/drawing/2014/main" id="{D61E1201-5D0E-E44D-9AB8-2E12DFF07CF1}"/>
+              </a:ext>
+            </a:extLst>
+          </p:cNvPr>
+          <p:cNvGraphicFramePr>
+            <a:graphicFrameLocks noGrp="1"/>
+          </p:cNvGraphicFramePr>
+          <p:nvPr>
+            <p:extLst>
+              <p:ext uri="{D42A27DB-BD31-4B8C-83A1-F6EECF244321}">
+                <p14:modId xmlns:p14="http://schemas.microsoft.com/office/powerpoint/2010/main" val="2319962275"/>
+              </p:ext>
+            </p:extLst>
+          </p:nvPr>
+        </p:nvGraphicFramePr>
+        <p:xfrm>
+          <a:off x="6096000" y="1608484"/>
+          <a:ext cx="2017486" cy="1010920"/>
+        </p:xfrm>
+        <a:graphic>
+          <a:graphicData uri="http://schemas.openxmlformats.org/drawingml/2006/table">
+            <a:tbl>
+              <a:tblPr firstRow="1" bandRow="1">
+                <a:tableStyleId>{5C22544A-7EE6-4342-B048-85BDC9FD1C3A}</a:tableStyleId>
+              </a:tblPr>
+              <a:tblGrid>
+                <a:gridCol w="2017486">
+                  <a:extLst>
+                    <a:ext uri="{9D8B030D-6E8A-4147-A177-3AD203B41FA5}">
+                      <a16:colId xmlns:a16="http://schemas.microsoft.com/office/drawing/2014/main" val="527497409"/>
+                    </a:ext>
+                  </a:extLst>
+                </a:gridCol>
+              </a:tblGrid>
+              <a:tr h="370840">
+                <a:tc>
+                  <a:txBody>
+                    <a:bodyPr/>
+                    <a:lstStyle/>
+                    <a:p>
+                      <a:pPr algn="ctr"/>
+                      <a:r>
+                        <a:rPr lang="en-US" altLang="ko-Kore-KR" sz="1200" dirty="0">
+                          <a:latin typeface="SHeadG" panose="02030600000101010101" pitchFamily="18" charset="-127"/>
+                          <a:ea typeface="SHeadG" panose="02030600000101010101" pitchFamily="18" charset="-127"/>
+                        </a:rPr>
+                        <a:t>city</a:t>
+                      </a:r>
+                    </a:p>
+                  </a:txBody>
+                  <a:tcPr/>
+                </a:tc>
+                <a:extLst>
+                  <a:ext uri="{0D108BD9-81ED-4DB2-BD59-A6C34878D82A}">
+                    <a16:rowId xmlns:a16="http://schemas.microsoft.com/office/drawing/2014/main" val="117219833"/>
+                  </a:ext>
+                </a:extLst>
+              </a:tr>
+              <a:tr h="370840">
+                <a:tc>
+                  <a:txBody>
+                    <a:bodyPr/>
+                    <a:lstStyle/>
+                    <a:p>
+                      <a:r>
+                        <a:rPr lang="en-US" altLang="ko-Kore-KR" sz="1200" dirty="0">
+                          <a:latin typeface="SHeadG" panose="02030600000101010101" pitchFamily="18" charset="-127"/>
+                          <a:ea typeface="SHeadG" panose="02030600000101010101" pitchFamily="18" charset="-127"/>
+                        </a:rPr>
+                        <a:t>id</a:t>
+                      </a:r>
+                    </a:p>
+                    <a:p>
+                      <a:r>
+                        <a:rPr lang="en-US" altLang="ko-Kore-KR" sz="1200" dirty="0">
+                          <a:latin typeface="SHeadG" panose="02030600000101010101" pitchFamily="18" charset="-127"/>
+                          <a:ea typeface="SHeadG" panose="02030600000101010101" pitchFamily="18" charset="-127"/>
+                        </a:rPr>
+                        <a:t>name</a:t>
+                      </a:r>
+                    </a:p>
+                    <a:p>
+                      <a:r>
+                        <a:rPr lang="en-US" altLang="ko-Kore-KR" sz="1200" dirty="0">
+                          <a:latin typeface="SHeadG" panose="02030600000101010101" pitchFamily="18" charset="-127"/>
+                          <a:ea typeface="SHeadG" panose="02030600000101010101" pitchFamily="18" charset="-127"/>
+                        </a:rPr>
+                        <a:t>...</a:t>
+                      </a:r>
+                      <a:endParaRPr lang="ko-Kore-KR" altLang="en-US" sz="1200" dirty="0">
+                        <a:latin typeface="SHeadG" panose="02030600000101010101" pitchFamily="18" charset="-127"/>
+                        <a:ea typeface="SHeadG" panose="02030600000101010101" pitchFamily="18" charset="-127"/>
+                      </a:endParaRPr>
+                    </a:p>
+                  </a:txBody>
+                  <a:tcPr/>
+                </a:tc>
+                <a:extLst>
+                  <a:ext uri="{0D108BD9-81ED-4DB2-BD59-A6C34878D82A}">
+                    <a16:rowId xmlns:a16="http://schemas.microsoft.com/office/drawing/2014/main" val="2870828140"/>
+                  </a:ext>
+                </a:extLst>
+              </a:tr>
+            </a:tbl>
+          </a:graphicData>
+        </a:graphic>
+      </p:graphicFrame>
+      <p:cxnSp>
+        <p:nvCxnSpPr>
+          <p:cNvPr id="27" name="직선 화살표 연결선 26">
+            <a:extLst>
+              <a:ext uri="{FF2B5EF4-FFF2-40B4-BE49-F238E27FC236}">
+                <a16:creationId xmlns:a16="http://schemas.microsoft.com/office/drawing/2014/main" id="{7ABF6014-71BA-D94F-8F09-99BC39192A23}"/>
+              </a:ext>
+            </a:extLst>
+          </p:cNvPr>
+          <p:cNvCxnSpPr>
+            <a:cxnSpLocks/>
+          </p:cNvCxnSpPr>
+          <p:nvPr/>
+        </p:nvCxnSpPr>
+        <p:spPr>
+          <a:xfrm>
+            <a:off x="4020458" y="2304485"/>
+            <a:ext cx="2075542" cy="0"/>
+          </a:xfrm>
+          <a:prstGeom prst="straightConnector1">
+            <a:avLst/>
+          </a:prstGeom>
+          <a:ln w="25400">
+            <a:solidFill>
+              <a:srgbClr val="5DA2C5"/>
+            </a:solidFill>
+            <a:tailEnd type="stealth" w="lg" len="lg"/>
+          </a:ln>
+        </p:spPr>
+        <p:style>
+          <a:lnRef idx="1">
+            <a:schemeClr val="accent1"/>
+          </a:lnRef>
+          <a:fillRef idx="0">
+            <a:schemeClr val="accent1"/>
+          </a:fillRef>
+          <a:effectRef idx="0">
+            <a:schemeClr val="accent1"/>
+          </a:effectRef>
+          <a:fontRef idx="minor">
+            <a:schemeClr val="tx1"/>
+          </a:fontRef>
+        </p:style>
+      </p:cxnSp>
+      <p:graphicFrame>
+        <p:nvGraphicFramePr>
+          <p:cNvPr id="5" name="표 5">
+            <a:extLst>
+              <a:ext uri="{FF2B5EF4-FFF2-40B4-BE49-F238E27FC236}">
+                <a16:creationId xmlns:a16="http://schemas.microsoft.com/office/drawing/2014/main" id="{73305EC5-50AA-374A-9F20-25BAF2AC545E}"/>
+              </a:ext>
+            </a:extLst>
+          </p:cNvPr>
+          <p:cNvGraphicFramePr>
+            <a:graphicFrameLocks noGrp="1"/>
+          </p:cNvGraphicFramePr>
+          <p:nvPr>
+            <p:extLst>
+              <p:ext uri="{D42A27DB-BD31-4B8C-83A1-F6EECF244321}">
+                <p14:modId xmlns:p14="http://schemas.microsoft.com/office/powerpoint/2010/main" val="2485457486"/>
+              </p:ext>
+            </p:extLst>
+          </p:nvPr>
+        </p:nvGraphicFramePr>
+        <p:xfrm>
+          <a:off x="355599" y="3626638"/>
+          <a:ext cx="3563257" cy="2595880"/>
+        </p:xfrm>
+        <a:graphic>
+          <a:graphicData uri="http://schemas.openxmlformats.org/drawingml/2006/table">
+            <a:tbl>
+              <a:tblPr firstRow="1" bandRow="1">
+                <a:tableStyleId>{5C22544A-7EE6-4342-B048-85BDC9FD1C3A}</a:tableStyleId>
+              </a:tblPr>
+              <a:tblGrid>
+                <a:gridCol w="681011">
+                  <a:extLst>
+                    <a:ext uri="{9D8B030D-6E8A-4147-A177-3AD203B41FA5}">
+                      <a16:colId xmlns:a16="http://schemas.microsoft.com/office/drawing/2014/main" val="1767643919"/>
+                    </a:ext>
+                  </a:extLst>
+                </a:gridCol>
+                <a:gridCol w="2109361">
+                  <a:extLst>
+                    <a:ext uri="{9D8B030D-6E8A-4147-A177-3AD203B41FA5}">
+                      <a16:colId xmlns:a16="http://schemas.microsoft.com/office/drawing/2014/main" val="29747858"/>
+                    </a:ext>
+                  </a:extLst>
+                </a:gridCol>
+                <a:gridCol w="772885">
+                  <a:extLst>
+                    <a:ext uri="{9D8B030D-6E8A-4147-A177-3AD203B41FA5}">
+                      <a16:colId xmlns:a16="http://schemas.microsoft.com/office/drawing/2014/main" val="1081124979"/>
+                    </a:ext>
+                  </a:extLst>
+                </a:gridCol>
+              </a:tblGrid>
+              <a:tr h="370840">
+                <a:tc>
+                  <a:txBody>
+                    <a:bodyPr/>
+                    <a:lstStyle/>
+                    <a:p>
+                      <a:pPr algn="ctr"/>
+                      <a:r>
+                        <a:rPr lang="en-US" altLang="ko-Kore-KR" sz="1200" dirty="0">
+                          <a:latin typeface="SHeadG" panose="02030600000101010101" pitchFamily="18" charset="-127"/>
+                          <a:ea typeface="SHeadG" panose="02030600000101010101" pitchFamily="18" charset="-127"/>
+                        </a:rPr>
+                        <a:t>id</a:t>
+                      </a:r>
+                      <a:endParaRPr lang="ko-Kore-KR" altLang="en-US" sz="1200" dirty="0">
+                        <a:latin typeface="SHeadG" panose="02030600000101010101" pitchFamily="18" charset="-127"/>
+                        <a:ea typeface="SHeadG" panose="02030600000101010101" pitchFamily="18" charset="-127"/>
+                      </a:endParaRPr>
+                    </a:p>
+                  </a:txBody>
+                  <a:tcPr/>
+                </a:tc>
+                <a:tc>
+                  <a:txBody>
+                    <a:bodyPr/>
+                    <a:lstStyle/>
+                    <a:p>
+                      <a:pPr algn="ctr"/>
+                      <a:r>
+                        <a:rPr lang="en-US" altLang="ko-Kore-KR" sz="1200" dirty="0">
+                          <a:latin typeface="SHeadG" panose="02030600000101010101" pitchFamily="18" charset="-127"/>
+                          <a:ea typeface="SHeadG" panose="02030600000101010101" pitchFamily="18" charset="-127"/>
+                        </a:rPr>
+                        <a:t>name</a:t>
+                      </a:r>
+                      <a:endParaRPr lang="ko-Kore-KR" altLang="en-US" sz="1200" dirty="0">
+                        <a:latin typeface="SHeadG" panose="02030600000101010101" pitchFamily="18" charset="-127"/>
+                        <a:ea typeface="SHeadG" panose="02030600000101010101" pitchFamily="18" charset="-127"/>
+                      </a:endParaRPr>
+                    </a:p>
+                  </a:txBody>
+                  <a:tcPr/>
+                </a:tc>
+                <a:tc>
+                  <a:txBody>
+                    <a:bodyPr/>
+                    <a:lstStyle/>
+                    <a:p>
+                      <a:pPr algn="ctr"/>
+                      <a:r>
+                        <a:rPr lang="en-US" altLang="ko-Kore-KR" sz="1200" dirty="0" err="1">
+                          <a:latin typeface="SHeadG" panose="02030600000101010101" pitchFamily="18" charset="-127"/>
+                          <a:ea typeface="SHeadG" panose="02030600000101010101" pitchFamily="18" charset="-127"/>
+                        </a:rPr>
+                        <a:t>city_id</a:t>
+                      </a:r>
+                      <a:endParaRPr lang="ko-Kore-KR" altLang="en-US" sz="1200" dirty="0">
+                        <a:latin typeface="SHeadG" panose="02030600000101010101" pitchFamily="18" charset="-127"/>
+                        <a:ea typeface="SHeadG" panose="02030600000101010101" pitchFamily="18" charset="-127"/>
+                      </a:endParaRPr>
+                    </a:p>
+                  </a:txBody>
+                  <a:tcPr/>
+                </a:tc>
+                <a:extLst>
+                  <a:ext uri="{0D108BD9-81ED-4DB2-BD59-A6C34878D82A}">
+                    <a16:rowId xmlns:a16="http://schemas.microsoft.com/office/drawing/2014/main" val="678870318"/>
+                  </a:ext>
+                </a:extLst>
+              </a:tr>
+              <a:tr h="370840">
+                <a:tc>
+                  <a:txBody>
+                    <a:bodyPr/>
+                    <a:lstStyle/>
+                    <a:p>
+                      <a:pPr algn="ctr"/>
+                      <a:r>
+                        <a:rPr lang="en-US" altLang="ko-Kore-KR" sz="1200" dirty="0">
+                          <a:latin typeface="SHeadG" panose="02030600000101010101" pitchFamily="18" charset="-127"/>
+                          <a:ea typeface="SHeadG" panose="02030600000101010101" pitchFamily="18" charset="-127"/>
+                        </a:rPr>
+                        <a:t>1</a:t>
+                      </a:r>
+                      <a:endParaRPr lang="ko-Kore-KR" altLang="en-US" sz="1200" dirty="0">
+                        <a:latin typeface="SHeadG" panose="02030600000101010101" pitchFamily="18" charset="-127"/>
+                        <a:ea typeface="SHeadG" panose="02030600000101010101" pitchFamily="18" charset="-127"/>
+                      </a:endParaRPr>
+                    </a:p>
+                  </a:txBody>
+                  <a:tcPr/>
+                </a:tc>
+                <a:tc>
+                  <a:txBody>
+                    <a:bodyPr/>
+                    <a:lstStyle/>
+                    <a:p>
+                      <a:pPr algn="ctr"/>
+                      <a:r>
+                        <a:rPr lang="en-US" altLang="ko-Kore-KR" sz="1200" dirty="0">
+                          <a:latin typeface="SHeadG" panose="02030600000101010101" pitchFamily="18" charset="-127"/>
+                          <a:ea typeface="SHeadG" panose="02030600000101010101" pitchFamily="18" charset="-127"/>
+                        </a:rPr>
+                        <a:t>Engineering</a:t>
+                      </a:r>
+                      <a:endParaRPr lang="ko-Kore-KR" altLang="en-US" sz="1200" dirty="0">
+                        <a:latin typeface="SHeadG" panose="02030600000101010101" pitchFamily="18" charset="-127"/>
+                        <a:ea typeface="SHeadG" panose="02030600000101010101" pitchFamily="18" charset="-127"/>
+                      </a:endParaRPr>
+                    </a:p>
+                  </a:txBody>
+                  <a:tcPr/>
+                </a:tc>
+                <a:tc>
+                  <a:txBody>
+                    <a:bodyPr/>
+                    <a:lstStyle/>
+                    <a:p>
+                      <a:pPr algn="ctr"/>
+                      <a:r>
+                        <a:rPr lang="en-US" altLang="ko-Kore-KR" sz="1200" dirty="0">
+                          <a:latin typeface="SHeadG" panose="02030600000101010101" pitchFamily="18" charset="-127"/>
+                          <a:ea typeface="SHeadG" panose="02030600000101010101" pitchFamily="18" charset="-127"/>
+                        </a:rPr>
+                        <a:t>1</a:t>
+                      </a:r>
+                      <a:endParaRPr lang="ko-Kore-KR" altLang="en-US" sz="1200" dirty="0">
+                        <a:latin typeface="SHeadG" panose="02030600000101010101" pitchFamily="18" charset="-127"/>
+                        <a:ea typeface="SHeadG" panose="02030600000101010101" pitchFamily="18" charset="-127"/>
+                      </a:endParaRPr>
+                    </a:p>
+                  </a:txBody>
+                  <a:tcPr/>
+                </a:tc>
+                <a:extLst>
+                  <a:ext uri="{0D108BD9-81ED-4DB2-BD59-A6C34878D82A}">
+                    <a16:rowId xmlns:a16="http://schemas.microsoft.com/office/drawing/2014/main" val="382904664"/>
+                  </a:ext>
+                </a:extLst>
+              </a:tr>
+              <a:tr h="370840">
+                <a:tc>
+                  <a:txBody>
+                    <a:bodyPr/>
+                    <a:lstStyle/>
+                    <a:p>
+                      <a:pPr algn="ctr"/>
+                      <a:r>
+                        <a:rPr lang="en-US" altLang="ko-Kore-KR" sz="1200" dirty="0">
+                          <a:latin typeface="SHeadG" panose="02030600000101010101" pitchFamily="18" charset="-127"/>
+                          <a:ea typeface="SHeadG" panose="02030600000101010101" pitchFamily="18" charset="-127"/>
+                        </a:rPr>
+                        <a:t>2</a:t>
+                      </a:r>
+                      <a:endParaRPr lang="ko-Kore-KR" altLang="en-US" sz="1200" dirty="0">
+                        <a:latin typeface="SHeadG" panose="02030600000101010101" pitchFamily="18" charset="-127"/>
+                        <a:ea typeface="SHeadG" panose="02030600000101010101" pitchFamily="18" charset="-127"/>
+                      </a:endParaRPr>
+                    </a:p>
+                  </a:txBody>
+                  <a:tcPr/>
+                </a:tc>
+                <a:tc>
+                  <a:txBody>
+                    <a:bodyPr/>
+                    <a:lstStyle/>
+                    <a:p>
+                      <a:pPr algn="ctr"/>
+                      <a:r>
+                        <a:rPr lang="en-US" altLang="ko-Kore-KR" sz="1200" dirty="0">
+                          <a:latin typeface="SHeadG" panose="02030600000101010101" pitchFamily="18" charset="-127"/>
+                          <a:ea typeface="SHeadG" panose="02030600000101010101" pitchFamily="18" charset="-127"/>
+                        </a:rPr>
+                        <a:t>HR</a:t>
+                      </a:r>
+                      <a:endParaRPr lang="ko-Kore-KR" altLang="en-US" sz="1200" dirty="0">
+                        <a:latin typeface="SHeadG" panose="02030600000101010101" pitchFamily="18" charset="-127"/>
+                        <a:ea typeface="SHeadG" panose="02030600000101010101" pitchFamily="18" charset="-127"/>
+                      </a:endParaRPr>
+                    </a:p>
+                  </a:txBody>
+                  <a:tcPr/>
+                </a:tc>
+                <a:tc>
+                  <a:txBody>
+                    <a:bodyPr/>
+                    <a:lstStyle/>
+                    <a:p>
+                      <a:pPr algn="ctr"/>
+                      <a:r>
+                        <a:rPr lang="en-US" altLang="ko-Kore-KR" sz="1200" dirty="0">
+                          <a:latin typeface="SHeadG" panose="02030600000101010101" pitchFamily="18" charset="-127"/>
+                          <a:ea typeface="SHeadG" panose="02030600000101010101" pitchFamily="18" charset="-127"/>
+                        </a:rPr>
+                        <a:t>1</a:t>
+                      </a:r>
+                      <a:endParaRPr lang="ko-Kore-KR" altLang="en-US" sz="1200" dirty="0">
+                        <a:latin typeface="SHeadG" panose="02030600000101010101" pitchFamily="18" charset="-127"/>
+                        <a:ea typeface="SHeadG" panose="02030600000101010101" pitchFamily="18" charset="-127"/>
+                      </a:endParaRPr>
+                    </a:p>
+                  </a:txBody>
+                  <a:tcPr/>
+                </a:tc>
+                <a:extLst>
+                  <a:ext uri="{0D108BD9-81ED-4DB2-BD59-A6C34878D82A}">
+                    <a16:rowId xmlns:a16="http://schemas.microsoft.com/office/drawing/2014/main" val="675708482"/>
+                  </a:ext>
+                </a:extLst>
+              </a:tr>
+              <a:tr h="370840">
+                <a:tc>
+                  <a:txBody>
+                    <a:bodyPr/>
+                    <a:lstStyle/>
+                    <a:p>
+                      <a:pPr algn="ctr"/>
+                      <a:r>
+                        <a:rPr lang="en-US" altLang="ko-Kore-KR" sz="1200" dirty="0">
+                          <a:latin typeface="SHeadG" panose="02030600000101010101" pitchFamily="18" charset="-127"/>
+                          <a:ea typeface="SHeadG" panose="02030600000101010101" pitchFamily="18" charset="-127"/>
+                        </a:rPr>
+                        <a:t>3</a:t>
+                      </a:r>
+                      <a:endParaRPr lang="ko-Kore-KR" altLang="en-US" sz="1200" dirty="0">
+                        <a:latin typeface="SHeadG" panose="02030600000101010101" pitchFamily="18" charset="-127"/>
+                        <a:ea typeface="SHeadG" panose="02030600000101010101" pitchFamily="18" charset="-127"/>
+                      </a:endParaRPr>
+                    </a:p>
+                  </a:txBody>
+                  <a:tcPr/>
+                </a:tc>
+                <a:tc>
+                  <a:txBody>
+                    <a:bodyPr/>
+                    <a:lstStyle/>
+                    <a:p>
+                      <a:pPr algn="ctr"/>
+                      <a:r>
+                        <a:rPr lang="en-US" altLang="ko-Kore-KR" sz="1200" dirty="0">
+                          <a:latin typeface="SHeadG" panose="02030600000101010101" pitchFamily="18" charset="-127"/>
+                          <a:ea typeface="SHeadG" panose="02030600000101010101" pitchFamily="18" charset="-127"/>
+                        </a:rPr>
+                        <a:t>Marketing</a:t>
+                      </a:r>
+                      <a:endParaRPr lang="ko-Kore-KR" altLang="en-US" sz="1200" dirty="0">
+                        <a:latin typeface="SHeadG" panose="02030600000101010101" pitchFamily="18" charset="-127"/>
+                        <a:ea typeface="SHeadG" panose="02030600000101010101" pitchFamily="18" charset="-127"/>
+                      </a:endParaRPr>
+                    </a:p>
+                  </a:txBody>
+                  <a:tcPr/>
+                </a:tc>
+                <a:tc>
+                  <a:txBody>
+                    <a:bodyPr/>
+                    <a:lstStyle/>
+                    <a:p>
+                      <a:pPr algn="ctr"/>
+                      <a:r>
+                        <a:rPr lang="en-US" altLang="ko-Kore-KR" sz="1200" dirty="0">
+                          <a:latin typeface="SHeadG" panose="02030600000101010101" pitchFamily="18" charset="-127"/>
+                          <a:ea typeface="SHeadG" panose="02030600000101010101" pitchFamily="18" charset="-127"/>
+                        </a:rPr>
+                        <a:t>2</a:t>
+                      </a:r>
+                      <a:endParaRPr lang="ko-Kore-KR" altLang="en-US" sz="1200" dirty="0">
+                        <a:latin typeface="SHeadG" panose="02030600000101010101" pitchFamily="18" charset="-127"/>
+                        <a:ea typeface="SHeadG" panose="02030600000101010101" pitchFamily="18" charset="-127"/>
+                      </a:endParaRPr>
+                    </a:p>
+                  </a:txBody>
+                  <a:tcPr/>
+                </a:tc>
+                <a:extLst>
+                  <a:ext uri="{0D108BD9-81ED-4DB2-BD59-A6C34878D82A}">
+                    <a16:rowId xmlns:a16="http://schemas.microsoft.com/office/drawing/2014/main" val="1076174837"/>
+                  </a:ext>
+                </a:extLst>
+              </a:tr>
+              <a:tr h="370840">
+                <a:tc>
+                  <a:txBody>
+                    <a:bodyPr/>
+                    <a:lstStyle/>
+                    <a:p>
+                      <a:pPr algn="ctr"/>
+                      <a:r>
+                        <a:rPr lang="en-US" altLang="ko-Kore-KR" sz="1200" dirty="0">
+                          <a:latin typeface="SHeadG" panose="02030600000101010101" pitchFamily="18" charset="-127"/>
+                          <a:ea typeface="SHeadG" panose="02030600000101010101" pitchFamily="18" charset="-127"/>
+                        </a:rPr>
+                        <a:t>4</a:t>
+                      </a:r>
+                      <a:endParaRPr lang="ko-Kore-KR" altLang="en-US" sz="1200" dirty="0">
+                        <a:latin typeface="SHeadG" panose="02030600000101010101" pitchFamily="18" charset="-127"/>
+                        <a:ea typeface="SHeadG" panose="02030600000101010101" pitchFamily="18" charset="-127"/>
+                      </a:endParaRPr>
+                    </a:p>
+                  </a:txBody>
+                  <a:tcPr/>
+                </a:tc>
+                <a:tc>
+                  <a:txBody>
+                    <a:bodyPr/>
+                    <a:lstStyle/>
+                    <a:p>
+                      <a:pPr algn="ctr"/>
+                      <a:r>
+                        <a:rPr lang="en-US" altLang="ko-Kore-KR" sz="1200" dirty="0">
+                          <a:latin typeface="SHeadG" panose="02030600000101010101" pitchFamily="18" charset="-127"/>
+                          <a:ea typeface="SHeadG" panose="02030600000101010101" pitchFamily="18" charset="-127"/>
+                        </a:rPr>
+                        <a:t>Sales</a:t>
+                      </a:r>
+                      <a:endParaRPr lang="ko-Kore-KR" altLang="en-US" sz="1200" dirty="0">
+                        <a:latin typeface="SHeadG" panose="02030600000101010101" pitchFamily="18" charset="-127"/>
+                        <a:ea typeface="SHeadG" panose="02030600000101010101" pitchFamily="18" charset="-127"/>
+                      </a:endParaRPr>
+                    </a:p>
+                  </a:txBody>
+                  <a:tcPr/>
+                </a:tc>
+                <a:tc>
+                  <a:txBody>
+                    <a:bodyPr/>
+                    <a:lstStyle/>
+                    <a:p>
+                      <a:pPr algn="ctr"/>
+                      <a:r>
+                        <a:rPr lang="en-US" altLang="ko-Kore-KR" sz="1200" dirty="0">
+                          <a:latin typeface="SHeadG" panose="02030600000101010101" pitchFamily="18" charset="-127"/>
+                          <a:ea typeface="SHeadG" panose="02030600000101010101" pitchFamily="18" charset="-127"/>
+                        </a:rPr>
+                        <a:t>2</a:t>
+                      </a:r>
+                      <a:endParaRPr lang="ko-Kore-KR" altLang="en-US" sz="1200" dirty="0">
+                        <a:latin typeface="SHeadG" panose="02030600000101010101" pitchFamily="18" charset="-127"/>
+                        <a:ea typeface="SHeadG" panose="02030600000101010101" pitchFamily="18" charset="-127"/>
+                      </a:endParaRPr>
+                    </a:p>
+                  </a:txBody>
+                  <a:tcPr/>
+                </a:tc>
+                <a:extLst>
+                  <a:ext uri="{0D108BD9-81ED-4DB2-BD59-A6C34878D82A}">
+                    <a16:rowId xmlns:a16="http://schemas.microsoft.com/office/drawing/2014/main" val="3443648306"/>
+                  </a:ext>
+                </a:extLst>
+              </a:tr>
+              <a:tr h="370840">
+                <a:tc>
+                  <a:txBody>
+                    <a:bodyPr/>
+                    <a:lstStyle/>
+                    <a:p>
+                      <a:pPr algn="ctr"/>
+                      <a:r>
+                        <a:rPr lang="en-US" altLang="ko-Kore-KR" sz="1200" dirty="0">
+                          <a:latin typeface="SHeadG" panose="02030600000101010101" pitchFamily="18" charset="-127"/>
+                          <a:ea typeface="SHeadG" panose="02030600000101010101" pitchFamily="18" charset="-127"/>
+                        </a:rPr>
+                        <a:t>5</a:t>
+                      </a:r>
+                      <a:endParaRPr lang="ko-Kore-KR" altLang="en-US" sz="1200" dirty="0">
+                        <a:latin typeface="SHeadG" panose="02030600000101010101" pitchFamily="18" charset="-127"/>
+                        <a:ea typeface="SHeadG" panose="02030600000101010101" pitchFamily="18" charset="-127"/>
+                      </a:endParaRPr>
+                    </a:p>
+                  </a:txBody>
+                  <a:tcPr/>
+                </a:tc>
+                <a:tc>
+                  <a:txBody>
+                    <a:bodyPr/>
+                    <a:lstStyle/>
+                    <a:p>
+                      <a:pPr algn="ctr"/>
+                      <a:r>
+                        <a:rPr lang="en-US" altLang="ko-Kore-KR" sz="1200" dirty="0">
+                          <a:latin typeface="SHeadG" panose="02030600000101010101" pitchFamily="18" charset="-127"/>
+                          <a:ea typeface="SHeadG" panose="02030600000101010101" pitchFamily="18" charset="-127"/>
+                        </a:rPr>
+                        <a:t>Management</a:t>
+                      </a:r>
+                      <a:endParaRPr lang="ko-Kore-KR" altLang="en-US" sz="1200" dirty="0">
+                        <a:latin typeface="SHeadG" panose="02030600000101010101" pitchFamily="18" charset="-127"/>
+                        <a:ea typeface="SHeadG" panose="02030600000101010101" pitchFamily="18" charset="-127"/>
+                      </a:endParaRPr>
+                    </a:p>
+                  </a:txBody>
+                  <a:tcPr/>
+                </a:tc>
+                <a:tc>
+                  <a:txBody>
+                    <a:bodyPr/>
+                    <a:lstStyle/>
+                    <a:p>
+                      <a:pPr algn="ctr"/>
+                      <a:r>
+                        <a:rPr lang="en-US" altLang="ko-Kore-KR" sz="1200" dirty="0">
+                          <a:latin typeface="SHeadG" panose="02030600000101010101" pitchFamily="18" charset="-127"/>
+                          <a:ea typeface="SHeadG" panose="02030600000101010101" pitchFamily="18" charset="-127"/>
+                        </a:rPr>
+                        <a:t>3</a:t>
+                      </a:r>
+                      <a:endParaRPr lang="ko-Kore-KR" altLang="en-US" sz="1200" dirty="0">
+                        <a:latin typeface="SHeadG" panose="02030600000101010101" pitchFamily="18" charset="-127"/>
+                        <a:ea typeface="SHeadG" panose="02030600000101010101" pitchFamily="18" charset="-127"/>
+                      </a:endParaRPr>
+                    </a:p>
+                  </a:txBody>
+                  <a:tcPr/>
+                </a:tc>
+                <a:extLst>
+                  <a:ext uri="{0D108BD9-81ED-4DB2-BD59-A6C34878D82A}">
+                    <a16:rowId xmlns:a16="http://schemas.microsoft.com/office/drawing/2014/main" val="1910523566"/>
+                  </a:ext>
+                </a:extLst>
+              </a:tr>
+              <a:tr h="370840">
+                <a:tc>
+                  <a:txBody>
+                    <a:bodyPr/>
+                    <a:lstStyle/>
+                    <a:p>
+                      <a:pPr algn="ctr"/>
+                      <a:r>
+                        <a:rPr lang="en-US" altLang="ko-Kore-KR" sz="1200" dirty="0">
+                          <a:latin typeface="SHeadG" panose="02030600000101010101" pitchFamily="18" charset="-127"/>
+                          <a:ea typeface="SHeadG" panose="02030600000101010101" pitchFamily="18" charset="-127"/>
+                        </a:rPr>
+                        <a:t>6</a:t>
+                      </a:r>
+                      <a:endParaRPr lang="ko-Kore-KR" altLang="en-US" sz="1200" dirty="0">
+                        <a:latin typeface="SHeadG" panose="02030600000101010101" pitchFamily="18" charset="-127"/>
+                        <a:ea typeface="SHeadG" panose="02030600000101010101" pitchFamily="18" charset="-127"/>
+                      </a:endParaRPr>
+                    </a:p>
+                  </a:txBody>
+                  <a:tcPr/>
+                </a:tc>
+                <a:tc>
+                  <a:txBody>
+                    <a:bodyPr/>
+                    <a:lstStyle/>
+                    <a:p>
+                      <a:pPr algn="ctr"/>
+                      <a:r>
+                        <a:rPr lang="en-US" altLang="ko-Kore-KR" sz="1200" dirty="0">
+                          <a:latin typeface="SHeadG" panose="02030600000101010101" pitchFamily="18" charset="-127"/>
+                          <a:ea typeface="SHeadG" panose="02030600000101010101" pitchFamily="18" charset="-127"/>
+                        </a:rPr>
+                        <a:t>Product Development</a:t>
+                      </a:r>
+                      <a:endParaRPr lang="ko-Kore-KR" altLang="en-US" sz="1200" dirty="0">
+                        <a:latin typeface="SHeadG" panose="02030600000101010101" pitchFamily="18" charset="-127"/>
+                        <a:ea typeface="SHeadG" panose="02030600000101010101" pitchFamily="18" charset="-127"/>
+                      </a:endParaRPr>
+                    </a:p>
+                  </a:txBody>
+                  <a:tcPr/>
+                </a:tc>
+                <a:tc>
+                  <a:txBody>
+                    <a:bodyPr/>
+                    <a:lstStyle/>
+                    <a:p>
+                      <a:pPr algn="ctr"/>
+                      <a:r>
+                        <a:rPr lang="en-US" altLang="ko-Kore-KR" sz="1200" dirty="0">
+                          <a:latin typeface="SHeadG" panose="02030600000101010101" pitchFamily="18" charset="-127"/>
+                          <a:ea typeface="SHeadG" panose="02030600000101010101" pitchFamily="18" charset="-127"/>
+                        </a:rPr>
+                        <a:t>3</a:t>
+                      </a:r>
+                      <a:endParaRPr lang="ko-Kore-KR" altLang="en-US" sz="1200" dirty="0">
+                        <a:latin typeface="SHeadG" panose="02030600000101010101" pitchFamily="18" charset="-127"/>
+                        <a:ea typeface="SHeadG" panose="02030600000101010101" pitchFamily="18" charset="-127"/>
+                      </a:endParaRPr>
+                    </a:p>
+                  </a:txBody>
+                  <a:tcPr/>
+                </a:tc>
+                <a:extLst>
+                  <a:ext uri="{0D108BD9-81ED-4DB2-BD59-A6C34878D82A}">
+                    <a16:rowId xmlns:a16="http://schemas.microsoft.com/office/drawing/2014/main" val="583529509"/>
+                  </a:ext>
+                </a:extLst>
+              </a:tr>
+            </a:tbl>
+          </a:graphicData>
+        </a:graphic>
+      </p:graphicFrame>
+      <p:graphicFrame>
+        <p:nvGraphicFramePr>
+          <p:cNvPr id="6" name="표 6">
+            <a:extLst>
+              <a:ext uri="{FF2B5EF4-FFF2-40B4-BE49-F238E27FC236}">
+                <a16:creationId xmlns:a16="http://schemas.microsoft.com/office/drawing/2014/main" id="{F6F5282F-4E01-C24A-8385-97967634BEA6}"/>
+              </a:ext>
+            </a:extLst>
+          </p:cNvPr>
+          <p:cNvGraphicFramePr>
+            <a:graphicFrameLocks noGrp="1"/>
+          </p:cNvGraphicFramePr>
+          <p:nvPr>
+            <p:extLst>
+              <p:ext uri="{D42A27DB-BD31-4B8C-83A1-F6EECF244321}">
+                <p14:modId xmlns:p14="http://schemas.microsoft.com/office/powerpoint/2010/main" val="1235023008"/>
+              </p:ext>
+            </p:extLst>
+          </p:nvPr>
+        </p:nvGraphicFramePr>
+        <p:xfrm>
+          <a:off x="6096000" y="4281516"/>
+          <a:ext cx="3773714" cy="1483360"/>
+        </p:xfrm>
+        <a:graphic>
+          <a:graphicData uri="http://schemas.openxmlformats.org/drawingml/2006/table">
+            <a:tbl>
+              <a:tblPr firstRow="1" bandRow="1">
+                <a:tableStyleId>{5C22544A-7EE6-4342-B048-85BDC9FD1C3A}</a:tableStyleId>
+              </a:tblPr>
+              <a:tblGrid>
+                <a:gridCol w="714829">
+                  <a:extLst>
+                    <a:ext uri="{9D8B030D-6E8A-4147-A177-3AD203B41FA5}">
+                      <a16:colId xmlns:a16="http://schemas.microsoft.com/office/drawing/2014/main" val="2891047630"/>
+                    </a:ext>
+                  </a:extLst>
+                </a:gridCol>
+                <a:gridCol w="1709057">
+                  <a:extLst>
+                    <a:ext uri="{9D8B030D-6E8A-4147-A177-3AD203B41FA5}">
+                      <a16:colId xmlns:a16="http://schemas.microsoft.com/office/drawing/2014/main" val="3390112178"/>
+                    </a:ext>
+                  </a:extLst>
+                </a:gridCol>
+                <a:gridCol w="1349828">
+                  <a:extLst>
+                    <a:ext uri="{9D8B030D-6E8A-4147-A177-3AD203B41FA5}">
+                      <a16:colId xmlns:a16="http://schemas.microsoft.com/office/drawing/2014/main" val="437751461"/>
+                    </a:ext>
+                  </a:extLst>
+                </a:gridCol>
+              </a:tblGrid>
+              <a:tr h="370840">
+                <a:tc>
+                  <a:txBody>
+                    <a:bodyPr/>
+                    <a:lstStyle/>
+                    <a:p>
+                      <a:pPr algn="ctr"/>
+                      <a:r>
+                        <a:rPr lang="en-US" altLang="ko-Kore-KR" sz="1200" dirty="0">
+                          <a:latin typeface="SHeadG" panose="02030600000101010101" pitchFamily="18" charset="-127"/>
+                          <a:ea typeface="SHeadG" panose="02030600000101010101" pitchFamily="18" charset="-127"/>
+                        </a:rPr>
+                        <a:t>id</a:t>
+                      </a:r>
+                      <a:endParaRPr lang="ko-Kore-KR" altLang="en-US" sz="1200" dirty="0">
+                        <a:latin typeface="SHeadG" panose="02030600000101010101" pitchFamily="18" charset="-127"/>
+                        <a:ea typeface="SHeadG" panose="02030600000101010101" pitchFamily="18" charset="-127"/>
+                      </a:endParaRPr>
+                    </a:p>
+                  </a:txBody>
+                  <a:tcPr/>
+                </a:tc>
+                <a:tc>
+                  <a:txBody>
+                    <a:bodyPr/>
+                    <a:lstStyle/>
+                    <a:p>
+                      <a:pPr algn="ctr"/>
+                      <a:r>
+                        <a:rPr lang="en-US" altLang="ko-Kore-KR" sz="1200" dirty="0" err="1">
+                          <a:latin typeface="SHeadG" panose="02030600000101010101" pitchFamily="18" charset="-127"/>
+                          <a:ea typeface="SHeadG" panose="02030600000101010101" pitchFamily="18" charset="-127"/>
+                        </a:rPr>
+                        <a:t>street_name</a:t>
+                      </a:r>
+                      <a:endParaRPr lang="ko-Kore-KR" altLang="en-US" sz="1200" dirty="0">
+                        <a:latin typeface="SHeadG" panose="02030600000101010101" pitchFamily="18" charset="-127"/>
+                        <a:ea typeface="SHeadG" panose="02030600000101010101" pitchFamily="18" charset="-127"/>
+                      </a:endParaRPr>
+                    </a:p>
+                  </a:txBody>
+                  <a:tcPr/>
+                </a:tc>
+                <a:tc>
+                  <a:txBody>
+                    <a:bodyPr/>
+                    <a:lstStyle/>
+                    <a:p>
+                      <a:pPr algn="ctr"/>
+                      <a:r>
+                        <a:rPr lang="en-US" altLang="ko-Kore-KR" sz="1200" dirty="0">
+                          <a:latin typeface="SHeadG" panose="02030600000101010101" pitchFamily="18" charset="-127"/>
+                          <a:ea typeface="SHeadG" panose="02030600000101010101" pitchFamily="18" charset="-127"/>
+                        </a:rPr>
+                        <a:t>…</a:t>
+                      </a:r>
+                      <a:endParaRPr lang="ko-Kore-KR" altLang="en-US" sz="1200" dirty="0">
+                        <a:latin typeface="SHeadG" panose="02030600000101010101" pitchFamily="18" charset="-127"/>
+                        <a:ea typeface="SHeadG" panose="02030600000101010101" pitchFamily="18" charset="-127"/>
+                      </a:endParaRPr>
+                    </a:p>
+                  </a:txBody>
+                  <a:tcPr/>
+                </a:tc>
+                <a:extLst>
+                  <a:ext uri="{0D108BD9-81ED-4DB2-BD59-A6C34878D82A}">
+                    <a16:rowId xmlns:a16="http://schemas.microsoft.com/office/drawing/2014/main" val="2440818990"/>
+                  </a:ext>
+                </a:extLst>
+              </a:tr>
+              <a:tr h="370840">
+                <a:tc>
+                  <a:txBody>
+                    <a:bodyPr/>
+                    <a:lstStyle/>
+                    <a:p>
+                      <a:pPr algn="ctr"/>
+                      <a:r>
+                        <a:rPr lang="en-US" altLang="ko-Kore-KR" sz="1200" dirty="0">
+                          <a:latin typeface="SHeadG" panose="02030600000101010101" pitchFamily="18" charset="-127"/>
+                          <a:ea typeface="SHeadG" panose="02030600000101010101" pitchFamily="18" charset="-127"/>
+                        </a:rPr>
+                        <a:t>1</a:t>
+                      </a:r>
+                      <a:endParaRPr lang="ko-Kore-KR" altLang="en-US" sz="1200" dirty="0">
+                        <a:latin typeface="SHeadG" panose="02030600000101010101" pitchFamily="18" charset="-127"/>
+                        <a:ea typeface="SHeadG" panose="02030600000101010101" pitchFamily="18" charset="-127"/>
+                      </a:endParaRPr>
+                    </a:p>
+                  </a:txBody>
+                  <a:tcPr/>
+                </a:tc>
+                <a:tc>
+                  <a:txBody>
+                    <a:bodyPr/>
+                    <a:lstStyle/>
+                    <a:p>
+                      <a:pPr algn="ctr"/>
+                      <a:r>
+                        <a:rPr lang="en-US" altLang="ko-Kore-KR" sz="1200" dirty="0">
+                          <a:latin typeface="SHeadG" panose="02030600000101010101" pitchFamily="18" charset="-127"/>
+                          <a:ea typeface="SHeadG" panose="02030600000101010101" pitchFamily="18" charset="-127"/>
+                        </a:rPr>
+                        <a:t>New York</a:t>
+                      </a:r>
+                      <a:endParaRPr lang="ko-Kore-KR" altLang="en-US" sz="1200" dirty="0">
+                        <a:latin typeface="SHeadG" panose="02030600000101010101" pitchFamily="18" charset="-127"/>
+                        <a:ea typeface="SHeadG" panose="02030600000101010101" pitchFamily="18" charset="-127"/>
+                      </a:endParaRPr>
+                    </a:p>
+                  </a:txBody>
+                  <a:tcPr/>
+                </a:tc>
+                <a:tc>
+                  <a:txBody>
+                    <a:bodyPr/>
+                    <a:lstStyle/>
+                    <a:p>
+                      <a:pPr algn="ctr"/>
+                      <a:r>
+                        <a:rPr lang="en-US" altLang="ko-Kore-KR" sz="1200" dirty="0">
+                          <a:latin typeface="SHeadG" panose="02030600000101010101" pitchFamily="18" charset="-127"/>
+                          <a:ea typeface="SHeadG" panose="02030600000101010101" pitchFamily="18" charset="-127"/>
+                        </a:rPr>
+                        <a:t>…</a:t>
+                      </a:r>
+                      <a:endParaRPr lang="ko-Kore-KR" altLang="en-US" sz="1200" dirty="0">
+                        <a:latin typeface="SHeadG" panose="02030600000101010101" pitchFamily="18" charset="-127"/>
+                        <a:ea typeface="SHeadG" panose="02030600000101010101" pitchFamily="18" charset="-127"/>
+                      </a:endParaRPr>
+                    </a:p>
+                  </a:txBody>
+                  <a:tcPr/>
+                </a:tc>
+                <a:extLst>
+                  <a:ext uri="{0D108BD9-81ED-4DB2-BD59-A6C34878D82A}">
+                    <a16:rowId xmlns:a16="http://schemas.microsoft.com/office/drawing/2014/main" val="4136996634"/>
+                  </a:ext>
+                </a:extLst>
+              </a:tr>
+              <a:tr h="370840">
+                <a:tc>
+                  <a:txBody>
+                    <a:bodyPr/>
+                    <a:lstStyle/>
+                    <a:p>
+                      <a:pPr algn="ctr"/>
+                      <a:r>
+                        <a:rPr lang="en-US" altLang="ko-Kore-KR" sz="1200" dirty="0">
+                          <a:latin typeface="SHeadG" panose="02030600000101010101" pitchFamily="18" charset="-127"/>
+                          <a:ea typeface="SHeadG" panose="02030600000101010101" pitchFamily="18" charset="-127"/>
+                        </a:rPr>
+                        <a:t>2</a:t>
+                      </a:r>
+                      <a:endParaRPr lang="ko-Kore-KR" altLang="en-US" sz="1200" dirty="0">
+                        <a:latin typeface="SHeadG" panose="02030600000101010101" pitchFamily="18" charset="-127"/>
+                        <a:ea typeface="SHeadG" panose="02030600000101010101" pitchFamily="18" charset="-127"/>
+                      </a:endParaRPr>
+                    </a:p>
+                  </a:txBody>
+                  <a:tcPr/>
+                </a:tc>
+                <a:tc>
+                  <a:txBody>
+                    <a:bodyPr/>
+                    <a:lstStyle/>
+                    <a:p>
+                      <a:pPr algn="ctr"/>
+                      <a:r>
+                        <a:rPr lang="en-US" altLang="ko-Kore-KR" sz="1200" dirty="0">
+                          <a:latin typeface="SHeadG" panose="02030600000101010101" pitchFamily="18" charset="-127"/>
+                          <a:ea typeface="SHeadG" panose="02030600000101010101" pitchFamily="18" charset="-127"/>
+                        </a:rPr>
+                        <a:t>San </a:t>
+                      </a:r>
+                      <a:r>
+                        <a:rPr lang="en-US" altLang="ko-Kore-KR" sz="1200" dirty="0" err="1">
+                          <a:latin typeface="SHeadG" panose="02030600000101010101" pitchFamily="18" charset="-127"/>
+                          <a:ea typeface="SHeadG" panose="02030600000101010101" pitchFamily="18" charset="-127"/>
+                        </a:rPr>
+                        <a:t>Franscico</a:t>
+                      </a:r>
+                      <a:endParaRPr lang="ko-Kore-KR" altLang="en-US" sz="1200" dirty="0">
+                        <a:latin typeface="SHeadG" panose="02030600000101010101" pitchFamily="18" charset="-127"/>
+                        <a:ea typeface="SHeadG" panose="02030600000101010101" pitchFamily="18" charset="-127"/>
+                      </a:endParaRPr>
+                    </a:p>
+                  </a:txBody>
+                  <a:tcPr/>
+                </a:tc>
+                <a:tc>
+                  <a:txBody>
+                    <a:bodyPr/>
+                    <a:lstStyle/>
+                    <a:p>
+                      <a:pPr algn="ctr"/>
+                      <a:r>
+                        <a:rPr lang="en-US" altLang="ko-Kore-KR" sz="1200" dirty="0">
+                          <a:latin typeface="SHeadG" panose="02030600000101010101" pitchFamily="18" charset="-127"/>
+                          <a:ea typeface="SHeadG" panose="02030600000101010101" pitchFamily="18" charset="-127"/>
+                        </a:rPr>
+                        <a:t>…</a:t>
+                      </a:r>
+                      <a:endParaRPr lang="ko-Kore-KR" altLang="en-US" sz="1200" dirty="0">
+                        <a:latin typeface="SHeadG" panose="02030600000101010101" pitchFamily="18" charset="-127"/>
+                        <a:ea typeface="SHeadG" panose="02030600000101010101" pitchFamily="18" charset="-127"/>
+                      </a:endParaRPr>
+                    </a:p>
+                  </a:txBody>
+                  <a:tcPr/>
+                </a:tc>
+                <a:extLst>
+                  <a:ext uri="{0D108BD9-81ED-4DB2-BD59-A6C34878D82A}">
+                    <a16:rowId xmlns:a16="http://schemas.microsoft.com/office/drawing/2014/main" val="79586588"/>
+                  </a:ext>
+                </a:extLst>
+              </a:tr>
+              <a:tr h="370840">
+                <a:tc>
+                  <a:txBody>
+                    <a:bodyPr/>
+                    <a:lstStyle/>
+                    <a:p>
+                      <a:pPr algn="ctr"/>
+                      <a:r>
+                        <a:rPr lang="en-US" altLang="ko-Kore-KR" sz="1200" dirty="0">
+                          <a:latin typeface="SHeadG" panose="02030600000101010101" pitchFamily="18" charset="-127"/>
+                          <a:ea typeface="SHeadG" panose="02030600000101010101" pitchFamily="18" charset="-127"/>
+                        </a:rPr>
+                        <a:t>3</a:t>
+                      </a:r>
+                      <a:endParaRPr lang="ko-Kore-KR" altLang="en-US" sz="1200" dirty="0">
+                        <a:latin typeface="SHeadG" panose="02030600000101010101" pitchFamily="18" charset="-127"/>
+                        <a:ea typeface="SHeadG" panose="02030600000101010101" pitchFamily="18" charset="-127"/>
+                      </a:endParaRPr>
+                    </a:p>
+                  </a:txBody>
+                  <a:tcPr/>
+                </a:tc>
+                <a:tc>
+                  <a:txBody>
+                    <a:bodyPr/>
+                    <a:lstStyle/>
+                    <a:p>
+                      <a:pPr algn="ctr"/>
+                      <a:r>
+                        <a:rPr lang="en-US" altLang="ko-Kore-KR" sz="1200" dirty="0">
+                          <a:latin typeface="SHeadG" panose="02030600000101010101" pitchFamily="18" charset="-127"/>
+                          <a:ea typeface="SHeadG" panose="02030600000101010101" pitchFamily="18" charset="-127"/>
+                        </a:rPr>
+                        <a:t>Copenhagen</a:t>
+                      </a:r>
+                      <a:endParaRPr lang="ko-Kore-KR" altLang="en-US" sz="1200" dirty="0">
+                        <a:latin typeface="SHeadG" panose="02030600000101010101" pitchFamily="18" charset="-127"/>
+                        <a:ea typeface="SHeadG" panose="02030600000101010101" pitchFamily="18" charset="-127"/>
+                      </a:endParaRPr>
+                    </a:p>
+                  </a:txBody>
+                  <a:tcPr/>
+                </a:tc>
+                <a:tc>
+                  <a:txBody>
+                    <a:bodyPr/>
+                    <a:lstStyle/>
+                    <a:p>
+                      <a:pPr algn="ctr"/>
+                      <a:r>
+                        <a:rPr lang="en-US" altLang="ko-Kore-KR" sz="1200" dirty="0">
+                          <a:latin typeface="SHeadG" panose="02030600000101010101" pitchFamily="18" charset="-127"/>
+                          <a:ea typeface="SHeadG" panose="02030600000101010101" pitchFamily="18" charset="-127"/>
+                        </a:rPr>
+                        <a:t>…</a:t>
+                      </a:r>
+                      <a:endParaRPr lang="ko-Kore-KR" altLang="en-US" sz="1200" dirty="0">
+                        <a:latin typeface="SHeadG" panose="02030600000101010101" pitchFamily="18" charset="-127"/>
+                        <a:ea typeface="SHeadG" panose="02030600000101010101" pitchFamily="18" charset="-127"/>
+                      </a:endParaRPr>
+                    </a:p>
+                  </a:txBody>
+                  <a:tcPr/>
+                </a:tc>
+                <a:extLst>
+                  <a:ext uri="{0D108BD9-81ED-4DB2-BD59-A6C34878D82A}">
+                    <a16:rowId xmlns:a16="http://schemas.microsoft.com/office/drawing/2014/main" val="174153160"/>
+                  </a:ext>
+                </a:extLst>
+              </a:tr>
+            </a:tbl>
+          </a:graphicData>
+        </a:graphic>
+      </p:graphicFrame>
+      <p:cxnSp>
+        <p:nvCxnSpPr>
+          <p:cNvPr id="29" name="구부러진 연결선[U] 28">
+            <a:extLst>
+              <a:ext uri="{FF2B5EF4-FFF2-40B4-BE49-F238E27FC236}">
+                <a16:creationId xmlns:a16="http://schemas.microsoft.com/office/drawing/2014/main" id="{4A5E70B3-8EC5-B24F-ACB2-7EB68B10138A}"/>
+              </a:ext>
+            </a:extLst>
+          </p:cNvPr>
+          <p:cNvCxnSpPr>
+            <a:cxnSpLocks/>
+          </p:cNvCxnSpPr>
+          <p:nvPr/>
+        </p:nvCxnSpPr>
+        <p:spPr>
+          <a:xfrm>
+            <a:off x="3918856" y="4103914"/>
+            <a:ext cx="2177144" cy="653143"/>
+          </a:xfrm>
+          <a:prstGeom prst="curvedConnector3">
+            <a:avLst/>
+          </a:prstGeom>
+          <a:ln w="25400">
+            <a:solidFill>
+              <a:srgbClr val="5DA2C5"/>
+            </a:solidFill>
+            <a:tailEnd type="stealth" w="lg" len="lg"/>
+          </a:ln>
+        </p:spPr>
+        <p:style>
+          <a:lnRef idx="1">
+            <a:schemeClr val="accent1"/>
+          </a:lnRef>
+          <a:fillRef idx="0">
+            <a:schemeClr val="accent1"/>
+          </a:fillRef>
+          <a:effectRef idx="0">
+            <a:schemeClr val="accent1"/>
+          </a:effectRef>
+          <a:fontRef idx="minor">
+            <a:schemeClr val="tx1"/>
+          </a:fontRef>
+        </p:style>
+      </p:cxnSp>
+      <p:cxnSp>
+        <p:nvCxnSpPr>
+          <p:cNvPr id="12" name="구부러진 연결선[U] 11">
+            <a:extLst>
+              <a:ext uri="{FF2B5EF4-FFF2-40B4-BE49-F238E27FC236}">
+                <a16:creationId xmlns:a16="http://schemas.microsoft.com/office/drawing/2014/main" id="{0ABC82DB-0D27-0D49-AE83-E51AC5753717}"/>
+              </a:ext>
+            </a:extLst>
+          </p:cNvPr>
+          <p:cNvCxnSpPr>
+            <a:cxnSpLocks/>
+          </p:cNvCxnSpPr>
+          <p:nvPr/>
+        </p:nvCxnSpPr>
+        <p:spPr>
+          <a:xfrm>
+            <a:off x="3918856" y="4561114"/>
+            <a:ext cx="2177144" cy="363464"/>
+          </a:xfrm>
+          <a:prstGeom prst="curvedConnector3">
+            <a:avLst/>
+          </a:prstGeom>
+          <a:ln w="25400">
+            <a:solidFill>
+              <a:srgbClr val="5DA2C5"/>
+            </a:solidFill>
+            <a:tailEnd type="stealth" w="lg" len="lg"/>
+          </a:ln>
+        </p:spPr>
+        <p:style>
+          <a:lnRef idx="1">
+            <a:schemeClr val="accent1"/>
+          </a:lnRef>
+          <a:fillRef idx="0">
+            <a:schemeClr val="accent1"/>
+          </a:fillRef>
+          <a:effectRef idx="0">
+            <a:schemeClr val="accent1"/>
+          </a:effectRef>
+          <a:fontRef idx="minor">
+            <a:schemeClr val="tx1"/>
+          </a:fontRef>
+        </p:style>
+      </p:cxnSp>
+      <p:cxnSp>
+        <p:nvCxnSpPr>
+          <p:cNvPr id="15" name="구부러진 연결선[U] 14">
+            <a:extLst>
+              <a:ext uri="{FF2B5EF4-FFF2-40B4-BE49-F238E27FC236}">
+                <a16:creationId xmlns:a16="http://schemas.microsoft.com/office/drawing/2014/main" id="{A78EAE66-85A0-7B40-8E58-84ABCA6751E2}"/>
+              </a:ext>
+            </a:extLst>
+          </p:cNvPr>
+          <p:cNvCxnSpPr>
+            <a:cxnSpLocks/>
+            <a:stCxn id="5" idx="3"/>
+          </p:cNvCxnSpPr>
+          <p:nvPr/>
+        </p:nvCxnSpPr>
+        <p:spPr>
+          <a:xfrm>
+            <a:off x="3918856" y="4924578"/>
+            <a:ext cx="2177144" cy="252849"/>
+          </a:xfrm>
+          <a:prstGeom prst="curvedConnector3">
+            <a:avLst/>
+          </a:prstGeom>
+          <a:ln w="25400">
+            <a:solidFill>
+              <a:srgbClr val="5DA2C5"/>
+            </a:solidFill>
+            <a:tailEnd type="stealth" w="lg" len="lg"/>
+          </a:ln>
+        </p:spPr>
+        <p:style>
+          <a:lnRef idx="1">
+            <a:schemeClr val="accent1"/>
+          </a:lnRef>
+          <a:fillRef idx="0">
+            <a:schemeClr val="accent1"/>
+          </a:fillRef>
+          <a:effectRef idx="0">
+            <a:schemeClr val="accent1"/>
+          </a:effectRef>
+          <a:fontRef idx="minor">
+            <a:schemeClr val="tx1"/>
+          </a:fontRef>
+        </p:style>
+      </p:cxnSp>
+      <p:cxnSp>
+        <p:nvCxnSpPr>
+          <p:cNvPr id="18" name="구부러진 연결선[U] 17">
+            <a:extLst>
+              <a:ext uri="{FF2B5EF4-FFF2-40B4-BE49-F238E27FC236}">
+                <a16:creationId xmlns:a16="http://schemas.microsoft.com/office/drawing/2014/main" id="{FA7CBB11-6A46-FD4E-8CE7-B0B269BC0717}"/>
+              </a:ext>
+            </a:extLst>
+          </p:cNvPr>
+          <p:cNvCxnSpPr>
+            <a:cxnSpLocks/>
+          </p:cNvCxnSpPr>
+          <p:nvPr/>
+        </p:nvCxnSpPr>
+        <p:spPr>
+          <a:xfrm>
+            <a:off x="3918856" y="5288042"/>
+            <a:ext cx="2177144" cy="12700"/>
+          </a:xfrm>
+          <a:prstGeom prst="curvedConnector3">
+            <a:avLst/>
+          </a:prstGeom>
+          <a:ln w="25400">
+            <a:solidFill>
+              <a:srgbClr val="5DA2C5"/>
+            </a:solidFill>
+            <a:tailEnd type="stealth" w="lg" len="lg"/>
+          </a:ln>
+        </p:spPr>
+        <p:style>
+          <a:lnRef idx="1">
+            <a:schemeClr val="accent1"/>
+          </a:lnRef>
+          <a:fillRef idx="0">
+            <a:schemeClr val="accent1"/>
+          </a:fillRef>
+          <a:effectRef idx="0">
+            <a:schemeClr val="accent1"/>
+          </a:effectRef>
+          <a:fontRef idx="minor">
+            <a:schemeClr val="tx1"/>
+          </a:fontRef>
+        </p:style>
+      </p:cxnSp>
+      <p:cxnSp>
+        <p:nvCxnSpPr>
+          <p:cNvPr id="20" name="구부러진 연결선[U] 19">
+            <a:extLst>
+              <a:ext uri="{FF2B5EF4-FFF2-40B4-BE49-F238E27FC236}">
+                <a16:creationId xmlns:a16="http://schemas.microsoft.com/office/drawing/2014/main" id="{A4BF850F-37BD-AF42-91D7-F12739492C74}"/>
+              </a:ext>
+            </a:extLst>
+          </p:cNvPr>
+          <p:cNvCxnSpPr>
+            <a:cxnSpLocks/>
+          </p:cNvCxnSpPr>
+          <p:nvPr/>
+        </p:nvCxnSpPr>
+        <p:spPr>
+          <a:xfrm flipV="1">
+            <a:off x="3918856" y="5478344"/>
+            <a:ext cx="2177144" cy="153622"/>
+          </a:xfrm>
+          <a:prstGeom prst="curvedConnector3">
+            <a:avLst/>
+          </a:prstGeom>
+          <a:ln w="25400">
+            <a:solidFill>
+              <a:srgbClr val="5DA2C5"/>
+            </a:solidFill>
+            <a:tailEnd type="stealth" w="lg" len="lg"/>
+          </a:ln>
+        </p:spPr>
+        <p:style>
+          <a:lnRef idx="1">
+            <a:schemeClr val="accent1"/>
+          </a:lnRef>
+          <a:fillRef idx="0">
+            <a:schemeClr val="accent1"/>
+          </a:fillRef>
+          <a:effectRef idx="0">
+            <a:schemeClr val="accent1"/>
+          </a:effectRef>
+          <a:fontRef idx="minor">
+            <a:schemeClr val="tx1"/>
+          </a:fontRef>
+        </p:style>
+      </p:cxnSp>
+      <p:cxnSp>
+        <p:nvCxnSpPr>
+          <p:cNvPr id="23" name="구부러진 연결선[U] 22">
+            <a:extLst>
+              <a:ext uri="{FF2B5EF4-FFF2-40B4-BE49-F238E27FC236}">
+                <a16:creationId xmlns:a16="http://schemas.microsoft.com/office/drawing/2014/main" id="{C5D15710-8D98-F54C-99F5-522E3894412A}"/>
+              </a:ext>
+            </a:extLst>
+          </p:cNvPr>
+          <p:cNvCxnSpPr>
+            <a:cxnSpLocks/>
+          </p:cNvCxnSpPr>
+          <p:nvPr/>
+        </p:nvCxnSpPr>
+        <p:spPr>
+          <a:xfrm flipV="1">
+            <a:off x="3918856" y="5631966"/>
+            <a:ext cx="2177144" cy="412508"/>
+          </a:xfrm>
+          <a:prstGeom prst="curvedConnector3">
+            <a:avLst/>
+          </a:prstGeom>
+          <a:ln w="25400">
+            <a:solidFill>
+              <a:srgbClr val="5DA2C5"/>
+            </a:solidFill>
+            <a:tailEnd type="stealth" w="lg" len="lg"/>
+          </a:ln>
+        </p:spPr>
+        <p:style>
+          <a:lnRef idx="1">
+            <a:schemeClr val="accent1"/>
+          </a:lnRef>
+          <a:fillRef idx="0">
+            <a:schemeClr val="accent1"/>
+          </a:fillRef>
+          <a:effectRef idx="0">
+            <a:schemeClr val="accent1"/>
+          </a:effectRef>
+          <a:fontRef idx="minor">
+            <a:schemeClr val="tx1"/>
+          </a:fontRef>
+        </p:style>
+      </p:cxnSp>
+    </p:spTree>
+    <p:extLst>
+      <p:ext uri="{BB962C8B-B14F-4D97-AF65-F5344CB8AC3E}">
+        <p14:creationId xmlns:p14="http://schemas.microsoft.com/office/powerpoint/2010/main" val="3698849131"/>
+      </p:ext>
+    </p:extLst>
+  </p:cSld>
+  <p:clrMapOvr>
+    <a:masterClrMapping/>
+  </p:clrMapOvr>
+</p:sld>
+</file>
+
+<file path=ppt/slides/slide35.xml><?xml version="1.0" encoding="utf-8"?>
+<p:sld xmlns:a="http://schemas.openxmlformats.org/drawingml/2006/main" xmlns:r="http://schemas.openxmlformats.org/officeDocument/2006/relationships" xmlns:p="http://schemas.openxmlformats.org/presentationml/2006/main">
+  <p:cSld>
+    <p:spTree>
+      <p:nvGrpSpPr>
+        <p:cNvPr id="1" name=""/>
+        <p:cNvGrpSpPr/>
+        <p:nvPr/>
+      </p:nvGrpSpPr>
+      <p:grpSpPr>
+        <a:xfrm>
+          <a:off x="0" y="0"/>
+          <a:ext cx="0" cy="0"/>
+          <a:chOff x="0" y="0"/>
+          <a:chExt cx="0" cy="0"/>
+        </a:xfrm>
+      </p:grpSpPr>
+      <p:sp>
+        <p:nvSpPr>
+          <p:cNvPr id="13" name="TextBox 12">
+            <a:extLst>
+              <a:ext uri="{FF2B5EF4-FFF2-40B4-BE49-F238E27FC236}">
+                <a16:creationId xmlns:a16="http://schemas.microsoft.com/office/drawing/2014/main" id="{26BD5BE2-8DE5-C84D-AE36-82D2E5A3B7C0}"/>
+              </a:ext>
+            </a:extLst>
+          </p:cNvPr>
+          <p:cNvSpPr txBox="1"/>
+          <p:nvPr/>
+        </p:nvSpPr>
+        <p:spPr>
+          <a:xfrm>
+            <a:off x="2868860" y="822696"/>
+            <a:ext cx="2670582" cy="1938992"/>
+          </a:xfrm>
+          <a:prstGeom prst="rect">
+            <a:avLst/>
+          </a:prstGeom>
+          <a:noFill/>
+        </p:spPr>
+        <p:txBody>
+          <a:bodyPr wrap="square" rtlCol="0">
+            <a:spAutoFit/>
+          </a:bodyPr>
+          <a:lstStyle/>
+          <a:p>
+            <a:r>
+              <a:rPr kumimoji="1" lang="en-US" altLang="ko-Kore-KR" sz="1200" b="1" dirty="0">
+                <a:solidFill>
+                  <a:srgbClr val="5DA2C5"/>
+                </a:solidFill>
+                <a:latin typeface="SHeadG" panose="02030600000101010101" pitchFamily="18" charset="-127"/>
+                <a:ea typeface="SHeadG" panose="02030600000101010101" pitchFamily="18" charset="-127"/>
+              </a:rPr>
+              <a:t>{</a:t>
+            </a:r>
+          </a:p>
+          <a:p>
+            <a:r>
+              <a:rPr kumimoji="1" lang="en-US" altLang="ko-Kore-KR" sz="1200" b="1" dirty="0">
+                <a:solidFill>
+                  <a:srgbClr val="5DA2C5"/>
+                </a:solidFill>
+                <a:latin typeface="SHeadG" panose="02030600000101010101" pitchFamily="18" charset="-127"/>
+                <a:ea typeface="SHeadG" panose="02030600000101010101" pitchFamily="18" charset="-127"/>
+              </a:rPr>
+              <a:t>  "</a:t>
+            </a:r>
+            <a:r>
+              <a:rPr kumimoji="1" lang="en-US" altLang="ko-Kore-KR" sz="1200" b="1" dirty="0" err="1">
+                <a:solidFill>
+                  <a:srgbClr val="5DA2C5"/>
+                </a:solidFill>
+                <a:latin typeface="SHeadG" panose="02030600000101010101" pitchFamily="18" charset="-127"/>
+                <a:ea typeface="SHeadG" panose="02030600000101010101" pitchFamily="18" charset="-127"/>
+              </a:rPr>
+              <a:t>firstName</a:t>
+            </a:r>
+            <a:r>
+              <a:rPr kumimoji="1" lang="en-US" altLang="ko-Kore-KR" sz="1200" b="1" dirty="0">
+                <a:solidFill>
+                  <a:srgbClr val="5DA2C5"/>
+                </a:solidFill>
+                <a:latin typeface="SHeadG" panose="02030600000101010101" pitchFamily="18" charset="-127"/>
+                <a:ea typeface="SHeadG" panose="02030600000101010101" pitchFamily="18" charset="-127"/>
+              </a:rPr>
+              <a:t>": "text",</a:t>
+            </a:r>
+          </a:p>
+          <a:p>
+            <a:r>
+              <a:rPr kumimoji="1" lang="en-US" altLang="ko-Kore-KR" sz="1200" b="1" dirty="0">
+                <a:solidFill>
+                  <a:srgbClr val="5DA2C5"/>
+                </a:solidFill>
+                <a:latin typeface="SHeadG" panose="02030600000101010101" pitchFamily="18" charset="-127"/>
+                <a:ea typeface="SHeadG" panose="02030600000101010101" pitchFamily="18" charset="-127"/>
+              </a:rPr>
+              <a:t>  "</a:t>
+            </a:r>
+            <a:r>
+              <a:rPr kumimoji="1" lang="en-US" altLang="ko-Kore-KR" sz="1200" b="1" dirty="0" err="1">
+                <a:solidFill>
+                  <a:srgbClr val="5DA2C5"/>
+                </a:solidFill>
+                <a:latin typeface="SHeadG" panose="02030600000101010101" pitchFamily="18" charset="-127"/>
+                <a:ea typeface="SHeadG" panose="02030600000101010101" pitchFamily="18" charset="-127"/>
+              </a:rPr>
+              <a:t>lastName</a:t>
+            </a:r>
+            <a:r>
+              <a:rPr kumimoji="1" lang="en-US" altLang="ko-Kore-KR" sz="1200" b="1" dirty="0">
+                <a:solidFill>
+                  <a:srgbClr val="5DA2C5"/>
+                </a:solidFill>
+                <a:latin typeface="SHeadG" panose="02030600000101010101" pitchFamily="18" charset="-127"/>
+                <a:ea typeface="SHeadG" panose="02030600000101010101" pitchFamily="18" charset="-127"/>
+              </a:rPr>
+              <a:t>": "text",</a:t>
+            </a:r>
+          </a:p>
+          <a:p>
+            <a:r>
+              <a:rPr kumimoji="1" lang="en-US" altLang="ko-Kore-KR" sz="1200" b="1" dirty="0">
+                <a:solidFill>
+                  <a:srgbClr val="5DA2C5"/>
+                </a:solidFill>
+                <a:latin typeface="SHeadG" panose="02030600000101010101" pitchFamily="18" charset="-127"/>
+                <a:ea typeface="SHeadG" panose="02030600000101010101" pitchFamily="18" charset="-127"/>
+              </a:rPr>
+              <a:t>  "</a:t>
+            </a:r>
+            <a:r>
+              <a:rPr kumimoji="1" lang="en-US" altLang="ko-Kore-KR" sz="1200" b="1" dirty="0" err="1">
+                <a:solidFill>
+                  <a:srgbClr val="5DA2C5"/>
+                </a:solidFill>
+                <a:latin typeface="SHeadG" panose="02030600000101010101" pitchFamily="18" charset="-127"/>
+                <a:ea typeface="SHeadG" panose="02030600000101010101" pitchFamily="18" charset="-127"/>
+              </a:rPr>
+              <a:t>phoneNumber</a:t>
+            </a:r>
+            <a:r>
+              <a:rPr kumimoji="1" lang="en-US" altLang="ko-Kore-KR" sz="1200" b="1" dirty="0">
+                <a:solidFill>
+                  <a:srgbClr val="5DA2C5"/>
+                </a:solidFill>
+                <a:latin typeface="SHeadG" panose="02030600000101010101" pitchFamily="18" charset="-127"/>
+                <a:ea typeface="SHeadG" panose="02030600000101010101" pitchFamily="18" charset="-127"/>
+              </a:rPr>
+              <a:t>": "text",</a:t>
+            </a:r>
+          </a:p>
+          <a:p>
+            <a:r>
+              <a:rPr kumimoji="1" lang="en-US" altLang="ko-Kore-KR" sz="1200" b="1" dirty="0">
+                <a:solidFill>
+                  <a:srgbClr val="5DA2C5"/>
+                </a:solidFill>
+                <a:latin typeface="SHeadG" panose="02030600000101010101" pitchFamily="18" charset="-127"/>
+                <a:ea typeface="SHeadG" panose="02030600000101010101" pitchFamily="18" charset="-127"/>
+              </a:rPr>
+              <a:t>  "address": {</a:t>
+            </a:r>
+          </a:p>
+          <a:p>
+            <a:r>
+              <a:rPr kumimoji="1" lang="en-US" altLang="ko-Kore-KR" sz="1200" b="1" dirty="0">
+                <a:solidFill>
+                  <a:srgbClr val="5DA2C5"/>
+                </a:solidFill>
+                <a:latin typeface="SHeadG" panose="02030600000101010101" pitchFamily="18" charset="-127"/>
+                <a:ea typeface="SHeadG" panose="02030600000101010101" pitchFamily="18" charset="-127"/>
+              </a:rPr>
+              <a:t>    "</a:t>
+            </a:r>
+            <a:r>
+              <a:rPr kumimoji="1" lang="en-US" altLang="ko-Kore-KR" sz="1200" b="1" dirty="0" err="1">
+                <a:solidFill>
+                  <a:srgbClr val="5DA2C5"/>
+                </a:solidFill>
+                <a:latin typeface="SHeadG" panose="02030600000101010101" pitchFamily="18" charset="-127"/>
+                <a:ea typeface="SHeadG" panose="02030600000101010101" pitchFamily="18" charset="-127"/>
+              </a:rPr>
+              <a:t>streetName</a:t>
+            </a:r>
+            <a:r>
+              <a:rPr kumimoji="1" lang="en-US" altLang="ko-Kore-KR" sz="1200" b="1" dirty="0">
+                <a:solidFill>
+                  <a:srgbClr val="5DA2C5"/>
+                </a:solidFill>
+                <a:latin typeface="SHeadG" panose="02030600000101010101" pitchFamily="18" charset="-127"/>
+                <a:ea typeface="SHeadG" panose="02030600000101010101" pitchFamily="18" charset="-127"/>
+              </a:rPr>
+              <a:t>": "text",</a:t>
+            </a:r>
+          </a:p>
+          <a:p>
+            <a:r>
+              <a:rPr kumimoji="1" lang="en-US" altLang="ko-Kore-KR" sz="1200" b="1" dirty="0">
+                <a:solidFill>
+                  <a:srgbClr val="5DA2C5"/>
+                </a:solidFill>
+                <a:latin typeface="SHeadG" panose="02030600000101010101" pitchFamily="18" charset="-127"/>
+                <a:ea typeface="SHeadG" panose="02030600000101010101" pitchFamily="18" charset="-127"/>
+              </a:rPr>
+              <a:t>    "</a:t>
+            </a:r>
+            <a:r>
+              <a:rPr kumimoji="1" lang="en-US" altLang="ko-Kore-KR" sz="1200" b="1" dirty="0" err="1">
+                <a:solidFill>
+                  <a:srgbClr val="5DA2C5"/>
+                </a:solidFill>
+                <a:latin typeface="SHeadG" panose="02030600000101010101" pitchFamily="18" charset="-127"/>
+                <a:ea typeface="SHeadG" panose="02030600000101010101" pitchFamily="18" charset="-127"/>
+              </a:rPr>
+              <a:t>postalCode</a:t>
+            </a:r>
+            <a:r>
+              <a:rPr kumimoji="1" lang="en-US" altLang="ko-Kore-KR" sz="1200" b="1" dirty="0">
+                <a:solidFill>
+                  <a:srgbClr val="5DA2C5"/>
+                </a:solidFill>
+                <a:latin typeface="SHeadG" panose="02030600000101010101" pitchFamily="18" charset="-127"/>
+                <a:ea typeface="SHeadG" panose="02030600000101010101" pitchFamily="18" charset="-127"/>
+              </a:rPr>
+              <a:t>": "text",</a:t>
+            </a:r>
+          </a:p>
+          <a:p>
+            <a:r>
+              <a:rPr kumimoji="1" lang="en-US" altLang="ko-Kore-KR" sz="1200" b="1" dirty="0">
+                <a:solidFill>
+                  <a:srgbClr val="5DA2C5"/>
+                </a:solidFill>
+                <a:latin typeface="SHeadG" panose="02030600000101010101" pitchFamily="18" charset="-127"/>
+                <a:ea typeface="SHeadG" panose="02030600000101010101" pitchFamily="18" charset="-127"/>
+              </a:rPr>
+              <a:t>    "city": "text"</a:t>
+            </a:r>
+          </a:p>
+          <a:p>
+            <a:r>
+              <a:rPr kumimoji="1" lang="en-US" altLang="ko-Kore-KR" sz="1200" b="1" dirty="0">
+                <a:solidFill>
+                  <a:srgbClr val="5DA2C5"/>
+                </a:solidFill>
+                <a:latin typeface="SHeadG" panose="02030600000101010101" pitchFamily="18" charset="-127"/>
+                <a:ea typeface="SHeadG" panose="02030600000101010101" pitchFamily="18" charset="-127"/>
+              </a:rPr>
+              <a:t>  }</a:t>
+            </a:r>
+          </a:p>
+          <a:p>
+            <a:r>
+              <a:rPr kumimoji="1" lang="en-US" altLang="ko-Kore-KR" sz="1200" b="1" dirty="0">
+                <a:solidFill>
+                  <a:srgbClr val="5DA2C5"/>
+                </a:solidFill>
+                <a:latin typeface="SHeadG" panose="02030600000101010101" pitchFamily="18" charset="-127"/>
+                <a:ea typeface="SHeadG" panose="02030600000101010101" pitchFamily="18" charset="-127"/>
+              </a:rPr>
+              <a:t>}</a:t>
+            </a:r>
+          </a:p>
+        </p:txBody>
+      </p:sp>
+      <p:cxnSp>
+        <p:nvCxnSpPr>
+          <p:cNvPr id="14" name="직선 화살표 연결선 13">
+            <a:extLst>
+              <a:ext uri="{FF2B5EF4-FFF2-40B4-BE49-F238E27FC236}">
+                <a16:creationId xmlns:a16="http://schemas.microsoft.com/office/drawing/2014/main" id="{C3FAAAA6-EBD4-E44B-958A-71683154F91C}"/>
+              </a:ext>
+            </a:extLst>
+          </p:cNvPr>
+          <p:cNvCxnSpPr>
+            <a:cxnSpLocks/>
+          </p:cNvCxnSpPr>
+          <p:nvPr/>
+        </p:nvCxnSpPr>
+        <p:spPr>
+          <a:xfrm>
+            <a:off x="2198914" y="1731353"/>
+            <a:ext cx="669946" cy="0"/>
+          </a:xfrm>
+          <a:prstGeom prst="straightConnector1">
+            <a:avLst/>
+          </a:prstGeom>
+          <a:ln w="25400">
+            <a:solidFill>
+              <a:srgbClr val="5DA2C5"/>
+            </a:solidFill>
+            <a:tailEnd type="stealth" w="lg" len="lg"/>
+          </a:ln>
+        </p:spPr>
+        <p:style>
+          <a:lnRef idx="1">
+            <a:schemeClr val="accent1"/>
+          </a:lnRef>
+          <a:fillRef idx="0">
+            <a:schemeClr val="accent1"/>
+          </a:fillRef>
+          <a:effectRef idx="0">
+            <a:schemeClr val="accent1"/>
+          </a:effectRef>
+          <a:fontRef idx="minor">
+            <a:schemeClr val="tx1"/>
+          </a:fontRef>
+        </p:style>
+      </p:cxnSp>
+      <p:sp>
+        <p:nvSpPr>
+          <p:cNvPr id="17" name="TextBox 16">
+            <a:extLst>
+              <a:ext uri="{FF2B5EF4-FFF2-40B4-BE49-F238E27FC236}">
+                <a16:creationId xmlns:a16="http://schemas.microsoft.com/office/drawing/2014/main" id="{DFC1B714-5CD6-2F46-A664-6D50C70E4F39}"/>
+              </a:ext>
+            </a:extLst>
+          </p:cNvPr>
+          <p:cNvSpPr txBox="1"/>
+          <p:nvPr/>
+        </p:nvSpPr>
+        <p:spPr>
+          <a:xfrm>
+            <a:off x="947057" y="1592853"/>
+            <a:ext cx="1251857" cy="276999"/>
+          </a:xfrm>
+          <a:prstGeom prst="rect">
+            <a:avLst/>
+          </a:prstGeom>
+          <a:noFill/>
+        </p:spPr>
+        <p:txBody>
+          <a:bodyPr wrap="square">
+            <a:spAutoFit/>
+          </a:bodyPr>
+          <a:lstStyle/>
+          <a:p>
+            <a:pPr algn="r"/>
+            <a:r>
+              <a:rPr kumimoji="1" lang="en-US" altLang="ko-Kore-KR" sz="1200" b="1" dirty="0">
+                <a:solidFill>
+                  <a:srgbClr val="5DA2C5"/>
+                </a:solidFill>
+                <a:latin typeface="SHeadG" panose="02030600000101010101" pitchFamily="18" charset="-127"/>
+                <a:ea typeface="SHeadG" panose="02030600000101010101" pitchFamily="18" charset="-127"/>
+              </a:rPr>
+              <a:t>object</a:t>
+            </a:r>
+            <a:endParaRPr lang="ko-Kore-KR" altLang="en-US" sz="1200" dirty="0"/>
+          </a:p>
+        </p:txBody>
+      </p:sp>
+    </p:spTree>
+    <p:extLst>
+      <p:ext uri="{BB962C8B-B14F-4D97-AF65-F5344CB8AC3E}">
+        <p14:creationId xmlns:p14="http://schemas.microsoft.com/office/powerpoint/2010/main" val="3382783998"/>
+      </p:ext>
+    </p:extLst>
+  </p:cSld>
+  <p:clrMapOvr>
+    <a:masterClrMapping/>
+  </p:clrMapOvr>
+</p:sld>
+</file>
+
+<file path=ppt/slides/slide36.xml><?xml version="1.0" encoding="utf-8"?>
+<p:sld xmlns:a="http://schemas.openxmlformats.org/drawingml/2006/main" xmlns:r="http://schemas.openxmlformats.org/officeDocument/2006/relationships" xmlns:p="http://schemas.openxmlformats.org/presentationml/2006/main">
+  <p:cSld>
+    <p:spTree>
+      <p:nvGrpSpPr>
+        <p:cNvPr id="1" name=""/>
+        <p:cNvGrpSpPr/>
+        <p:nvPr/>
+      </p:nvGrpSpPr>
+      <p:grpSpPr>
+        <a:xfrm>
+          <a:off x="0" y="0"/>
+          <a:ext cx="0" cy="0"/>
+          <a:chOff x="0" y="0"/>
+          <a:chExt cx="0" cy="0"/>
+        </a:xfrm>
+      </p:grpSpPr>
+      <p:grpSp>
+        <p:nvGrpSpPr>
+          <p:cNvPr id="2" name="그룹 1">
+            <a:extLst>
+              <a:ext uri="{FF2B5EF4-FFF2-40B4-BE49-F238E27FC236}">
+                <a16:creationId xmlns:a16="http://schemas.microsoft.com/office/drawing/2014/main" id="{9AD0F8C7-66AC-D14B-B268-908F0C2DB063}"/>
+              </a:ext>
+            </a:extLst>
+          </p:cNvPr>
+          <p:cNvGrpSpPr/>
+          <p:nvPr/>
+        </p:nvGrpSpPr>
+        <p:grpSpPr>
+          <a:xfrm>
+            <a:off x="4099699" y="847871"/>
+            <a:ext cx="1355075" cy="1233889"/>
+            <a:chOff x="4099699" y="847871"/>
+            <a:chExt cx="1355075" cy="1233889"/>
+          </a:xfrm>
+        </p:grpSpPr>
+        <p:sp>
+          <p:nvSpPr>
+            <p:cNvPr id="5" name="타원 4">
+              <a:extLst>
+                <a:ext uri="{FF2B5EF4-FFF2-40B4-BE49-F238E27FC236}">
+                  <a16:creationId xmlns:a16="http://schemas.microsoft.com/office/drawing/2014/main" id="{4F7FEACA-F6DD-0B4B-82D9-9A85AA3F065E}"/>
+                </a:ext>
+              </a:extLst>
+            </p:cNvPr>
+            <p:cNvSpPr/>
+            <p:nvPr/>
+          </p:nvSpPr>
+          <p:spPr>
+            <a:xfrm>
+              <a:off x="4099699" y="847871"/>
+              <a:ext cx="1355075" cy="1233889"/>
+            </a:xfrm>
+            <a:prstGeom prst="ellipse">
+              <a:avLst/>
+            </a:prstGeom>
+            <a:solidFill>
+              <a:schemeClr val="accent6">
+                <a:lumMod val="75000"/>
+              </a:schemeClr>
+            </a:solidFill>
+            <a:ln>
+              <a:solidFill>
+                <a:schemeClr val="accent6">
+                  <a:lumMod val="50000"/>
+                </a:schemeClr>
+              </a:solidFill>
+            </a:ln>
+          </p:spPr>
+          <p:style>
+            <a:lnRef idx="2">
+              <a:schemeClr val="accent1">
+                <a:shade val="50000"/>
+              </a:schemeClr>
+            </a:lnRef>
+            <a:fillRef idx="1">
+              <a:schemeClr val="accent1"/>
+            </a:fillRef>
+            <a:effectRef idx="0">
+              <a:schemeClr val="accent1"/>
+            </a:effectRef>
+            <a:fontRef idx="minor">
+              <a:schemeClr val="lt1"/>
+            </a:fontRef>
+          </p:style>
+          <p:txBody>
+            <a:bodyPr rtlCol="0" anchor="ctr"/>
+            <a:lstStyle/>
+            <a:p>
+              <a:pPr algn="ctr"/>
+              <a:endParaRPr kumimoji="1" lang="ko-Kore-KR" altLang="en-US" sz="1200" dirty="0"/>
+            </a:p>
+          </p:txBody>
+        </p:sp>
+        <p:sp>
+          <p:nvSpPr>
+            <p:cNvPr id="6" name="TextBox 5">
+              <a:extLst>
+                <a:ext uri="{FF2B5EF4-FFF2-40B4-BE49-F238E27FC236}">
+                  <a16:creationId xmlns:a16="http://schemas.microsoft.com/office/drawing/2014/main" id="{8B9D3C58-128A-2444-A99B-A70113BFBF77}"/>
+                </a:ext>
+              </a:extLst>
+            </p:cNvPr>
+            <p:cNvSpPr txBox="1"/>
+            <p:nvPr/>
+          </p:nvSpPr>
+          <p:spPr>
+            <a:xfrm>
+              <a:off x="4206054" y="1310926"/>
+              <a:ext cx="1142363" cy="307777"/>
+            </a:xfrm>
+            <a:prstGeom prst="rect">
+              <a:avLst/>
+            </a:prstGeom>
+            <a:noFill/>
+          </p:spPr>
+          <p:txBody>
+            <a:bodyPr wrap="square">
+              <a:spAutoFit/>
+            </a:bodyPr>
+            <a:lstStyle/>
+            <a:p>
+              <a:pPr algn="ctr"/>
+              <a:r>
+                <a:rPr kumimoji="1" lang="en-US" altLang="ko-Kore-KR" sz="1400" b="1" dirty="0">
+                  <a:solidFill>
+                    <a:schemeClr val="bg1"/>
+                  </a:solidFill>
+                  <a:latin typeface="SHeadG" panose="02030600000101010101" pitchFamily="18" charset="-127"/>
+                  <a:ea typeface="SHeadG" panose="02030600000101010101" pitchFamily="18" charset="-127"/>
+                </a:rPr>
+                <a:t>company</a:t>
+              </a:r>
+              <a:endParaRPr kumimoji="1" lang="ko-Kore-KR" altLang="en-US" sz="1400" dirty="0">
+                <a:solidFill>
+                  <a:schemeClr val="bg1"/>
+                </a:solidFill>
+              </a:endParaRPr>
+            </a:p>
+          </p:txBody>
+        </p:sp>
+      </p:grpSp>
+      <p:grpSp>
+        <p:nvGrpSpPr>
+          <p:cNvPr id="8" name="그룹 7">
+            <a:extLst>
+              <a:ext uri="{FF2B5EF4-FFF2-40B4-BE49-F238E27FC236}">
+                <a16:creationId xmlns:a16="http://schemas.microsoft.com/office/drawing/2014/main" id="{6F8B1ECA-CF33-7B47-98B4-586E0AD45BD8}"/>
+              </a:ext>
+            </a:extLst>
+          </p:cNvPr>
+          <p:cNvGrpSpPr/>
+          <p:nvPr/>
+        </p:nvGrpSpPr>
+        <p:grpSpPr>
+          <a:xfrm>
+            <a:off x="2850979" y="2544815"/>
+            <a:ext cx="1355075" cy="1233889"/>
+            <a:chOff x="4099699" y="847871"/>
+            <a:chExt cx="1355075" cy="1233889"/>
+          </a:xfrm>
+        </p:grpSpPr>
+        <p:sp>
+          <p:nvSpPr>
+            <p:cNvPr id="9" name="타원 8">
+              <a:extLst>
+                <a:ext uri="{FF2B5EF4-FFF2-40B4-BE49-F238E27FC236}">
+                  <a16:creationId xmlns:a16="http://schemas.microsoft.com/office/drawing/2014/main" id="{83E7EB79-A560-1248-ABFF-5F7EA2AF4E9B}"/>
+                </a:ext>
+              </a:extLst>
+            </p:cNvPr>
+            <p:cNvSpPr/>
+            <p:nvPr/>
+          </p:nvSpPr>
+          <p:spPr>
+            <a:xfrm>
+              <a:off x="4099699" y="847871"/>
+              <a:ext cx="1355075" cy="1233889"/>
+            </a:xfrm>
+            <a:prstGeom prst="ellipse">
+              <a:avLst/>
+            </a:prstGeom>
+            <a:solidFill>
+              <a:schemeClr val="accent2">
+                <a:lumMod val="60000"/>
+                <a:lumOff val="40000"/>
+              </a:schemeClr>
+            </a:solidFill>
+            <a:ln>
+              <a:solidFill>
+                <a:schemeClr val="accent2">
+                  <a:lumMod val="75000"/>
+                </a:schemeClr>
+              </a:solidFill>
+            </a:ln>
+          </p:spPr>
+          <p:style>
+            <a:lnRef idx="2">
+              <a:schemeClr val="accent1">
+                <a:shade val="50000"/>
+              </a:schemeClr>
+            </a:lnRef>
+            <a:fillRef idx="1">
+              <a:schemeClr val="accent1"/>
+            </a:fillRef>
+            <a:effectRef idx="0">
+              <a:schemeClr val="accent1"/>
+            </a:effectRef>
+            <a:fontRef idx="minor">
+              <a:schemeClr val="lt1"/>
+            </a:fontRef>
+          </p:style>
+          <p:txBody>
+            <a:bodyPr rtlCol="0" anchor="ctr"/>
+            <a:lstStyle/>
+            <a:p>
+              <a:pPr algn="ctr"/>
+              <a:endParaRPr kumimoji="1" lang="ko-Kore-KR" altLang="en-US" sz="1200" dirty="0"/>
+            </a:p>
+          </p:txBody>
+        </p:sp>
+        <p:sp>
+          <p:nvSpPr>
+            <p:cNvPr id="10" name="TextBox 9">
+              <a:extLst>
+                <a:ext uri="{FF2B5EF4-FFF2-40B4-BE49-F238E27FC236}">
+                  <a16:creationId xmlns:a16="http://schemas.microsoft.com/office/drawing/2014/main" id="{5B959C3F-AC64-1341-9DF5-3DE5F0D1D594}"/>
+                </a:ext>
+              </a:extLst>
+            </p:cNvPr>
+            <p:cNvSpPr txBox="1"/>
+            <p:nvPr/>
+          </p:nvSpPr>
+          <p:spPr>
+            <a:xfrm>
+              <a:off x="4206054" y="1310926"/>
+              <a:ext cx="1142363" cy="307777"/>
+            </a:xfrm>
+            <a:prstGeom prst="rect">
+              <a:avLst/>
+            </a:prstGeom>
+            <a:noFill/>
+          </p:spPr>
+          <p:txBody>
+            <a:bodyPr wrap="square">
+              <a:spAutoFit/>
+            </a:bodyPr>
+            <a:lstStyle/>
+            <a:p>
+              <a:pPr algn="ctr"/>
+              <a:r>
+                <a:rPr kumimoji="1" lang="en-US" altLang="ko-Kore-KR" sz="1400" b="1" dirty="0">
+                  <a:solidFill>
+                    <a:schemeClr val="bg1"/>
+                  </a:solidFill>
+                  <a:latin typeface="SHeadG" panose="02030600000101010101" pitchFamily="18" charset="-127"/>
+                  <a:ea typeface="SHeadG" panose="02030600000101010101" pitchFamily="18" charset="-127"/>
+                </a:rPr>
+                <a:t>company</a:t>
+              </a:r>
+              <a:endParaRPr kumimoji="1" lang="ko-Kore-KR" altLang="en-US" sz="1400" dirty="0">
+                <a:solidFill>
+                  <a:schemeClr val="bg1"/>
+                </a:solidFill>
+              </a:endParaRPr>
+            </a:p>
+          </p:txBody>
+        </p:sp>
+      </p:grpSp>
+      <p:grpSp>
+        <p:nvGrpSpPr>
+          <p:cNvPr id="11" name="그룹 10">
+            <a:extLst>
+              <a:ext uri="{FF2B5EF4-FFF2-40B4-BE49-F238E27FC236}">
+                <a16:creationId xmlns:a16="http://schemas.microsoft.com/office/drawing/2014/main" id="{8414D092-99CE-414E-BA87-15D6CB505356}"/>
+              </a:ext>
+            </a:extLst>
+          </p:cNvPr>
+          <p:cNvGrpSpPr/>
+          <p:nvPr/>
+        </p:nvGrpSpPr>
+        <p:grpSpPr>
+          <a:xfrm>
+            <a:off x="2850977" y="4405045"/>
+            <a:ext cx="1355075" cy="1233889"/>
+            <a:chOff x="4099699" y="847871"/>
+            <a:chExt cx="1355075" cy="1233889"/>
+          </a:xfrm>
+        </p:grpSpPr>
+        <p:sp>
+          <p:nvSpPr>
+            <p:cNvPr id="12" name="타원 11">
+              <a:extLst>
+                <a:ext uri="{FF2B5EF4-FFF2-40B4-BE49-F238E27FC236}">
+                  <a16:creationId xmlns:a16="http://schemas.microsoft.com/office/drawing/2014/main" id="{2B67EFC6-4DE8-9F42-ACD8-F5B2A53C9DEA}"/>
+                </a:ext>
+              </a:extLst>
+            </p:cNvPr>
+            <p:cNvSpPr/>
+            <p:nvPr/>
+          </p:nvSpPr>
+          <p:spPr>
+            <a:xfrm>
+              <a:off x="4099699" y="847871"/>
+              <a:ext cx="1355075" cy="1233889"/>
+            </a:xfrm>
+            <a:prstGeom prst="ellipse">
+              <a:avLst/>
+            </a:prstGeom>
+            <a:solidFill>
+              <a:schemeClr val="accent5">
+                <a:lumMod val="60000"/>
+                <a:lumOff val="40000"/>
+              </a:schemeClr>
+            </a:solidFill>
+            <a:ln>
+              <a:solidFill>
+                <a:schemeClr val="accent5">
+                  <a:lumMod val="75000"/>
+                </a:schemeClr>
+              </a:solidFill>
+            </a:ln>
+          </p:spPr>
+          <p:style>
+            <a:lnRef idx="2">
+              <a:schemeClr val="accent1">
+                <a:shade val="50000"/>
+              </a:schemeClr>
+            </a:lnRef>
+            <a:fillRef idx="1">
+              <a:schemeClr val="accent1"/>
+            </a:fillRef>
+            <a:effectRef idx="0">
+              <a:schemeClr val="accent1"/>
+            </a:effectRef>
+            <a:fontRef idx="minor">
+              <a:schemeClr val="lt1"/>
+            </a:fontRef>
+          </p:style>
+          <p:txBody>
+            <a:bodyPr rtlCol="0" anchor="ctr"/>
+            <a:lstStyle/>
+            <a:p>
+              <a:pPr algn="ctr"/>
+              <a:endParaRPr kumimoji="1" lang="ko-Kore-KR" altLang="en-US" sz="1200" dirty="0"/>
+            </a:p>
+          </p:txBody>
+        </p:sp>
+        <p:sp>
+          <p:nvSpPr>
+            <p:cNvPr id="15" name="TextBox 14">
+              <a:extLst>
+                <a:ext uri="{FF2B5EF4-FFF2-40B4-BE49-F238E27FC236}">
+                  <a16:creationId xmlns:a16="http://schemas.microsoft.com/office/drawing/2014/main" id="{9482B0DE-FF7C-9A4B-B908-F28DE00896DC}"/>
+                </a:ext>
+              </a:extLst>
+            </p:cNvPr>
+            <p:cNvSpPr txBox="1"/>
+            <p:nvPr/>
+          </p:nvSpPr>
+          <p:spPr>
+            <a:xfrm>
+              <a:off x="4206054" y="1310926"/>
+              <a:ext cx="1142363" cy="307777"/>
+            </a:xfrm>
+            <a:prstGeom prst="rect">
+              <a:avLst/>
+            </a:prstGeom>
+            <a:noFill/>
+          </p:spPr>
+          <p:txBody>
+            <a:bodyPr wrap="square">
+              <a:spAutoFit/>
+            </a:bodyPr>
+            <a:lstStyle/>
+            <a:p>
+              <a:pPr algn="ctr"/>
+              <a:r>
+                <a:rPr kumimoji="1" lang="en-US" altLang="ko-Kore-KR" sz="1400" b="1" dirty="0">
+                  <a:solidFill>
+                    <a:schemeClr val="bg1"/>
+                  </a:solidFill>
+                  <a:latin typeface="SHeadG" panose="02030600000101010101" pitchFamily="18" charset="-127"/>
+                  <a:ea typeface="SHeadG" panose="02030600000101010101" pitchFamily="18" charset="-127"/>
+                </a:rPr>
+                <a:t>company</a:t>
+              </a:r>
+              <a:endParaRPr kumimoji="1" lang="ko-Kore-KR" altLang="en-US" sz="1400" dirty="0">
+                <a:solidFill>
+                  <a:schemeClr val="bg1"/>
+                </a:solidFill>
+              </a:endParaRPr>
+            </a:p>
+          </p:txBody>
+        </p:sp>
+      </p:grpSp>
+      <p:cxnSp>
+        <p:nvCxnSpPr>
+          <p:cNvPr id="16" name="직선 화살표 연결선 15">
+            <a:extLst>
+              <a:ext uri="{FF2B5EF4-FFF2-40B4-BE49-F238E27FC236}">
+                <a16:creationId xmlns:a16="http://schemas.microsoft.com/office/drawing/2014/main" id="{56082B81-0612-9548-A69F-1CF301FC2AFD}"/>
+              </a:ext>
+            </a:extLst>
+          </p:cNvPr>
+          <p:cNvCxnSpPr>
+            <a:cxnSpLocks/>
+            <a:stCxn id="12" idx="0"/>
+            <a:endCxn id="9" idx="4"/>
+          </p:cNvCxnSpPr>
+          <p:nvPr/>
+        </p:nvCxnSpPr>
+        <p:spPr>
+          <a:xfrm flipV="1">
+            <a:off x="3528515" y="3778704"/>
+            <a:ext cx="2" cy="626341"/>
+          </a:xfrm>
+          <a:prstGeom prst="straightConnector1">
+            <a:avLst/>
+          </a:prstGeom>
+          <a:ln w="25400">
+            <a:solidFill>
+              <a:srgbClr val="5DA2C5"/>
+            </a:solidFill>
+            <a:tailEnd type="stealth" w="lg" len="lg"/>
+          </a:ln>
+        </p:spPr>
+        <p:style>
+          <a:lnRef idx="1">
+            <a:schemeClr val="accent1"/>
+          </a:lnRef>
+          <a:fillRef idx="0">
+            <a:schemeClr val="accent1"/>
+          </a:fillRef>
+          <a:effectRef idx="0">
+            <a:schemeClr val="accent1"/>
+          </a:effectRef>
+          <a:fontRef idx="minor">
+            <a:schemeClr val="tx1"/>
+          </a:fontRef>
+        </p:style>
+      </p:cxnSp>
+      <p:cxnSp>
+        <p:nvCxnSpPr>
+          <p:cNvPr id="18" name="구부러진 연결선[U] 17">
+            <a:extLst>
+              <a:ext uri="{FF2B5EF4-FFF2-40B4-BE49-F238E27FC236}">
+                <a16:creationId xmlns:a16="http://schemas.microsoft.com/office/drawing/2014/main" id="{AC6E232D-6F6D-3245-924F-E93C47E2C54A}"/>
+              </a:ext>
+            </a:extLst>
+          </p:cNvPr>
+          <p:cNvCxnSpPr>
+            <a:cxnSpLocks/>
+            <a:stCxn id="9" idx="0"/>
+            <a:endCxn id="5" idx="2"/>
+          </p:cNvCxnSpPr>
+          <p:nvPr/>
+        </p:nvCxnSpPr>
+        <p:spPr>
+          <a:xfrm rot="5400000" flipH="1" flipV="1">
+            <a:off x="3274109" y="1719225"/>
+            <a:ext cx="1079999" cy="571182"/>
+          </a:xfrm>
+          <a:prstGeom prst="curvedConnector2">
+            <a:avLst/>
+          </a:prstGeom>
+          <a:ln w="25400">
+            <a:solidFill>
+              <a:srgbClr val="5DA2C5"/>
+            </a:solidFill>
+            <a:tailEnd type="stealth" w="lg" len="lg"/>
+          </a:ln>
+        </p:spPr>
+        <p:style>
+          <a:lnRef idx="1">
+            <a:schemeClr val="accent1"/>
+          </a:lnRef>
+          <a:fillRef idx="0">
+            <a:schemeClr val="accent1"/>
+          </a:fillRef>
+          <a:effectRef idx="0">
+            <a:schemeClr val="accent1"/>
+          </a:effectRef>
+          <a:fontRef idx="minor">
+            <a:schemeClr val="tx1"/>
+          </a:fontRef>
+        </p:style>
+      </p:cxnSp>
+      <p:grpSp>
+        <p:nvGrpSpPr>
+          <p:cNvPr id="20" name="그룹 19">
+            <a:extLst>
+              <a:ext uri="{FF2B5EF4-FFF2-40B4-BE49-F238E27FC236}">
+                <a16:creationId xmlns:a16="http://schemas.microsoft.com/office/drawing/2014/main" id="{62D827C8-61F2-0B43-9BBF-2D946E233563}"/>
+              </a:ext>
+            </a:extLst>
+          </p:cNvPr>
+          <p:cNvGrpSpPr/>
+          <p:nvPr/>
+        </p:nvGrpSpPr>
+        <p:grpSpPr>
+          <a:xfrm>
+            <a:off x="5348417" y="2544815"/>
+            <a:ext cx="1355075" cy="1233889"/>
+            <a:chOff x="4099699" y="847871"/>
+            <a:chExt cx="1355075" cy="1233889"/>
+          </a:xfrm>
+        </p:grpSpPr>
+        <p:sp>
+          <p:nvSpPr>
+            <p:cNvPr id="21" name="타원 20">
+              <a:extLst>
+                <a:ext uri="{FF2B5EF4-FFF2-40B4-BE49-F238E27FC236}">
+                  <a16:creationId xmlns:a16="http://schemas.microsoft.com/office/drawing/2014/main" id="{D673533E-C9A8-8F48-904E-E835775E1176}"/>
+                </a:ext>
+              </a:extLst>
+            </p:cNvPr>
+            <p:cNvSpPr/>
+            <p:nvPr/>
+          </p:nvSpPr>
+          <p:spPr>
+            <a:xfrm>
+              <a:off x="4099699" y="847871"/>
+              <a:ext cx="1355075" cy="1233889"/>
+            </a:xfrm>
+            <a:prstGeom prst="ellipse">
+              <a:avLst/>
+            </a:prstGeom>
+            <a:solidFill>
+              <a:schemeClr val="accent2">
+                <a:lumMod val="75000"/>
+              </a:schemeClr>
+            </a:solidFill>
+            <a:ln>
+              <a:solidFill>
+                <a:schemeClr val="accent2">
+                  <a:lumMod val="50000"/>
+                </a:schemeClr>
+              </a:solidFill>
+            </a:ln>
+          </p:spPr>
+          <p:style>
+            <a:lnRef idx="2">
+              <a:schemeClr val="accent1">
+                <a:shade val="50000"/>
+              </a:schemeClr>
+            </a:lnRef>
+            <a:fillRef idx="1">
+              <a:schemeClr val="accent1"/>
+            </a:fillRef>
+            <a:effectRef idx="0">
+              <a:schemeClr val="accent1"/>
+            </a:effectRef>
+            <a:fontRef idx="minor">
+              <a:schemeClr val="lt1"/>
+            </a:fontRef>
+          </p:style>
+          <p:txBody>
+            <a:bodyPr rtlCol="0" anchor="ctr"/>
+            <a:lstStyle/>
+            <a:p>
+              <a:pPr algn="ctr"/>
+              <a:endParaRPr kumimoji="1" lang="ko-Kore-KR" altLang="en-US" sz="1200" dirty="0"/>
+            </a:p>
+          </p:txBody>
+        </p:sp>
+        <p:sp>
+          <p:nvSpPr>
+            <p:cNvPr id="22" name="TextBox 21">
+              <a:extLst>
+                <a:ext uri="{FF2B5EF4-FFF2-40B4-BE49-F238E27FC236}">
+                  <a16:creationId xmlns:a16="http://schemas.microsoft.com/office/drawing/2014/main" id="{6F70AF05-D3AD-EE43-8C71-4042295E19B9}"/>
+                </a:ext>
+              </a:extLst>
+            </p:cNvPr>
+            <p:cNvSpPr txBox="1"/>
+            <p:nvPr/>
+          </p:nvSpPr>
+          <p:spPr>
+            <a:xfrm>
+              <a:off x="4206054" y="1310926"/>
+              <a:ext cx="1142363" cy="307777"/>
+            </a:xfrm>
+            <a:prstGeom prst="rect">
+              <a:avLst/>
+            </a:prstGeom>
+            <a:noFill/>
+          </p:spPr>
+          <p:txBody>
+            <a:bodyPr wrap="square">
+              <a:spAutoFit/>
+            </a:bodyPr>
+            <a:lstStyle/>
+            <a:p>
+              <a:pPr algn="ctr"/>
+              <a:r>
+                <a:rPr kumimoji="1" lang="en-US" altLang="ko-Kore-KR" sz="1400" b="1" dirty="0">
+                  <a:solidFill>
+                    <a:schemeClr val="bg1"/>
+                  </a:solidFill>
+                  <a:latin typeface="SHeadG" panose="02030600000101010101" pitchFamily="18" charset="-127"/>
+                  <a:ea typeface="SHeadG" panose="02030600000101010101" pitchFamily="18" charset="-127"/>
+                </a:rPr>
+                <a:t>supplier</a:t>
+              </a:r>
+              <a:endParaRPr kumimoji="1" lang="ko-Kore-KR" altLang="en-US" sz="1400" dirty="0">
+                <a:solidFill>
+                  <a:schemeClr val="bg1"/>
+                </a:solidFill>
+              </a:endParaRPr>
+            </a:p>
+          </p:txBody>
+        </p:sp>
+      </p:grpSp>
+      <p:cxnSp>
+        <p:nvCxnSpPr>
+          <p:cNvPr id="23" name="구부러진 연결선[U] 22">
+            <a:extLst>
+              <a:ext uri="{FF2B5EF4-FFF2-40B4-BE49-F238E27FC236}">
+                <a16:creationId xmlns:a16="http://schemas.microsoft.com/office/drawing/2014/main" id="{84B9161B-0C42-4E48-93DF-50FC52BE1F36}"/>
+              </a:ext>
+            </a:extLst>
+          </p:cNvPr>
+          <p:cNvCxnSpPr>
+            <a:cxnSpLocks/>
+            <a:stCxn id="21" idx="0"/>
+            <a:endCxn id="5" idx="6"/>
+          </p:cNvCxnSpPr>
+          <p:nvPr/>
+        </p:nvCxnSpPr>
+        <p:spPr>
+          <a:xfrm rot="16200000" flipV="1">
+            <a:off x="5200366" y="1719225"/>
+            <a:ext cx="1079999" cy="571181"/>
+          </a:xfrm>
+          <a:prstGeom prst="curvedConnector2">
+            <a:avLst/>
+          </a:prstGeom>
+          <a:ln w="25400">
+            <a:solidFill>
+              <a:srgbClr val="5DA2C5"/>
+            </a:solidFill>
+            <a:tailEnd type="stealth" w="lg" len="lg"/>
+          </a:ln>
+        </p:spPr>
+        <p:style>
+          <a:lnRef idx="1">
+            <a:schemeClr val="accent1"/>
+          </a:lnRef>
+          <a:fillRef idx="0">
+            <a:schemeClr val="accent1"/>
+          </a:fillRef>
+          <a:effectRef idx="0">
+            <a:schemeClr val="accent1"/>
+          </a:effectRef>
+          <a:fontRef idx="minor">
+            <a:schemeClr val="tx1"/>
+          </a:fontRef>
+        </p:style>
+      </p:cxnSp>
+    </p:spTree>
+    <p:extLst>
+      <p:ext uri="{BB962C8B-B14F-4D97-AF65-F5344CB8AC3E}">
+        <p14:creationId xmlns:p14="http://schemas.microsoft.com/office/powerpoint/2010/main" val="936569247"/>
+      </p:ext>
+    </p:extLst>
+  </p:cSld>
+  <p:clrMapOvr>
+    <a:masterClrMapping/>
+  </p:clrMapOvr>
+</p:sld>
+</file>
+
 <file path=ppt/slides/slide4.xml><?xml version="1.0" encoding="utf-8"?>
 <p:sld xmlns:a="http://schemas.openxmlformats.org/drawingml/2006/main" xmlns:r="http://schemas.openxmlformats.org/officeDocument/2006/relationships" xmlns:p="http://schemas.openxmlformats.org/presentationml/2006/main">
   <p:cSld>

--- a/complete-guide-to-elasticsearch/elasticsearch.pptx
+++ b/complete-guide-to-elasticsearch/elasticsearch.pptx
@@ -278,7 +278,7 @@
           <a:p>
             <a:fld id="{3083E1A9-A397-4745-BD5D-6E8E767939EE}" type="datetimeFigureOut">
               <a:rPr kumimoji="1" lang="ko-Kore-KR" altLang="en-US" smtClean="0"/>
-              <a:t>2022. 8. 21.</a:t>
+              <a:t>2022. 9. 8.</a:t>
             </a:fld>
             <a:endParaRPr kumimoji="1" lang="ko-Kore-KR" altLang="en-US"/>
           </a:p>
@@ -448,7 +448,7 @@
           <a:p>
             <a:fld id="{3083E1A9-A397-4745-BD5D-6E8E767939EE}" type="datetimeFigureOut">
               <a:rPr kumimoji="1" lang="ko-Kore-KR" altLang="en-US" smtClean="0"/>
-              <a:t>2022. 8. 21.</a:t>
+              <a:t>2022. 9. 8.</a:t>
             </a:fld>
             <a:endParaRPr kumimoji="1" lang="ko-Kore-KR" altLang="en-US"/>
           </a:p>
@@ -628,7 +628,7 @@
           <a:p>
             <a:fld id="{3083E1A9-A397-4745-BD5D-6E8E767939EE}" type="datetimeFigureOut">
               <a:rPr kumimoji="1" lang="ko-Kore-KR" altLang="en-US" smtClean="0"/>
-              <a:t>2022. 8. 21.</a:t>
+              <a:t>2022. 9. 8.</a:t>
             </a:fld>
             <a:endParaRPr kumimoji="1" lang="ko-Kore-KR" altLang="en-US"/>
           </a:p>
@@ -798,7 +798,7 @@
           <a:p>
             <a:fld id="{3083E1A9-A397-4745-BD5D-6E8E767939EE}" type="datetimeFigureOut">
               <a:rPr kumimoji="1" lang="ko-Kore-KR" altLang="en-US" smtClean="0"/>
-              <a:t>2022. 8. 21.</a:t>
+              <a:t>2022. 9. 8.</a:t>
             </a:fld>
             <a:endParaRPr kumimoji="1" lang="ko-Kore-KR" altLang="en-US"/>
           </a:p>
@@ -1044,7 +1044,7 @@
           <a:p>
             <a:fld id="{3083E1A9-A397-4745-BD5D-6E8E767939EE}" type="datetimeFigureOut">
               <a:rPr kumimoji="1" lang="ko-Kore-KR" altLang="en-US" smtClean="0"/>
-              <a:t>2022. 8. 21.</a:t>
+              <a:t>2022. 9. 8.</a:t>
             </a:fld>
             <a:endParaRPr kumimoji="1" lang="ko-Kore-KR" altLang="en-US"/>
           </a:p>
@@ -1276,7 +1276,7 @@
           <a:p>
             <a:fld id="{3083E1A9-A397-4745-BD5D-6E8E767939EE}" type="datetimeFigureOut">
               <a:rPr kumimoji="1" lang="ko-Kore-KR" altLang="en-US" smtClean="0"/>
-              <a:t>2022. 8. 21.</a:t>
+              <a:t>2022. 9. 8.</a:t>
             </a:fld>
             <a:endParaRPr kumimoji="1" lang="ko-Kore-KR" altLang="en-US"/>
           </a:p>
@@ -1643,7 +1643,7 @@
           <a:p>
             <a:fld id="{3083E1A9-A397-4745-BD5D-6E8E767939EE}" type="datetimeFigureOut">
               <a:rPr kumimoji="1" lang="ko-Kore-KR" altLang="en-US" smtClean="0"/>
-              <a:t>2022. 8. 21.</a:t>
+              <a:t>2022. 9. 8.</a:t>
             </a:fld>
             <a:endParaRPr kumimoji="1" lang="ko-Kore-KR" altLang="en-US"/>
           </a:p>
@@ -1761,7 +1761,7 @@
           <a:p>
             <a:fld id="{3083E1A9-A397-4745-BD5D-6E8E767939EE}" type="datetimeFigureOut">
               <a:rPr kumimoji="1" lang="ko-Kore-KR" altLang="en-US" smtClean="0"/>
-              <a:t>2022. 8. 21.</a:t>
+              <a:t>2022. 9. 8.</a:t>
             </a:fld>
             <a:endParaRPr kumimoji="1" lang="ko-Kore-KR" altLang="en-US"/>
           </a:p>
@@ -1856,7 +1856,7 @@
           <a:p>
             <a:fld id="{3083E1A9-A397-4745-BD5D-6E8E767939EE}" type="datetimeFigureOut">
               <a:rPr kumimoji="1" lang="ko-Kore-KR" altLang="en-US" smtClean="0"/>
-              <a:t>2022. 8. 21.</a:t>
+              <a:t>2022. 9. 8.</a:t>
             </a:fld>
             <a:endParaRPr kumimoji="1" lang="ko-Kore-KR" altLang="en-US"/>
           </a:p>
@@ -2133,7 +2133,7 @@
           <a:p>
             <a:fld id="{3083E1A9-A397-4745-BD5D-6E8E767939EE}" type="datetimeFigureOut">
               <a:rPr kumimoji="1" lang="ko-Kore-KR" altLang="en-US" smtClean="0"/>
-              <a:t>2022. 8. 21.</a:t>
+              <a:t>2022. 9. 8.</a:t>
             </a:fld>
             <a:endParaRPr kumimoji="1" lang="ko-Kore-KR" altLang="en-US"/>
           </a:p>
@@ -2390,7 +2390,7 @@
           <a:p>
             <a:fld id="{3083E1A9-A397-4745-BD5D-6E8E767939EE}" type="datetimeFigureOut">
               <a:rPr kumimoji="1" lang="ko-Kore-KR" altLang="en-US" smtClean="0"/>
-              <a:t>2022. 8. 21.</a:t>
+              <a:t>2022. 9. 8.</a:t>
             </a:fld>
             <a:endParaRPr kumimoji="1" lang="ko-Kore-KR" altLang="en-US"/>
           </a:p>
@@ -2603,7 +2603,7 @@
           <a:p>
             <a:fld id="{3083E1A9-A397-4745-BD5D-6E8E767939EE}" type="datetimeFigureOut">
               <a:rPr kumimoji="1" lang="ko-Kore-KR" altLang="en-US" smtClean="0"/>
-              <a:t>2022. 8. 21.</a:t>
+              <a:t>2022. 9. 8.</a:t>
             </a:fld>
             <a:endParaRPr kumimoji="1" lang="ko-Kore-KR" altLang="en-US"/>
           </a:p>
@@ -34026,9 +34026,9 @@
           <p:nvPr/>
         </p:nvSpPr>
         <p:spPr>
-          <a:xfrm rot="20780329">
-            <a:off x="5450949" y="4480479"/>
-            <a:ext cx="2098623" cy="276999"/>
+          <a:xfrm rot="20851659">
+            <a:off x="4880553" y="4479291"/>
+            <a:ext cx="3249188" cy="276999"/>
           </a:xfrm>
           <a:prstGeom prst="rect">
             <a:avLst/>
@@ -34063,26 +34063,6 @@
               <a:t> </a:t>
             </a:r>
             <a:r>
-              <a:rPr kumimoji="1" lang="en-US" altLang="ko-KR" sz="1200" b="1" dirty="0" err="1">
-                <a:solidFill>
-                  <a:srgbClr val="5DA2C5"/>
-                </a:solidFill>
-                <a:latin typeface="SHeadG" panose="02030600000101010101" pitchFamily="18" charset="-127"/>
-                <a:ea typeface="SHeadG" panose="02030600000101010101" pitchFamily="18" charset="-127"/>
-              </a:rPr>
-              <a:t>in_stock</a:t>
-            </a:r>
-            <a:r>
-              <a:rPr kumimoji="1" lang="ko-KR" altLang="en-US" sz="1200" b="1" dirty="0">
-                <a:solidFill>
-                  <a:srgbClr val="5DA2C5"/>
-                </a:solidFill>
-                <a:latin typeface="SHeadG" panose="02030600000101010101" pitchFamily="18" charset="-127"/>
-                <a:ea typeface="SHeadG" panose="02030600000101010101" pitchFamily="18" charset="-127"/>
-              </a:rPr>
-              <a:t>을 </a:t>
-            </a:r>
-            <a:r>
               <a:rPr kumimoji="1" lang="en-US" altLang="ko-KR" sz="1200" b="1" dirty="0">
                 <a:solidFill>
                   <a:srgbClr val="5DA2C5"/>
@@ -34090,17 +34070,7 @@
                 <a:latin typeface="SHeadG" panose="02030600000101010101" pitchFamily="18" charset="-127"/>
                 <a:ea typeface="SHeadG" panose="02030600000101010101" pitchFamily="18" charset="-127"/>
               </a:rPr>
-              <a:t>5</a:t>
-            </a:r>
-            <a:r>
-              <a:rPr kumimoji="1" lang="ko-KR" altLang="en-US" sz="1200" b="1" dirty="0">
-                <a:solidFill>
-                  <a:srgbClr val="5DA2C5"/>
-                </a:solidFill>
-                <a:latin typeface="SHeadG" panose="02030600000101010101" pitchFamily="18" charset="-127"/>
-                <a:ea typeface="SHeadG" panose="02030600000101010101" pitchFamily="18" charset="-127"/>
-              </a:rPr>
-              <a:t>로 업데이트</a:t>
+              <a:t>POST products/_update/100?version=1</a:t>
             </a:r>
             <a:endParaRPr kumimoji="1" lang="ko-Kore-KR" altLang="en-US" sz="1200" b="1" dirty="0">
               <a:solidFill>
@@ -34126,7 +34096,7 @@
         </p:nvSpPr>
         <p:spPr>
           <a:xfrm>
-            <a:off x="8239627" y="4772862"/>
+            <a:off x="8549080" y="4727830"/>
             <a:ext cx="2755207" cy="276999"/>
           </a:xfrm>
           <a:prstGeom prst="rect">
@@ -34141,56 +34111,14 @@
           <a:lstStyle/>
           <a:p>
             <a:r>
-              <a:rPr kumimoji="1" lang="en-US" altLang="ko-Kore-KR" sz="1200" b="1" dirty="0">
+              <a:rPr kumimoji="1" lang="en-US" altLang="ko-KR" sz="1200" b="1" dirty="0">
                 <a:solidFill>
                   <a:srgbClr val="5DA2C5"/>
                 </a:solidFill>
                 <a:latin typeface="SHeadG" panose="02030600000101010101" pitchFamily="18" charset="-127"/>
                 <a:ea typeface="SHeadG" panose="02030600000101010101" pitchFamily="18" charset="-127"/>
               </a:rPr>
-              <a:t>”</a:t>
-            </a:r>
-            <a:r>
-              <a:rPr kumimoji="1" lang="en-US" altLang="ko-Kore-KR" sz="1200" b="1" dirty="0" err="1">
-                <a:solidFill>
-                  <a:srgbClr val="5DA2C5"/>
-                </a:solidFill>
-                <a:latin typeface="SHeadG" panose="02030600000101010101" pitchFamily="18" charset="-127"/>
-                <a:ea typeface="SHeadG" panose="02030600000101010101" pitchFamily="18" charset="-127"/>
-              </a:rPr>
-              <a:t>in_stock</a:t>
-            </a:r>
-            <a:r>
-              <a:rPr kumimoji="1" lang="en-US" altLang="ko-Kore-KR" sz="1200" b="1" dirty="0">
-                <a:solidFill>
-                  <a:srgbClr val="5DA2C5"/>
-                </a:solidFill>
-                <a:latin typeface="SHeadG" panose="02030600000101010101" pitchFamily="18" charset="-127"/>
-                <a:ea typeface="SHeadG" panose="02030600000101010101" pitchFamily="18" charset="-127"/>
-              </a:rPr>
-              <a:t>”: 5 </a:t>
-            </a:r>
-            <a:r>
-              <a:rPr kumimoji="1" lang="en-US" altLang="ko-Kore-KR" sz="1200" b="1" dirty="0">
-                <a:solidFill>
-                  <a:srgbClr val="5DA2C5"/>
-                </a:solidFill>
-                <a:latin typeface="SHeadG" panose="02030600000101010101" pitchFamily="18" charset="-127"/>
-                <a:ea typeface="SHeadG" panose="02030600000101010101" pitchFamily="18" charset="-127"/>
-                <a:sym typeface="Wingdings" pitchFamily="2" charset="2"/>
-              </a:rPr>
-              <a:t> </a:t>
-            </a:r>
-            <a:r>
-              <a:rPr kumimoji="1" lang="ko-KR" altLang="en-US" sz="1200" b="1" dirty="0">
-                <a:solidFill>
-                  <a:srgbClr val="5DA2C5"/>
-                </a:solidFill>
-                <a:latin typeface="SHeadG" panose="02030600000101010101" pitchFamily="18" charset="-127"/>
-                <a:ea typeface="SHeadG" panose="02030600000101010101" pitchFamily="18" charset="-127"/>
-                <a:sym typeface="Wingdings" pitchFamily="2" charset="2"/>
-              </a:rPr>
-              <a:t>잘못된 값</a:t>
+              <a:t>_version: 2</a:t>
             </a:r>
             <a:endParaRPr kumimoji="1" lang="ko-Kore-KR" altLang="en-US" sz="1200" b="1" dirty="0">
               <a:solidFill>
@@ -34250,6 +34178,36 @@
           </a:p>
         </p:txBody>
       </p:sp>
+      <p:pic>
+        <p:nvPicPr>
+          <p:cNvPr id="23" name="그림 22">
+            <a:extLst>
+              <a:ext uri="{FF2B5EF4-FFF2-40B4-BE49-F238E27FC236}">
+                <a16:creationId xmlns:a16="http://schemas.microsoft.com/office/drawing/2014/main" id="{D24DAB90-7B3E-6746-B0E7-ADBE3828931E}"/>
+              </a:ext>
+            </a:extLst>
+          </p:cNvPr>
+          <p:cNvPicPr>
+            <a:picLocks noChangeAspect="1"/>
+          </p:cNvPicPr>
+          <p:nvPr/>
+        </p:nvPicPr>
+        <p:blipFill>
+          <a:blip r:embed="rId4"/>
+          <a:stretch>
+            <a:fillRect/>
+          </a:stretch>
+        </p:blipFill>
+        <p:spPr>
+          <a:xfrm>
+            <a:off x="8167243" y="4724828"/>
+            <a:ext cx="353986" cy="353986"/>
+          </a:xfrm>
+          <a:prstGeom prst="rect">
+            <a:avLst/>
+          </a:prstGeom>
+        </p:spPr>
+      </p:pic>
     </p:spTree>
     <p:extLst>
       <p:ext uri="{BB962C8B-B14F-4D97-AF65-F5344CB8AC3E}">
